--- a/Test Driven Development/materials/pptx/5. TDD-EasyMock.pptx
+++ b/Test Driven Development/materials/pptx/5. TDD-EasyMock.pptx
@@ -7,33 +7,32 @@
     <p:sldMasterId id="2147483694" r:id="rId3"/>
   </p:sldMasterIdLst>
   <p:notesMasterIdLst>
-    <p:notesMasterId r:id="rId28"/>
+    <p:notesMasterId r:id="rId27"/>
   </p:notesMasterIdLst>
   <p:sldIdLst>
     <p:sldId id="355" r:id="rId4"/>
-    <p:sldId id="257" r:id="rId5"/>
-    <p:sldId id="375" r:id="rId6"/>
-    <p:sldId id="394" r:id="rId7"/>
-    <p:sldId id="395" r:id="rId8"/>
-    <p:sldId id="396" r:id="rId9"/>
-    <p:sldId id="397" r:id="rId10"/>
-    <p:sldId id="398" r:id="rId11"/>
-    <p:sldId id="399" r:id="rId12"/>
-    <p:sldId id="400" r:id="rId13"/>
-    <p:sldId id="401" r:id="rId14"/>
-    <p:sldId id="402" r:id="rId15"/>
-    <p:sldId id="403" r:id="rId16"/>
-    <p:sldId id="404" r:id="rId17"/>
-    <p:sldId id="405" r:id="rId18"/>
-    <p:sldId id="406" r:id="rId19"/>
-    <p:sldId id="407" r:id="rId20"/>
-    <p:sldId id="408" r:id="rId21"/>
-    <p:sldId id="409" r:id="rId22"/>
-    <p:sldId id="410" r:id="rId23"/>
-    <p:sldId id="411" r:id="rId24"/>
-    <p:sldId id="412" r:id="rId25"/>
-    <p:sldId id="357" r:id="rId26"/>
-    <p:sldId id="356" r:id="rId27"/>
+    <p:sldId id="375" r:id="rId5"/>
+    <p:sldId id="394" r:id="rId6"/>
+    <p:sldId id="395" r:id="rId7"/>
+    <p:sldId id="396" r:id="rId8"/>
+    <p:sldId id="397" r:id="rId9"/>
+    <p:sldId id="398" r:id="rId10"/>
+    <p:sldId id="399" r:id="rId11"/>
+    <p:sldId id="400" r:id="rId12"/>
+    <p:sldId id="401" r:id="rId13"/>
+    <p:sldId id="402" r:id="rId14"/>
+    <p:sldId id="403" r:id="rId15"/>
+    <p:sldId id="404" r:id="rId16"/>
+    <p:sldId id="405" r:id="rId17"/>
+    <p:sldId id="406" r:id="rId18"/>
+    <p:sldId id="407" r:id="rId19"/>
+    <p:sldId id="408" r:id="rId20"/>
+    <p:sldId id="409" r:id="rId21"/>
+    <p:sldId id="410" r:id="rId22"/>
+    <p:sldId id="411" r:id="rId23"/>
+    <p:sldId id="412" r:id="rId24"/>
+    <p:sldId id="357" r:id="rId25"/>
+    <p:sldId id="356" r:id="rId26"/>
   </p:sldIdLst>
   <p:sldSz cx="9144000" cy="6858000" type="screen4x3"/>
   <p:notesSz cx="6858000" cy="9144000"/>
@@ -217,7 +216,7 @@
           <a:p>
             <a:fld id="{B946ECE3-FD69-FE4C-B5B3-E9526994F809}" type="datetimeFigureOut">
               <a:rPr lang="en-US" smtClean="0"/>
-              <a:t>11/1/12</a:t>
+              <a:t>12/10/2012</a:t>
             </a:fld>
             <a:endParaRPr lang="en-US"/>
           </a:p>
@@ -567,7 +566,7 @@
           <a:p>
             <a:fld id="{3A3568CC-110C-4346-A0AE-B1FBECAA9176}" type="slidenum">
               <a:rPr lang="en-US" smtClean="0"/>
-              <a:t>3</a:t>
+              <a:t>2</a:t>
             </a:fld>
             <a:endParaRPr lang="en-US" dirty="0"/>
           </a:p>
@@ -651,7 +650,7 @@
           <a:p>
             <a:fld id="{3A3568CC-110C-4346-A0AE-B1FBECAA9176}" type="slidenum">
               <a:rPr lang="en-US" smtClean="0"/>
-              <a:t>12</a:t>
+              <a:t>11</a:t>
             </a:fld>
             <a:endParaRPr lang="en-US"/>
           </a:p>
@@ -735,7 +734,7 @@
           <a:p>
             <a:fld id="{3A3568CC-110C-4346-A0AE-B1FBECAA9176}" type="slidenum">
               <a:rPr lang="en-US" smtClean="0"/>
-              <a:t>13</a:t>
+              <a:t>12</a:t>
             </a:fld>
             <a:endParaRPr lang="en-US"/>
           </a:p>
@@ -819,7 +818,7 @@
           <a:p>
             <a:fld id="{3A3568CC-110C-4346-A0AE-B1FBECAA9176}" type="slidenum">
               <a:rPr lang="en-US" smtClean="0"/>
-              <a:t>14</a:t>
+              <a:t>13</a:t>
             </a:fld>
             <a:endParaRPr lang="en-US"/>
           </a:p>
@@ -903,7 +902,7 @@
           <a:p>
             <a:fld id="{3A3568CC-110C-4346-A0AE-B1FBECAA9176}" type="slidenum">
               <a:rPr lang="en-US" smtClean="0"/>
-              <a:t>15</a:t>
+              <a:t>14</a:t>
             </a:fld>
             <a:endParaRPr lang="en-US"/>
           </a:p>
@@ -987,7 +986,7 @@
           <a:p>
             <a:fld id="{3A3568CC-110C-4346-A0AE-B1FBECAA9176}" type="slidenum">
               <a:rPr lang="en-US" smtClean="0"/>
-              <a:t>16</a:t>
+              <a:t>15</a:t>
             </a:fld>
             <a:endParaRPr lang="en-US"/>
           </a:p>
@@ -1071,7 +1070,7 @@
           <a:p>
             <a:fld id="{3A3568CC-110C-4346-A0AE-B1FBECAA9176}" type="slidenum">
               <a:rPr lang="en-US" smtClean="0"/>
-              <a:t>17</a:t>
+              <a:t>16</a:t>
             </a:fld>
             <a:endParaRPr lang="en-US"/>
           </a:p>
@@ -1155,7 +1154,7 @@
           <a:p>
             <a:fld id="{3A3568CC-110C-4346-A0AE-B1FBECAA9176}" type="slidenum">
               <a:rPr lang="en-US" smtClean="0"/>
-              <a:t>18</a:t>
+              <a:t>17</a:t>
             </a:fld>
             <a:endParaRPr lang="en-US"/>
           </a:p>
@@ -1239,7 +1238,7 @@
           <a:p>
             <a:fld id="{3A3568CC-110C-4346-A0AE-B1FBECAA9176}" type="slidenum">
               <a:rPr lang="en-US" smtClean="0"/>
-              <a:t>19</a:t>
+              <a:t>18</a:t>
             </a:fld>
             <a:endParaRPr lang="en-US"/>
           </a:p>
@@ -1323,7 +1322,7 @@
           <a:p>
             <a:fld id="{3A3568CC-110C-4346-A0AE-B1FBECAA9176}" type="slidenum">
               <a:rPr lang="en-US" smtClean="0"/>
-              <a:t>20</a:t>
+              <a:t>19</a:t>
             </a:fld>
             <a:endParaRPr lang="en-US"/>
           </a:p>
@@ -1407,7 +1406,7 @@
           <a:p>
             <a:fld id="{3A3568CC-110C-4346-A0AE-B1FBECAA9176}" type="slidenum">
               <a:rPr lang="en-US" smtClean="0"/>
-              <a:t>21</a:t>
+              <a:t>20</a:t>
             </a:fld>
             <a:endParaRPr lang="en-US"/>
           </a:p>
@@ -1491,7 +1490,7 @@
           <a:p>
             <a:fld id="{3A3568CC-110C-4346-A0AE-B1FBECAA9176}" type="slidenum">
               <a:rPr lang="en-US" smtClean="0"/>
-              <a:t>4</a:t>
+              <a:t>3</a:t>
             </a:fld>
             <a:endParaRPr lang="en-US"/>
           </a:p>
@@ -1575,7 +1574,7 @@
           <a:p>
             <a:fld id="{3A3568CC-110C-4346-A0AE-B1FBECAA9176}" type="slidenum">
               <a:rPr lang="en-US" smtClean="0"/>
-              <a:t>22</a:t>
+              <a:t>21</a:t>
             </a:fld>
             <a:endParaRPr lang="en-US"/>
           </a:p>
@@ -1659,7 +1658,7 @@
           <a:p>
             <a:fld id="{3A3568CC-110C-4346-A0AE-B1FBECAA9176}" type="slidenum">
               <a:rPr lang="en-US" smtClean="0"/>
-              <a:t>5</a:t>
+              <a:t>4</a:t>
             </a:fld>
             <a:endParaRPr lang="en-US"/>
           </a:p>
@@ -1743,7 +1742,7 @@
           <a:p>
             <a:fld id="{3A3568CC-110C-4346-A0AE-B1FBECAA9176}" type="slidenum">
               <a:rPr lang="en-US" smtClean="0"/>
-              <a:t>6</a:t>
+              <a:t>5</a:t>
             </a:fld>
             <a:endParaRPr lang="en-US"/>
           </a:p>
@@ -1827,7 +1826,7 @@
           <a:p>
             <a:fld id="{3A3568CC-110C-4346-A0AE-B1FBECAA9176}" type="slidenum">
               <a:rPr lang="en-US" smtClean="0"/>
-              <a:t>7</a:t>
+              <a:t>6</a:t>
             </a:fld>
             <a:endParaRPr lang="en-US"/>
           </a:p>
@@ -1911,7 +1910,7 @@
           <a:p>
             <a:fld id="{3A3568CC-110C-4346-A0AE-B1FBECAA9176}" type="slidenum">
               <a:rPr lang="en-US" smtClean="0"/>
-              <a:t>8</a:t>
+              <a:t>7</a:t>
             </a:fld>
             <a:endParaRPr lang="en-US"/>
           </a:p>
@@ -1995,7 +1994,7 @@
           <a:p>
             <a:fld id="{3A3568CC-110C-4346-A0AE-B1FBECAA9176}" type="slidenum">
               <a:rPr lang="en-US" smtClean="0"/>
-              <a:t>9</a:t>
+              <a:t>8</a:t>
             </a:fld>
             <a:endParaRPr lang="en-US"/>
           </a:p>
@@ -2079,7 +2078,7 @@
           <a:p>
             <a:fld id="{3A3568CC-110C-4346-A0AE-B1FBECAA9176}" type="slidenum">
               <a:rPr lang="en-US" smtClean="0"/>
-              <a:t>10</a:t>
+              <a:t>9</a:t>
             </a:fld>
             <a:endParaRPr lang="en-US"/>
           </a:p>
@@ -2163,7 +2162,7 @@
           <a:p>
             <a:fld id="{3A3568CC-110C-4346-A0AE-B1FBECAA9176}" type="slidenum">
               <a:rPr lang="en-US" smtClean="0"/>
-              <a:t>11</a:t>
+              <a:t>10</a:t>
             </a:fld>
             <a:endParaRPr lang="en-US"/>
           </a:p>
@@ -2363,7 +2362,7 @@
           <a:p>
             <a:fld id="{7793EDCB-5B64-3143-AFED-AA1357A092FA}" type="datetimeFigureOut">
               <a:rPr lang="en-US" smtClean="0"/>
-              <a:t>11/1/12</a:t>
+              <a:t>12/10/2012</a:t>
             </a:fld>
             <a:endParaRPr lang="en-US"/>
           </a:p>
@@ -2533,7 +2532,7 @@
           <a:p>
             <a:fld id="{7793EDCB-5B64-3143-AFED-AA1357A092FA}" type="datetimeFigureOut">
               <a:rPr lang="en-US" smtClean="0"/>
-              <a:t>11/1/12</a:t>
+              <a:t>12/10/2012</a:t>
             </a:fld>
             <a:endParaRPr lang="en-US"/>
           </a:p>
@@ -2713,7 +2712,7 @@
           <a:p>
             <a:fld id="{7793EDCB-5B64-3143-AFED-AA1357A092FA}" type="datetimeFigureOut">
               <a:rPr lang="en-US" smtClean="0"/>
-              <a:t>11/1/12</a:t>
+              <a:t>12/10/2012</a:t>
             </a:fld>
             <a:endParaRPr lang="en-US"/>
           </a:p>
@@ -2825,14 +2824,14 @@
             <a:noFill/>
           </a:ln>
           <a:extLst>
-            <a:ext uri="{909E8E84-426E-40dd-AFC4-6F175D3DCCD1}">
+            <a:ext uri="{909E8E84-426E-40DD-AFC4-6F175D3DCCD1}">
               <a14:hiddenFill xmlns:a14="http://schemas.microsoft.com/office/drawing/2010/main">
                 <a:solidFill>
                   <a:srgbClr val="FFFFFF"/>
                 </a:solidFill>
               </a14:hiddenFill>
             </a:ext>
-            <a:ext uri="{91240B29-F687-4f45-9708-019B960494DF}">
+            <a:ext uri="{91240B29-F687-4F45-9708-019B960494DF}">
               <a14:hiddenLine xmlns:a14="http://schemas.microsoft.com/office/drawing/2010/main" w="9525">
                 <a:solidFill>
                   <a:srgbClr val="000000"/>
@@ -2879,14 +2878,14 @@
             <a:noFill/>
           </a:ln>
           <a:extLst>
-            <a:ext uri="{909E8E84-426E-40dd-AFC4-6F175D3DCCD1}">
+            <a:ext uri="{909E8E84-426E-40DD-AFC4-6F175D3DCCD1}">
               <a14:hiddenFill xmlns:a14="http://schemas.microsoft.com/office/drawing/2010/main">
                 <a:solidFill>
                   <a:srgbClr val="FFFFFF"/>
                 </a:solidFill>
               </a14:hiddenFill>
             </a:ext>
-            <a:ext uri="{91240B29-F687-4f45-9708-019B960494DF}">
+            <a:ext uri="{91240B29-F687-4F45-9708-019B960494DF}">
               <a14:hiddenLine xmlns:a14="http://schemas.microsoft.com/office/drawing/2010/main" w="9525">
                 <a:solidFill>
                   <a:srgbClr val="000000"/>
@@ -2981,7 +2980,7 @@
   <p:clrMapOvr>
     <a:masterClrMapping/>
   </p:clrMapOvr>
-  <p:transition xmlns:p14="http://schemas.microsoft.com/office/powerpoint/2010/main" spd="slow">
+  <p:transition spd="slow">
     <p:fade/>
   </p:transition>
 </p:sldLayout>
@@ -3210,7 +3209,7 @@
   <p:clrMapOvr>
     <a:masterClrMapping/>
   </p:clrMapOvr>
-  <p:transition xmlns:p14="http://schemas.microsoft.com/office/powerpoint/2010/main" spd="slow">
+  <p:transition spd="slow">
     <p:fade/>
   </p:transition>
 </p:sldLayout>
@@ -3452,7 +3451,7 @@
   <p:clrMapOvr>
     <a:masterClrMapping/>
   </p:clrMapOvr>
-  <p:transition xmlns:p14="http://schemas.microsoft.com/office/powerpoint/2010/main" spd="slow">
+  <p:transition spd="slow">
     <p:fade/>
   </p:transition>
 </p:sldLayout>
@@ -3866,7 +3865,7 @@
   <p:clrMapOvr>
     <a:masterClrMapping/>
   </p:clrMapOvr>
-  <p:transition xmlns:p14="http://schemas.microsoft.com/office/powerpoint/2010/main" spd="slow">
+  <p:transition spd="slow">
     <p:fade/>
   </p:transition>
 </p:sldLayout>
@@ -4236,7 +4235,7 @@
   <p:clrMapOvr>
     <a:masterClrMapping/>
   </p:clrMapOvr>
-  <p:transition xmlns:p14="http://schemas.microsoft.com/office/powerpoint/2010/main" spd="slow">
+  <p:transition spd="slow">
     <p:fade/>
   </p:transition>
 </p:sldLayout>
@@ -4906,7 +4905,7 @@
   <p:clrMapOvr>
     <a:masterClrMapping/>
   </p:clrMapOvr>
-  <p:transition xmlns:p14="http://schemas.microsoft.com/office/powerpoint/2010/main" spd="slow">
+  <p:transition spd="slow">
     <p:fade/>
   </p:transition>
 </p:sldLayout>
@@ -5231,7 +5230,7 @@
   <p:clrMapOvr>
     <a:masterClrMapping/>
   </p:clrMapOvr>
-  <p:transition xmlns:p14="http://schemas.microsoft.com/office/powerpoint/2010/main" spd="slow">
+  <p:transition spd="slow">
     <p:fade/>
   </p:transition>
 </p:sldLayout>
@@ -5641,7 +5640,7 @@
   <p:clrMapOvr>
     <a:masterClrMapping/>
   </p:clrMapOvr>
-  <p:transition xmlns:p14="http://schemas.microsoft.com/office/powerpoint/2010/main" spd="slow">
+  <p:transition spd="slow">
     <p:fade/>
   </p:transition>
 </p:sldLayout>
@@ -5756,7 +5755,7 @@
           <a:p>
             <a:fld id="{7793EDCB-5B64-3143-AFED-AA1357A092FA}" type="datetimeFigureOut">
               <a:rPr lang="en-US" smtClean="0"/>
-              <a:t>11/1/12</a:t>
+              <a:t>12/10/2012</a:t>
             </a:fld>
             <a:endParaRPr lang="en-US"/>
           </a:p>
@@ -6136,7 +6135,7 @@
   <p:clrMapOvr>
     <a:masterClrMapping/>
   </p:clrMapOvr>
-  <p:transition xmlns:p14="http://schemas.microsoft.com/office/powerpoint/2010/main" spd="slow">
+  <p:transition spd="slow">
     <p:fade/>
   </p:transition>
 </p:sldLayout>
@@ -6546,7 +6545,7 @@
   <p:clrMapOvr>
     <a:masterClrMapping/>
   </p:clrMapOvr>
-  <p:transition xmlns:p14="http://schemas.microsoft.com/office/powerpoint/2010/main" spd="slow">
+  <p:transition spd="slow">
     <p:fade/>
   </p:transition>
 </p:sldLayout>
@@ -6871,7 +6870,7 @@
   <p:clrMapOvr>
     <a:masterClrMapping/>
   </p:clrMapOvr>
-  <p:transition xmlns:p14="http://schemas.microsoft.com/office/powerpoint/2010/main" spd="slow">
+  <p:transition spd="slow">
     <p:fade/>
   </p:transition>
 </p:sldLayout>
@@ -7196,7 +7195,7 @@
   <p:clrMapOvr>
     <a:masterClrMapping/>
   </p:clrMapOvr>
-  <p:transition xmlns:p14="http://schemas.microsoft.com/office/powerpoint/2010/main" spd="slow">
+  <p:transition spd="slow">
     <p:fade/>
   </p:transition>
 </p:sldLayout>
@@ -7606,7 +7605,7 @@
   <p:clrMapOvr>
     <a:masterClrMapping/>
   </p:clrMapOvr>
-  <p:transition xmlns:p14="http://schemas.microsoft.com/office/powerpoint/2010/main" spd="slow">
+  <p:transition spd="slow">
     <p:fade/>
   </p:transition>
 </p:sldLayout>
@@ -8016,7 +8015,7 @@
   <p:clrMapOvr>
     <a:masterClrMapping/>
   </p:clrMapOvr>
-  <p:transition xmlns:p14="http://schemas.microsoft.com/office/powerpoint/2010/main" spd="slow">
+  <p:transition spd="slow">
     <p:fade/>
   </p:transition>
 </p:sldLayout>
@@ -8208,7 +8207,7 @@
   <p:clrMapOvr>
     <a:masterClrMapping/>
   </p:clrMapOvr>
-  <p:transition xmlns:p14="http://schemas.microsoft.com/office/powerpoint/2010/main" spd="slow">
+  <p:transition spd="slow">
     <p:fade/>
   </p:transition>
 </p:sldLayout>
@@ -8294,7 +8293,7 @@
   <p:clrMapOvr>
     <a:masterClrMapping/>
   </p:clrMapOvr>
-  <p:transition xmlns:p14="http://schemas.microsoft.com/office/powerpoint/2010/main" spd="slow">
+  <p:transition spd="slow">
     <p:fade/>
   </p:transition>
 </p:sldLayout>
@@ -8448,7 +8447,7 @@
                   <a:spcPct val="0"/>
                 </a:spcAft>
               </a:pPr>
-              <a:t>11/1/12</a:t>
+              <a:t>10.12.2012</a:t>
             </a:fld>
             <a:endParaRPr lang="ru-RU">
               <a:solidFill>
@@ -8618,7 +8617,7 @@
   <p:clrMapOvr>
     <a:masterClrMapping/>
   </p:clrMapOvr>
-  <p:transition xmlns:p14="http://schemas.microsoft.com/office/powerpoint/2010/main" spd="slow">
+  <p:transition spd="slow">
     <p:fade/>
   </p:transition>
 </p:sldLayout>
@@ -8809,7 +8808,7 @@
           <a:p>
             <a:fld id="{7793EDCB-5B64-3143-AFED-AA1357A092FA}" type="datetimeFigureOut">
               <a:rPr lang="en-US" smtClean="0"/>
-              <a:t>11/1/12</a:t>
+              <a:t>12/10/2012</a:t>
             </a:fld>
             <a:endParaRPr lang="en-US"/>
           </a:p>
@@ -9052,14 +9051,14 @@
             <a:noFill/>
           </a:ln>
           <a:extLst>
-            <a:ext uri="{909E8E84-426E-40dd-AFC4-6F175D3DCCD1}">
+            <a:ext uri="{909E8E84-426E-40DD-AFC4-6F175D3DCCD1}">
               <a14:hiddenFill xmlns:a14="http://schemas.microsoft.com/office/drawing/2010/main">
                 <a:solidFill>
                   <a:srgbClr val="FFFFFF"/>
                 </a:solidFill>
               </a14:hiddenFill>
             </a:ext>
-            <a:ext uri="{91240B29-F687-4f45-9708-019B960494DF}">
+            <a:ext uri="{91240B29-F687-4F45-9708-019B960494DF}">
               <a14:hiddenLine xmlns:a14="http://schemas.microsoft.com/office/drawing/2010/main" w="9525">
                 <a:solidFill>
                   <a:srgbClr val="000000"/>
@@ -9195,14 +9194,14 @@
             <a:noFill/>
           </a:ln>
           <a:extLst>
-            <a:ext uri="{909E8E84-426E-40dd-AFC4-6F175D3DCCD1}">
+            <a:ext uri="{909E8E84-426E-40DD-AFC4-6F175D3DCCD1}">
               <a14:hiddenFill xmlns:a14="http://schemas.microsoft.com/office/drawing/2010/main">
                 <a:solidFill>
                   <a:srgbClr val="FFFFFF"/>
                 </a:solidFill>
               </a14:hiddenFill>
             </a:ext>
-            <a:ext uri="{91240B29-F687-4f45-9708-019B960494DF}">
+            <a:ext uri="{91240B29-F687-4F45-9708-019B960494DF}">
               <a14:hiddenLine xmlns:a14="http://schemas.microsoft.com/office/drawing/2010/main" w="9525">
                 <a:solidFill>
                   <a:srgbClr val="000000"/>
@@ -9249,14 +9248,14 @@
             <a:noFill/>
           </a:ln>
           <a:extLst>
-            <a:ext uri="{909E8E84-426E-40dd-AFC4-6F175D3DCCD1}">
+            <a:ext uri="{909E8E84-426E-40DD-AFC4-6F175D3DCCD1}">
               <a14:hiddenFill xmlns:a14="http://schemas.microsoft.com/office/drawing/2010/main">
                 <a:solidFill>
                   <a:srgbClr val="FFFFFF"/>
                 </a:solidFill>
               </a14:hiddenFill>
             </a:ext>
-            <a:ext uri="{91240B29-F687-4f45-9708-019B960494DF}">
+            <a:ext uri="{91240B29-F687-4F45-9708-019B960494DF}">
               <a14:hiddenLine xmlns:a14="http://schemas.microsoft.com/office/drawing/2010/main" w="9525">
                 <a:solidFill>
                   <a:srgbClr val="000000"/>
@@ -9525,7 +9524,7 @@
   <p:clrMapOvr>
     <a:masterClrMapping/>
   </p:clrMapOvr>
-  <p:transition xmlns:p14="http://schemas.microsoft.com/office/powerpoint/2010/main">
+  <p:transition>
     <p:zoom/>
   </p:transition>
 </p:sldLayout>
@@ -9754,7 +9753,7 @@
   <p:clrMapOvr>
     <a:masterClrMapping/>
   </p:clrMapOvr>
-  <p:transition xmlns:p14="http://schemas.microsoft.com/office/powerpoint/2010/main" spd="slow">
+  <p:transition spd="slow">
     <p:fade/>
   </p:transition>
 </p:sldLayout>
@@ -9811,14 +9810,14 @@
             <a:noFill/>
           </a:ln>
           <a:extLst>
-            <a:ext uri="{909E8E84-426E-40dd-AFC4-6F175D3DCCD1}">
+            <a:ext uri="{909E8E84-426E-40DD-AFC4-6F175D3DCCD1}">
               <a14:hiddenFill xmlns:a14="http://schemas.microsoft.com/office/drawing/2010/main">
                 <a:solidFill>
                   <a:srgbClr val="FFFFFF"/>
                 </a:solidFill>
               </a14:hiddenFill>
             </a:ext>
-            <a:ext uri="{91240B29-F687-4f45-9708-019B960494DF}">
+            <a:ext uri="{91240B29-F687-4F45-9708-019B960494DF}">
               <a14:hiddenLine xmlns:a14="http://schemas.microsoft.com/office/drawing/2010/main" w="9525">
                 <a:solidFill>
                   <a:srgbClr val="000000"/>
@@ -9954,14 +9953,14 @@
             <a:noFill/>
           </a:ln>
           <a:extLst>
-            <a:ext uri="{909E8E84-426E-40dd-AFC4-6F175D3DCCD1}">
+            <a:ext uri="{909E8E84-426E-40DD-AFC4-6F175D3DCCD1}">
               <a14:hiddenFill xmlns:a14="http://schemas.microsoft.com/office/drawing/2010/main">
                 <a:solidFill>
                   <a:srgbClr val="FFFFFF"/>
                 </a:solidFill>
               </a14:hiddenFill>
             </a:ext>
-            <a:ext uri="{91240B29-F687-4f45-9708-019B960494DF}">
+            <a:ext uri="{91240B29-F687-4F45-9708-019B960494DF}">
               <a14:hiddenLine xmlns:a14="http://schemas.microsoft.com/office/drawing/2010/main" w="9525">
                 <a:solidFill>
                   <a:srgbClr val="000000"/>
@@ -10008,14 +10007,14 @@
             <a:noFill/>
           </a:ln>
           <a:extLst>
-            <a:ext uri="{909E8E84-426E-40dd-AFC4-6F175D3DCCD1}">
+            <a:ext uri="{909E8E84-426E-40DD-AFC4-6F175D3DCCD1}">
               <a14:hiddenFill xmlns:a14="http://schemas.microsoft.com/office/drawing/2010/main">
                 <a:solidFill>
                   <a:srgbClr val="FFFFFF"/>
                 </a:solidFill>
               </a14:hiddenFill>
             </a:ext>
-            <a:ext uri="{91240B29-F687-4f45-9708-019B960494DF}">
+            <a:ext uri="{91240B29-F687-4F45-9708-019B960494DF}">
               <a14:hiddenLine xmlns:a14="http://schemas.microsoft.com/office/drawing/2010/main" w="9525">
                 <a:solidFill>
                   <a:srgbClr val="000000"/>
@@ -10284,7 +10283,7 @@
   <p:clrMapOvr>
     <a:masterClrMapping/>
   </p:clrMapOvr>
-  <p:transition xmlns:p14="http://schemas.microsoft.com/office/powerpoint/2010/main">
+  <p:transition>
     <p:zoom/>
   </p:transition>
 </p:sldLayout>
@@ -10341,14 +10340,14 @@
             <a:noFill/>
           </a:ln>
           <a:extLst>
-            <a:ext uri="{909E8E84-426E-40dd-AFC4-6F175D3DCCD1}">
+            <a:ext uri="{909E8E84-426E-40DD-AFC4-6F175D3DCCD1}">
               <a14:hiddenFill xmlns:a14="http://schemas.microsoft.com/office/drawing/2010/main">
                 <a:solidFill>
                   <a:srgbClr val="FFFFFF"/>
                 </a:solidFill>
               </a14:hiddenFill>
             </a:ext>
-            <a:ext uri="{91240B29-F687-4f45-9708-019B960494DF}">
+            <a:ext uri="{91240B29-F687-4F45-9708-019B960494DF}">
               <a14:hiddenLine xmlns:a14="http://schemas.microsoft.com/office/drawing/2010/main" w="9525">
                 <a:solidFill>
                   <a:srgbClr val="000000"/>
@@ -10484,14 +10483,14 @@
             <a:noFill/>
           </a:ln>
           <a:extLst>
-            <a:ext uri="{909E8E84-426E-40dd-AFC4-6F175D3DCCD1}">
+            <a:ext uri="{909E8E84-426E-40DD-AFC4-6F175D3DCCD1}">
               <a14:hiddenFill xmlns:a14="http://schemas.microsoft.com/office/drawing/2010/main">
                 <a:solidFill>
                   <a:srgbClr val="FFFFFF"/>
                 </a:solidFill>
               </a14:hiddenFill>
             </a:ext>
-            <a:ext uri="{91240B29-F687-4f45-9708-019B960494DF}">
+            <a:ext uri="{91240B29-F687-4F45-9708-019B960494DF}">
               <a14:hiddenLine xmlns:a14="http://schemas.microsoft.com/office/drawing/2010/main" w="9525">
                 <a:solidFill>
                   <a:srgbClr val="000000"/>
@@ -10538,14 +10537,14 @@
             <a:noFill/>
           </a:ln>
           <a:extLst>
-            <a:ext uri="{909E8E84-426E-40dd-AFC4-6F175D3DCCD1}">
+            <a:ext uri="{909E8E84-426E-40DD-AFC4-6F175D3DCCD1}">
               <a14:hiddenFill xmlns:a14="http://schemas.microsoft.com/office/drawing/2010/main">
                 <a:solidFill>
                   <a:srgbClr val="FFFFFF"/>
                 </a:solidFill>
               </a14:hiddenFill>
             </a:ext>
-            <a:ext uri="{91240B29-F687-4f45-9708-019B960494DF}">
+            <a:ext uri="{91240B29-F687-4F45-9708-019B960494DF}">
               <a14:hiddenLine xmlns:a14="http://schemas.microsoft.com/office/drawing/2010/main" w="9525">
                 <a:solidFill>
                   <a:srgbClr val="000000"/>
@@ -10814,7 +10813,7 @@
   <p:clrMapOvr>
     <a:masterClrMapping/>
   </p:clrMapOvr>
-  <p:transition xmlns:p14="http://schemas.microsoft.com/office/powerpoint/2010/main">
+  <p:transition>
     <p:zoom/>
   </p:transition>
   <p:hf hdr="0" ftr="0" dt="0"/>
@@ -10926,14 +10925,14 @@
             <a:noFill/>
           </a:ln>
           <a:extLst>
-            <a:ext uri="{909E8E84-426E-40dd-AFC4-6F175D3DCCD1}">
+            <a:ext uri="{909E8E84-426E-40DD-AFC4-6F175D3DCCD1}">
               <a14:hiddenFill xmlns:a14="http://schemas.microsoft.com/office/drawing/2010/main">
                 <a:solidFill>
                   <a:srgbClr val="FFFFFF"/>
                 </a:solidFill>
               </a14:hiddenFill>
             </a:ext>
-            <a:ext uri="{91240B29-F687-4f45-9708-019B960494DF}">
+            <a:ext uri="{91240B29-F687-4F45-9708-019B960494DF}">
               <a14:hiddenLine xmlns:a14="http://schemas.microsoft.com/office/drawing/2010/main" w="9525">
                 <a:solidFill>
                   <a:srgbClr val="000000"/>
@@ -10980,14 +10979,14 @@
             <a:noFill/>
           </a:ln>
           <a:extLst>
-            <a:ext uri="{909E8E84-426E-40dd-AFC4-6F175D3DCCD1}">
+            <a:ext uri="{909E8E84-426E-40DD-AFC4-6F175D3DCCD1}">
               <a14:hiddenFill xmlns:a14="http://schemas.microsoft.com/office/drawing/2010/main">
                 <a:solidFill>
                   <a:srgbClr val="FFFFFF"/>
                 </a:solidFill>
               </a14:hiddenFill>
             </a:ext>
-            <a:ext uri="{91240B29-F687-4f45-9708-019B960494DF}">
+            <a:ext uri="{91240B29-F687-4F45-9708-019B960494DF}">
               <a14:hiddenLine xmlns:a14="http://schemas.microsoft.com/office/drawing/2010/main" w="9525">
                 <a:solidFill>
                   <a:srgbClr val="000000"/>
@@ -11091,14 +11090,14 @@
             <a:noFill/>
           </a:ln>
           <a:extLst>
-            <a:ext uri="{909E8E84-426E-40dd-AFC4-6F175D3DCCD1}">
+            <a:ext uri="{909E8E84-426E-40DD-AFC4-6F175D3DCCD1}">
               <a14:hiddenFill xmlns:a14="http://schemas.microsoft.com/office/drawing/2010/main">
                 <a:solidFill>
                   <a:srgbClr val="FFFFFF"/>
                 </a:solidFill>
               </a14:hiddenFill>
             </a:ext>
-            <a:ext uri="{91240B29-F687-4f45-9708-019B960494DF}">
+            <a:ext uri="{91240B29-F687-4F45-9708-019B960494DF}">
               <a14:hiddenLine xmlns:a14="http://schemas.microsoft.com/office/drawing/2010/main" w="9525">
                 <a:solidFill>
                   <a:srgbClr val="000000"/>
@@ -11210,7 +11209,7 @@
   <p:clrMapOvr>
     <a:masterClrMapping/>
   </p:clrMapOvr>
-  <p:transition xmlns:p14="http://schemas.microsoft.com/office/powerpoint/2010/main">
+  <p:transition>
     <p:zoom/>
   </p:transition>
   <p:hf hdr="0" ftr="0" dt="0"/>
@@ -11324,7 +11323,7 @@
   <p:clrMapOvr>
     <a:masterClrMapping/>
   </p:clrMapOvr>
-  <p:transition xmlns:p14="http://schemas.microsoft.com/office/powerpoint/2010/main">
+  <p:transition>
     <p:zoom/>
   </p:transition>
   <p:hf hdr="0" ftr="0" dt="0"/>
@@ -12601,7 +12600,7 @@
   <p:clrMapOvr>
     <a:masterClrMapping/>
   </p:clrMapOvr>
-  <p:transition xmlns:p14="http://schemas.microsoft.com/office/powerpoint/2010/main">
+  <p:transition>
     <p:zoom/>
   </p:transition>
   <p:hf hdr="0" ftr="0" dt="0"/>
@@ -13402,7 +13401,7 @@
   <p:clrMapOvr>
     <a:masterClrMapping/>
   </p:clrMapOvr>
-  <p:transition xmlns:p14="http://schemas.microsoft.com/office/powerpoint/2010/main">
+  <p:transition>
     <p:zoom/>
   </p:transition>
   <p:hf hdr="0" ftr="0" dt="0"/>
@@ -13545,7 +13544,7 @@
   <p:clrMapOvr>
     <a:masterClrMapping/>
   </p:clrMapOvr>
-  <p:transition xmlns:p14="http://schemas.microsoft.com/office/powerpoint/2010/main">
+  <p:transition>
     <p:zoom/>
   </p:transition>
   <p:hf hdr="0" ftr="0" dt="0"/>
@@ -13779,7 +13778,7 @@
           <a:p>
             <a:fld id="{7793EDCB-5B64-3143-AFED-AA1357A092FA}" type="datetimeFigureOut">
               <a:rPr lang="en-US" smtClean="0"/>
-              <a:t>11/1/12</a:t>
+              <a:t>12/10/2012</a:t>
             </a:fld>
             <a:endParaRPr lang="en-US"/>
           </a:p>
@@ -13986,7 +13985,7 @@
   <p:clrMapOvr>
     <a:masterClrMapping/>
   </p:clrMapOvr>
-  <p:transition xmlns:p14="http://schemas.microsoft.com/office/powerpoint/2010/main">
+  <p:transition>
     <p:zoom/>
   </p:transition>
   <p:hf hdr="0" ftr="0" dt="0"/>
@@ -14137,7 +14136,7 @@
   <p:clrMapOvr>
     <a:masterClrMapping/>
   </p:clrMapOvr>
-  <p:transition xmlns:p14="http://schemas.microsoft.com/office/powerpoint/2010/main">
+  <p:transition>
     <p:zoom/>
   </p:transition>
   <p:hf hdr="0" ftr="0" dt="0"/>
@@ -14195,14 +14194,14 @@
             <a:noFill/>
           </a:ln>
           <a:extLst>
-            <a:ext uri="{909E8E84-426E-40dd-AFC4-6F175D3DCCD1}">
+            <a:ext uri="{909E8E84-426E-40DD-AFC4-6F175D3DCCD1}">
               <a14:hiddenFill xmlns:a14="http://schemas.microsoft.com/office/drawing/2010/main">
                 <a:solidFill>
                   <a:srgbClr val="FFFFFF"/>
                 </a:solidFill>
               </a14:hiddenFill>
             </a:ext>
-            <a:ext uri="{91240B29-F687-4f45-9708-019B960494DF}">
+            <a:ext uri="{91240B29-F687-4F45-9708-019B960494DF}">
               <a14:hiddenLine xmlns:a14="http://schemas.microsoft.com/office/drawing/2010/main" w="9525">
                 <a:solidFill>
                   <a:srgbClr val="000000"/>
@@ -14305,14 +14304,14 @@
             <a:noFill/>
           </a:ln>
           <a:extLst>
-            <a:ext uri="{909E8E84-426E-40dd-AFC4-6F175D3DCCD1}">
+            <a:ext uri="{909E8E84-426E-40DD-AFC4-6F175D3DCCD1}">
               <a14:hiddenFill xmlns:a14="http://schemas.microsoft.com/office/drawing/2010/main">
                 <a:solidFill>
                   <a:srgbClr val="FFFFFF"/>
                 </a:solidFill>
               </a14:hiddenFill>
             </a:ext>
-            <a:ext uri="{91240B29-F687-4f45-9708-019B960494DF}">
+            <a:ext uri="{91240B29-F687-4F45-9708-019B960494DF}">
               <a14:hiddenLine xmlns:a14="http://schemas.microsoft.com/office/drawing/2010/main" w="9525">
                 <a:solidFill>
                   <a:srgbClr val="000000"/>
@@ -14359,14 +14358,14 @@
             <a:noFill/>
           </a:ln>
           <a:extLst>
-            <a:ext uri="{909E8E84-426E-40dd-AFC4-6F175D3DCCD1}">
+            <a:ext uri="{909E8E84-426E-40DD-AFC4-6F175D3DCCD1}">
               <a14:hiddenFill xmlns:a14="http://schemas.microsoft.com/office/drawing/2010/main">
                 <a:solidFill>
                   <a:srgbClr val="FFFFFF"/>
                 </a:solidFill>
               </a14:hiddenFill>
             </a:ext>
-            <a:ext uri="{91240B29-F687-4f45-9708-019B960494DF}">
+            <a:ext uri="{91240B29-F687-4F45-9708-019B960494DF}">
               <a14:hiddenLine xmlns:a14="http://schemas.microsoft.com/office/drawing/2010/main" w="9525">
                 <a:solidFill>
                   <a:srgbClr val="000000"/>
@@ -14669,7 +14668,7 @@
   <p:clrMapOvr>
     <a:masterClrMapping/>
   </p:clrMapOvr>
-  <p:transition xmlns:p14="http://schemas.microsoft.com/office/powerpoint/2010/main">
+  <p:transition>
     <p:zoom/>
   </p:transition>
   <p:hf hdr="0" ftr="0" dt="0"/>
@@ -14899,7 +14898,7 @@
   <p:clrMapOvr>
     <a:masterClrMapping/>
   </p:clrMapOvr>
-  <p:transition xmlns:p14="http://schemas.microsoft.com/office/powerpoint/2010/main" spd="slow">
+  <p:transition spd="slow">
     <p:fade/>
   </p:transition>
 </p:sldLayout>
@@ -15397,7 +15396,7 @@
           <a:p>
             <a:fld id="{7793EDCB-5B64-3143-AFED-AA1357A092FA}" type="datetimeFigureOut">
               <a:rPr lang="en-US" smtClean="0"/>
-              <a:t>11/1/12</a:t>
+              <a:t>12/10/2012</a:t>
             </a:fld>
             <a:endParaRPr lang="en-US"/>
           </a:p>
@@ -15515,7 +15514,7 @@
           <a:p>
             <a:fld id="{7793EDCB-5B64-3143-AFED-AA1357A092FA}" type="datetimeFigureOut">
               <a:rPr lang="en-US" smtClean="0"/>
-              <a:t>11/1/12</a:t>
+              <a:t>12/10/2012</a:t>
             </a:fld>
             <a:endParaRPr lang="en-US"/>
           </a:p>
@@ -15610,7 +15609,7 @@
           <a:p>
             <a:fld id="{7793EDCB-5B64-3143-AFED-AA1357A092FA}" type="datetimeFigureOut">
               <a:rPr lang="en-US" smtClean="0"/>
-              <a:t>11/1/12</a:t>
+              <a:t>12/10/2012</a:t>
             </a:fld>
             <a:endParaRPr lang="en-US"/>
           </a:p>
@@ -15887,7 +15886,7 @@
           <a:p>
             <a:fld id="{7793EDCB-5B64-3143-AFED-AA1357A092FA}" type="datetimeFigureOut">
               <a:rPr lang="en-US" smtClean="0"/>
-              <a:t>11/1/12</a:t>
+              <a:t>12/10/2012</a:t>
             </a:fld>
             <a:endParaRPr lang="en-US"/>
           </a:p>
@@ -16140,7 +16139,7 @@
           <a:p>
             <a:fld id="{7793EDCB-5B64-3143-AFED-AA1357A092FA}" type="datetimeFigureOut">
               <a:rPr lang="en-US" smtClean="0"/>
-              <a:t>11/1/12</a:t>
+              <a:t>12/10/2012</a:t>
             </a:fld>
             <a:endParaRPr lang="en-US"/>
           </a:p>
@@ -16353,7 +16352,7 @@
           <a:p>
             <a:fld id="{7793EDCB-5B64-3143-AFED-AA1357A092FA}" type="datetimeFigureOut">
               <a:rPr lang="en-US" smtClean="0"/>
-              <a:t>11/1/12</a:t>
+              <a:t>12/10/2012</a:t>
             </a:fld>
             <a:endParaRPr lang="en-US"/>
           </a:p>
@@ -16770,14 +16769,14 @@
             <a:noFill/>
           </a:ln>
           <a:extLst>
-            <a:ext uri="{909E8E84-426E-40dd-AFC4-6F175D3DCCD1}">
+            <a:ext uri="{909E8E84-426E-40DD-AFC4-6F175D3DCCD1}">
               <a14:hiddenFill xmlns:a14="http://schemas.microsoft.com/office/drawing/2010/main">
                 <a:solidFill>
                   <a:srgbClr val="FFFFFF"/>
                 </a:solidFill>
               </a14:hiddenFill>
             </a:ext>
-            <a:ext uri="{91240B29-F687-4f45-9708-019B960494DF}">
+            <a:ext uri="{91240B29-F687-4F45-9708-019B960494DF}">
               <a14:hiddenLine xmlns:a14="http://schemas.microsoft.com/office/drawing/2010/main" w="9525">
                 <a:solidFill>
                   <a:srgbClr val="000000"/>
@@ -16813,14 +16812,14 @@
             <a:noFill/>
           </a:ln>
           <a:extLst>
-            <a:ext uri="{909E8E84-426E-40dd-AFC4-6F175D3DCCD1}">
+            <a:ext uri="{909E8E84-426E-40DD-AFC4-6F175D3DCCD1}">
               <a14:hiddenFill xmlns:a14="http://schemas.microsoft.com/office/drawing/2010/main">
                 <a:solidFill>
                   <a:srgbClr val="FFFFFF"/>
                 </a:solidFill>
               </a14:hiddenFill>
             </a:ext>
-            <a:ext uri="{91240B29-F687-4f45-9708-019B960494DF}">
+            <a:ext uri="{91240B29-F687-4F45-9708-019B960494DF}">
               <a14:hiddenLine xmlns:a14="http://schemas.microsoft.com/office/drawing/2010/main" w="9525">
                 <a:solidFill>
                   <a:srgbClr val="000000"/>
@@ -16831,7 +16830,7 @@
               </a14:hiddenLine>
             </a:ext>
             <a:ext uri="{FAA26D3D-D897-4be2-8F04-BA451C77F1D7}">
-              <ma14:placeholderFlag xmlns:ma14="http://schemas.microsoft.com/office/mac/drawingml/2011/main" val="1"/>
+              <ma14:placeholderFlag xmlns:ma14="http://schemas.microsoft.com/office/mac/drawingml/2011/main" xmlns="" val="1"/>
             </a:ext>
           </a:extLst>
         </p:spPr>
@@ -16874,14 +16873,14 @@
             <a:noFill/>
           </a:ln>
           <a:extLst>
-            <a:ext uri="{909E8E84-426E-40dd-AFC4-6F175D3DCCD1}">
+            <a:ext uri="{909E8E84-426E-40DD-AFC4-6F175D3DCCD1}">
               <a14:hiddenFill xmlns:a14="http://schemas.microsoft.com/office/drawing/2010/main">
                 <a:solidFill>
                   <a:srgbClr val="FFFFFF"/>
                 </a:solidFill>
               </a14:hiddenFill>
             </a:ext>
-            <a:ext uri="{91240B29-F687-4f45-9708-019B960494DF}">
+            <a:ext uri="{91240B29-F687-4F45-9708-019B960494DF}">
               <a14:hiddenLine xmlns:a14="http://schemas.microsoft.com/office/drawing/2010/main" w="9525">
                 <a:solidFill>
                   <a:srgbClr val="000000"/>
@@ -16892,7 +16891,7 @@
               </a14:hiddenLine>
             </a:ext>
             <a:ext uri="{FAA26D3D-D897-4be2-8F04-BA451C77F1D7}">
-              <ma14:placeholderFlag xmlns:ma14="http://schemas.microsoft.com/office/mac/drawingml/2011/main" val="1"/>
+              <ma14:placeholderFlag xmlns:ma14="http://schemas.microsoft.com/office/mac/drawingml/2011/main" xmlns="" val="1"/>
             </a:ext>
           </a:extLst>
         </p:spPr>
@@ -16974,14 +16973,14 @@
             <a:noFill/>
           </a:ln>
           <a:extLst>
-            <a:ext uri="{909E8E84-426E-40dd-AFC4-6F175D3DCCD1}">
+            <a:ext uri="{909E8E84-426E-40DD-AFC4-6F175D3DCCD1}">
               <a14:hiddenFill xmlns:a14="http://schemas.microsoft.com/office/drawing/2010/main">
                 <a:solidFill>
                   <a:srgbClr val="FFFFFF"/>
                 </a:solidFill>
               </a14:hiddenFill>
             </a:ext>
-            <a:ext uri="{91240B29-F687-4f45-9708-019B960494DF}">
+            <a:ext uri="{91240B29-F687-4F45-9708-019B960494DF}">
               <a14:hiddenLine xmlns:a14="http://schemas.microsoft.com/office/drawing/2010/main" w="9525">
                 <a:solidFill>
                   <a:srgbClr val="000000"/>
@@ -17207,14 +17206,14 @@
             <a:noFill/>
           </a:ln>
           <a:extLst>
-            <a:ext uri="{909E8E84-426E-40dd-AFC4-6F175D3DCCD1}">
+            <a:ext uri="{909E8E84-426E-40DD-AFC4-6F175D3DCCD1}">
               <a14:hiddenFill xmlns:a14="http://schemas.microsoft.com/office/drawing/2010/main">
                 <a:solidFill>
                   <a:srgbClr val="FFFFFF"/>
                 </a:solidFill>
               </a14:hiddenFill>
             </a:ext>
-            <a:ext uri="{91240B29-F687-4f45-9708-019B960494DF}">
+            <a:ext uri="{91240B29-F687-4F45-9708-019B960494DF}">
               <a14:hiddenLine xmlns:a14="http://schemas.microsoft.com/office/drawing/2010/main" w="9525">
                 <a:solidFill>
                   <a:srgbClr val="000000"/>
@@ -17258,7 +17257,7 @@
     <p:sldLayoutId id="2147483681" r:id="rId20"/>
     <p:sldLayoutId id="2147483693" r:id="rId21"/>
   </p:sldLayoutIdLst>
-  <p:transition xmlns:p14="http://schemas.microsoft.com/office/powerpoint/2010/main" spd="slow">
+  <p:transition spd="slow">
     <p:fade/>
   </p:transition>
   <p:hf hdr="0" ftr="0" dt="0"/>
@@ -17800,14 +17799,14 @@
             <a:noFill/>
           </a:ln>
           <a:extLst>
-            <a:ext uri="{909E8E84-426E-40dd-AFC4-6F175D3DCCD1}">
+            <a:ext uri="{909E8E84-426E-40DD-AFC4-6F175D3DCCD1}">
               <a14:hiddenFill xmlns:a14="http://schemas.microsoft.com/office/drawing/2010/main">
                 <a:solidFill>
                   <a:srgbClr val="FFFFFF"/>
                 </a:solidFill>
               </a14:hiddenFill>
             </a:ext>
-            <a:ext uri="{91240B29-F687-4f45-9708-019B960494DF}">
+            <a:ext uri="{91240B29-F687-4F45-9708-019B960494DF}">
               <a14:hiddenLine xmlns:a14="http://schemas.microsoft.com/office/drawing/2010/main" w="9525">
                 <a:solidFill>
                   <a:srgbClr val="000000"/>
@@ -17818,7 +17817,7 @@
               </a14:hiddenLine>
             </a:ext>
             <a:ext uri="{FAA26D3D-D897-4be2-8F04-BA451C77F1D7}">
-              <ma14:placeholderFlag xmlns:ma14="http://schemas.microsoft.com/office/mac/drawingml/2011/main" val="1"/>
+              <ma14:placeholderFlag xmlns:ma14="http://schemas.microsoft.com/office/mac/drawingml/2011/main" xmlns="" val="1"/>
             </a:ext>
           </a:extLst>
         </p:spPr>
@@ -18039,14 +18038,14 @@
             <a:noFill/>
           </a:ln>
           <a:extLst>
-            <a:ext uri="{909E8E84-426E-40dd-AFC4-6F175D3DCCD1}">
+            <a:ext uri="{909E8E84-426E-40DD-AFC4-6F175D3DCCD1}">
               <a14:hiddenFill xmlns:a14="http://schemas.microsoft.com/office/drawing/2010/main">
                 <a:solidFill>
                   <a:srgbClr val="FFFFFF"/>
                 </a:solidFill>
               </a14:hiddenFill>
             </a:ext>
-            <a:ext uri="{91240B29-F687-4f45-9708-019B960494DF}">
+            <a:ext uri="{91240B29-F687-4F45-9708-019B960494DF}">
               <a14:hiddenLine xmlns:a14="http://schemas.microsoft.com/office/drawing/2010/main" w="9525">
                 <a:solidFill>
                   <a:srgbClr val="000000"/>
@@ -18208,14 +18207,14 @@
             <a:noFill/>
           </a:ln>
           <a:extLst>
-            <a:ext uri="{909E8E84-426E-40dd-AFC4-6F175D3DCCD1}">
+            <a:ext uri="{909E8E84-426E-40DD-AFC4-6F175D3DCCD1}">
               <a14:hiddenFill xmlns:a14="http://schemas.microsoft.com/office/drawing/2010/main">
                 <a:solidFill>
                   <a:srgbClr val="FFFFFF"/>
                 </a:solidFill>
               </a14:hiddenFill>
             </a:ext>
-            <a:ext uri="{91240B29-F687-4f45-9708-019B960494DF}">
+            <a:ext uri="{91240B29-F687-4F45-9708-019B960494DF}">
               <a14:hiddenLine xmlns:a14="http://schemas.microsoft.com/office/drawing/2010/main" w="9525">
                 <a:solidFill>
                   <a:srgbClr val="000000"/>
@@ -18226,7 +18225,7 @@
               </a14:hiddenLine>
             </a:ext>
             <a:ext uri="{FAA26D3D-D897-4be2-8F04-BA451C77F1D7}">
-              <ma14:placeholderFlag xmlns:ma14="http://schemas.microsoft.com/office/mac/drawingml/2011/main" val="1"/>
+              <ma14:placeholderFlag xmlns:ma14="http://schemas.microsoft.com/office/mac/drawingml/2011/main" xmlns="" val="1"/>
             </a:ext>
           </a:extLst>
         </p:spPr>
@@ -18460,14 +18459,14 @@
             <a:noFill/>
           </a:ln>
           <a:extLst>
-            <a:ext uri="{909E8E84-426E-40dd-AFC4-6F175D3DCCD1}">
+            <a:ext uri="{909E8E84-426E-40DD-AFC4-6F175D3DCCD1}">
               <a14:hiddenFill xmlns:a14="http://schemas.microsoft.com/office/drawing/2010/main">
                 <a:solidFill>
                   <a:srgbClr val="FFFFFF"/>
                 </a:solidFill>
               </a14:hiddenFill>
             </a:ext>
-            <a:ext uri="{91240B29-F687-4f45-9708-019B960494DF}">
+            <a:ext uri="{91240B29-F687-4F45-9708-019B960494DF}">
               <a14:hiddenLine xmlns:a14="http://schemas.microsoft.com/office/drawing/2010/main" w="9525">
                 <a:solidFill>
                   <a:srgbClr val="000000"/>
@@ -18497,13 +18496,13 @@
     <p:sldLayoutId id="2147483705" r:id="rId11"/>
     <p:sldLayoutId id="2147483706" r:id="rId12"/>
   </p:sldLayoutIdLst>
-  <p:transition xmlns:p14="http://schemas.microsoft.com/office/powerpoint/2010/main" spd="slow">
+  <p:transition spd="slow">
     <p:fade/>
   </p:transition>
   <p:timing>
     <p:tnLst>
       <p:par>
-        <p:cTn xmlns:p14="http://schemas.microsoft.com/office/powerpoint/2010/main" id="1" dur="indefinite" restart="never" nodeType="tmRoot"/>
+        <p:cTn id="1" dur="indefinite" restart="never" nodeType="tmRoot"/>
       </p:par>
     </p:tnLst>
   </p:timing>
@@ -18939,7 +18938,6 @@
               <a:rPr lang="en-US" dirty="0"/>
               <a:t>5</a:t>
             </a:r>
-            <a:endParaRPr lang="en-US" dirty="0"/>
           </a:p>
         </p:txBody>
       </p:sp>
@@ -19013,13 +19011,13 @@
   <p:clrMapOvr>
     <a:masterClrMapping/>
   </p:clrMapOvr>
-  <p:transition xmlns:p14="http://schemas.microsoft.com/office/powerpoint/2010/main">
+  <p:transition>
     <p:zoom/>
   </p:transition>
   <p:timing>
     <p:tnLst>
       <p:par>
-        <p:cTn xmlns:p14="http://schemas.microsoft.com/office/powerpoint/2010/main" id="1" dur="indefinite" restart="never" nodeType="tmRoot"/>
+        <p:cTn id="1" dur="indefinite" restart="never" nodeType="tmRoot"/>
       </p:par>
     </p:tnLst>
   </p:timing>
@@ -19081,7 +19079,7 @@
         <p:spPr bwMode="auto">
           <a:xfrm>
             <a:off x="2000878" y="1785700"/>
-            <a:ext cx="5023841" cy="3286601"/>
+            <a:ext cx="5023841" cy="516612"/>
           </a:xfrm>
           <a:prstGeom prst="rect">
             <a:avLst/>
@@ -19109,125 +19107,25 @@
               <a:buChar char="§"/>
             </a:pPr>
             <a:r>
-              <a:rPr lang="ru-RU" dirty="0">
+              <a:rPr lang="en-US" dirty="0" smtClean="0">
                 <a:solidFill>
                   <a:schemeClr val="accent4"/>
                 </a:solidFill>
               </a:rPr>
-              <a:t>Однако конструктор не должен постоянно «кидать» исключение, а только в том случае, когда в качестве параметра передается </a:t>
-            </a:r>
-            <a:r>
-              <a:rPr lang="ru-RU" dirty="0" smtClean="0">
-                <a:solidFill>
-                  <a:schemeClr val="accent4"/>
-                </a:solidFill>
-              </a:rPr>
-              <a:t>null</a:t>
-            </a:r>
-            <a:endParaRPr lang="en-US" dirty="0" smtClean="0">
-              <a:solidFill>
-                <a:schemeClr val="accent4"/>
-              </a:solidFill>
-            </a:endParaRPr>
-          </a:p>
-          <a:p>
-            <a:pPr marL="285750" indent="-285750" defTabSz="803275">
-              <a:buClr>
-                <a:srgbClr val="FF6600"/>
-              </a:buClr>
-              <a:buSzPct val="125000"/>
-              <a:buFont typeface="Wingdings" pitchFamily="2" charset="2"/>
-              <a:buChar char="§"/>
-            </a:pPr>
+              <a:t>TBD</a:t>
+            </a:r>
             <a:endParaRPr lang="ru-RU" dirty="0">
               <a:solidFill>
                 <a:schemeClr val="accent4"/>
               </a:solidFill>
             </a:endParaRPr>
           </a:p>
-          <a:p>
-            <a:pPr marL="285750" indent="-285750" defTabSz="803275">
-              <a:buClr>
-                <a:srgbClr val="FF6600"/>
-              </a:buClr>
-              <a:buSzPct val="125000"/>
-              <a:buFont typeface="Wingdings" pitchFamily="2" charset="2"/>
-              <a:buChar char="§"/>
-            </a:pPr>
-            <a:r>
-              <a:rPr lang="ru-RU" dirty="0">
-                <a:solidFill>
-                  <a:schemeClr val="accent4"/>
-                </a:solidFill>
-              </a:rPr>
-              <a:t>Напишем тест, который не должен падать, если мы передадим в конструктор реализацию </a:t>
-            </a:r>
-            <a:r>
-              <a:rPr lang="ru-RU" dirty="0" smtClean="0">
-                <a:solidFill>
-                  <a:schemeClr val="accent4"/>
-                </a:solidFill>
-              </a:rPr>
-              <a:t>ISimpsonService</a:t>
-            </a:r>
-            <a:endParaRPr lang="en-US" dirty="0" smtClean="0">
-              <a:solidFill>
-                <a:schemeClr val="accent4"/>
-              </a:solidFill>
-            </a:endParaRPr>
-          </a:p>
-          <a:p>
-            <a:pPr marL="285750" indent="-285750" defTabSz="803275">
-              <a:buClr>
-                <a:srgbClr val="FF6600"/>
-              </a:buClr>
-              <a:buSzPct val="125000"/>
-              <a:buFont typeface="Wingdings" pitchFamily="2" charset="2"/>
-              <a:buChar char="§"/>
-            </a:pPr>
-            <a:endParaRPr lang="ru-RU" dirty="0">
-              <a:solidFill>
-                <a:schemeClr val="accent4"/>
-              </a:solidFill>
-            </a:endParaRPr>
-          </a:p>
-          <a:p>
-            <a:pPr marL="285750" indent="-285750" defTabSz="803275">
-              <a:buClr>
-                <a:srgbClr val="FF6600"/>
-              </a:buClr>
-              <a:buSzPct val="125000"/>
-              <a:buFont typeface="Wingdings" pitchFamily="2" charset="2"/>
-              <a:buChar char="§"/>
-            </a:pPr>
-            <a:r>
-              <a:rPr lang="ru-RU" dirty="0">
-                <a:solidFill>
-                  <a:schemeClr val="accent4"/>
-                </a:solidFill>
-              </a:rPr>
-              <a:t>Поскольку у нас нет реализации сервиса (кроме используемой в приложении), будем использовать </a:t>
-            </a:r>
-            <a:r>
-              <a:rPr lang="ru-RU" dirty="0" smtClean="0">
-                <a:solidFill>
-                  <a:schemeClr val="accent4"/>
-                </a:solidFill>
-              </a:rPr>
-              <a:t>mock-объект</a:t>
-            </a:r>
-            <a:endParaRPr lang="ru-RU" dirty="0">
-              <a:solidFill>
-                <a:schemeClr val="accent4"/>
-              </a:solidFill>
-            </a:endParaRPr>
-          </a:p>
         </p:txBody>
       </p:sp>
     </p:spTree>
     <p:extLst>
       <p:ext uri="{BB962C8B-B14F-4D97-AF65-F5344CB8AC3E}">
-        <p14:creationId xmlns:p14="http://schemas.microsoft.com/office/powerpoint/2010/main" val="611948144"/>
+        <p14:creationId xmlns:p14="http://schemas.microsoft.com/office/powerpoint/2010/main" val="1487858913"/>
       </p:ext>
     </p:extLst>
   </p:cSld>
@@ -19237,7 +19135,7 @@
   <p:timing>
     <p:tnLst>
       <p:par>
-        <p:cTn xmlns:p14="http://schemas.microsoft.com/office/powerpoint/2010/main" id="1" dur="indefinite" restart="never" nodeType="tmRoot"/>
+        <p:cTn id="1" dur="indefinite" restart="never" nodeType="tmRoot"/>
       </p:par>
     </p:tnLst>
   </p:timing>
@@ -19299,7 +19197,7 @@
         <p:spPr bwMode="auto">
           <a:xfrm>
             <a:off x="2000878" y="1785700"/>
-            <a:ext cx="5023841" cy="516612"/>
+            <a:ext cx="5023841" cy="1070610"/>
           </a:xfrm>
           <a:prstGeom prst="rect">
             <a:avLst/>
@@ -19327,25 +19225,20 @@
               <a:buChar char="§"/>
             </a:pPr>
             <a:r>
-              <a:rPr lang="en-US" dirty="0" smtClean="0">
+              <a:rPr lang="ru-RU" dirty="0">
                 <a:solidFill>
                   <a:schemeClr val="accent4"/>
                 </a:solidFill>
               </a:rPr>
-              <a:t>TBD</a:t>
-            </a:r>
-            <a:endParaRPr lang="ru-RU" dirty="0">
-              <a:solidFill>
-                <a:schemeClr val="accent4"/>
-              </a:solidFill>
-            </a:endParaRPr>
+              <a:t>В текущей реализации тест провалится, поэтому изменим наш сервис чтобы тест был успешным</a:t>
+            </a:r>
           </a:p>
         </p:txBody>
       </p:sp>
     </p:spTree>
     <p:extLst>
       <p:ext uri="{BB962C8B-B14F-4D97-AF65-F5344CB8AC3E}">
-        <p14:creationId xmlns:p14="http://schemas.microsoft.com/office/powerpoint/2010/main" val="1487858913"/>
+        <p14:creationId xmlns:p14="http://schemas.microsoft.com/office/powerpoint/2010/main" val="914177756"/>
       </p:ext>
     </p:extLst>
   </p:cSld>
@@ -19355,7 +19248,7 @@
   <p:timing>
     <p:tnLst>
       <p:par>
-        <p:cTn xmlns:p14="http://schemas.microsoft.com/office/powerpoint/2010/main" id="1" dur="indefinite" restart="never" nodeType="tmRoot"/>
+        <p:cTn id="1" dur="indefinite" restart="never" nodeType="tmRoot"/>
       </p:par>
     </p:tnLst>
   </p:timing>
@@ -19416,8 +19309,8 @@
         </p:nvSpPr>
         <p:spPr bwMode="auto">
           <a:xfrm>
-            <a:off x="2000878" y="1785700"/>
-            <a:ext cx="5023841" cy="1070610"/>
+            <a:off x="2000878" y="2616696"/>
+            <a:ext cx="5023841" cy="1624608"/>
           </a:xfrm>
           <a:prstGeom prst="rect">
             <a:avLst/>
@@ -19450,7 +19343,53 @@
                   <a:schemeClr val="accent4"/>
                 </a:solidFill>
               </a:rPr>
-              <a:t>В текущей реализации тест провалится, поэтому изменим наш сервис чтобы тест был успешным</a:t>
+              <a:t>Перейдём к тестированию метода getEpisode</a:t>
+            </a:r>
+            <a:r>
+              <a:rPr lang="ru-RU" dirty="0" smtClean="0">
+                <a:solidFill>
+                  <a:schemeClr val="accent4"/>
+                </a:solidFill>
+              </a:rPr>
+              <a:t>()</a:t>
+            </a:r>
+            <a:endParaRPr lang="en-US" dirty="0" smtClean="0">
+              <a:solidFill>
+                <a:schemeClr val="accent4"/>
+              </a:solidFill>
+            </a:endParaRPr>
+          </a:p>
+          <a:p>
+            <a:pPr marL="285750" indent="-285750" defTabSz="803275">
+              <a:buClr>
+                <a:srgbClr val="FF6600"/>
+              </a:buClr>
+              <a:buSzPct val="125000"/>
+              <a:buFont typeface="Wingdings" pitchFamily="2" charset="2"/>
+              <a:buChar char="§"/>
+            </a:pPr>
+            <a:endParaRPr lang="ru-RU" dirty="0">
+              <a:solidFill>
+                <a:schemeClr val="accent4"/>
+              </a:solidFill>
+            </a:endParaRPr>
+          </a:p>
+          <a:p>
+            <a:pPr marL="285750" indent="-285750" defTabSz="803275">
+              <a:buClr>
+                <a:srgbClr val="FF6600"/>
+              </a:buClr>
+              <a:buSzPct val="125000"/>
+              <a:buFont typeface="Wingdings" pitchFamily="2" charset="2"/>
+              <a:buChar char="§"/>
+            </a:pPr>
+            <a:r>
+              <a:rPr lang="ru-RU" dirty="0">
+                <a:solidFill>
+                  <a:schemeClr val="accent4"/>
+                </a:solidFill>
+              </a:rPr>
+              <a:t>Здесь нам понадобится заглушки как для ISimpsonService, так и для IEpisode</a:t>
             </a:r>
           </a:p>
         </p:txBody>
@@ -19458,7 +19397,7 @@
     </p:spTree>
     <p:extLst>
       <p:ext uri="{BB962C8B-B14F-4D97-AF65-F5344CB8AC3E}">
-        <p14:creationId xmlns:p14="http://schemas.microsoft.com/office/powerpoint/2010/main" val="914177756"/>
+        <p14:creationId xmlns:p14="http://schemas.microsoft.com/office/powerpoint/2010/main" val="3255303619"/>
       </p:ext>
     </p:extLst>
   </p:cSld>
@@ -19468,7 +19407,7 @@
   <p:timing>
     <p:tnLst>
       <p:par>
-        <p:cTn xmlns:p14="http://schemas.microsoft.com/office/powerpoint/2010/main" id="1" dur="indefinite" restart="never" nodeType="tmRoot"/>
+        <p:cTn id="1" dur="indefinite" restart="never" nodeType="tmRoot"/>
       </p:par>
     </p:tnLst>
   </p:timing>
@@ -19530,7 +19469,7 @@
         <p:spPr bwMode="auto">
           <a:xfrm>
             <a:off x="2000878" y="2616696"/>
-            <a:ext cx="5023841" cy="1624608"/>
+            <a:ext cx="5023841" cy="1901607"/>
           </a:xfrm>
           <a:prstGeom prst="rect">
             <a:avLst/>
@@ -19563,7 +19502,7 @@
                   <a:schemeClr val="accent4"/>
                 </a:solidFill>
               </a:rPr>
-              <a:t>Перейдём к тестированию метода getEpisode</a:t>
+              <a:t>Методом expext(), мы задаем, какие методы объекта и с какими параметрами должны быть </a:t>
             </a:r>
             <a:r>
               <a:rPr lang="ru-RU" dirty="0" smtClean="0">
@@ -19571,7 +19510,7 @@
                   <a:schemeClr val="accent4"/>
                 </a:solidFill>
               </a:rPr>
-              <a:t>()</a:t>
+              <a:t>вызваны</a:t>
             </a:r>
             <a:endParaRPr lang="en-US" dirty="0" smtClean="0">
               <a:solidFill>
@@ -19609,15 +19548,28 @@
                   <a:schemeClr val="accent4"/>
                 </a:solidFill>
               </a:rPr>
-              <a:t>Здесь нам понадобится заглушки как для ISimpsonService, так и для IEpisode</a:t>
-            </a:r>
+              <a:t>Методом andReturn() можно задать возвращаемый </a:t>
+            </a:r>
+            <a:r>
+              <a:rPr lang="ru-RU" dirty="0" smtClean="0">
+                <a:solidFill>
+                  <a:schemeClr val="accent4"/>
+                </a:solidFill>
+              </a:rPr>
+              <a:t>результат</a:t>
+            </a:r>
+            <a:endParaRPr lang="ru-RU" dirty="0">
+              <a:solidFill>
+                <a:schemeClr val="accent4"/>
+              </a:solidFill>
+            </a:endParaRPr>
           </a:p>
         </p:txBody>
       </p:sp>
     </p:spTree>
     <p:extLst>
       <p:ext uri="{BB962C8B-B14F-4D97-AF65-F5344CB8AC3E}">
-        <p14:creationId xmlns:p14="http://schemas.microsoft.com/office/powerpoint/2010/main" val="3255303619"/>
+        <p14:creationId xmlns:p14="http://schemas.microsoft.com/office/powerpoint/2010/main" val="2714534275"/>
       </p:ext>
     </p:extLst>
   </p:cSld>
@@ -19627,7 +19579,7 @@
   <p:timing>
     <p:tnLst>
       <p:par>
-        <p:cTn xmlns:p14="http://schemas.microsoft.com/office/powerpoint/2010/main" id="1" dur="indefinite" restart="never" nodeType="tmRoot"/>
+        <p:cTn id="1" dur="indefinite" restart="never" nodeType="tmRoot"/>
       </p:par>
     </p:tnLst>
   </p:timing>
@@ -19688,8 +19640,8 @@
         </p:nvSpPr>
         <p:spPr bwMode="auto">
           <a:xfrm>
-            <a:off x="2000878" y="2616696"/>
-            <a:ext cx="5023841" cy="1901607"/>
+            <a:off x="2000878" y="2339697"/>
+            <a:ext cx="5023841" cy="2178606"/>
           </a:xfrm>
           <a:prstGeom prst="rect">
             <a:avLst/>
@@ -19722,7 +19674,7 @@
                   <a:schemeClr val="accent4"/>
                 </a:solidFill>
               </a:rPr>
-              <a:t>Методом expext(), мы задаем, какие методы объекта и с какими параметрами должны быть </a:t>
+              <a:t>Метод replay() завершает настройку («запись») заглушки и переводит ее в режим использования («воспроизведения</a:t>
             </a:r>
             <a:r>
               <a:rPr lang="ru-RU" dirty="0" smtClean="0">
@@ -19730,13 +19682,8 @@
                   <a:schemeClr val="accent4"/>
                 </a:solidFill>
               </a:rPr>
-              <a:t>вызваны</a:t>
-            </a:r>
-            <a:endParaRPr lang="en-US" dirty="0" smtClean="0">
-              <a:solidFill>
-                <a:schemeClr val="accent4"/>
-              </a:solidFill>
-            </a:endParaRPr>
+              <a:t>»)</a:t>
+            </a:r>
           </a:p>
           <a:p>
             <a:pPr marL="285750" indent="-285750" defTabSz="803275">
@@ -19768,28 +19715,15 @@
                   <a:schemeClr val="accent4"/>
                 </a:solidFill>
               </a:rPr>
-              <a:t>Методом andReturn() можно задать возвращаемый </a:t>
-            </a:r>
-            <a:r>
-              <a:rPr lang="ru-RU" dirty="0" smtClean="0">
-                <a:solidFill>
-                  <a:schemeClr val="accent4"/>
-                </a:solidFill>
-              </a:rPr>
-              <a:t>результат</a:t>
-            </a:r>
-            <a:endParaRPr lang="ru-RU" dirty="0">
-              <a:solidFill>
-                <a:schemeClr val="accent4"/>
-              </a:solidFill>
-            </a:endParaRPr>
+              <a:t>В режиме записи, mock-объект еще не является заглушкой, а лишь «записывает», что он должен делать</a:t>
+            </a:r>
           </a:p>
         </p:txBody>
       </p:sp>
     </p:spTree>
     <p:extLst>
       <p:ext uri="{BB962C8B-B14F-4D97-AF65-F5344CB8AC3E}">
-        <p14:creationId xmlns:p14="http://schemas.microsoft.com/office/powerpoint/2010/main" val="2714534275"/>
+        <p14:creationId xmlns:p14="http://schemas.microsoft.com/office/powerpoint/2010/main" val="3900979938"/>
       </p:ext>
     </p:extLst>
   </p:cSld>
@@ -19799,7 +19733,7 @@
   <p:timing>
     <p:tnLst>
       <p:par>
-        <p:cTn xmlns:p14="http://schemas.microsoft.com/office/powerpoint/2010/main" id="1" dur="indefinite" restart="never" nodeType="tmRoot"/>
+        <p:cTn id="1" dur="indefinite" restart="never" nodeType="tmRoot"/>
       </p:par>
     </p:tnLst>
   </p:timing>
@@ -19894,16 +19828,21 @@
                   <a:schemeClr val="accent4"/>
                 </a:solidFill>
               </a:rPr>
-              <a:t>Метод replay() завершает настройку («запись») заглушки и переводит ее в режим использования («воспроизведения</a:t>
-            </a:r>
-            <a:r>
-              <a:rPr lang="ru-RU" dirty="0" smtClean="0">
-                <a:solidFill>
-                  <a:schemeClr val="accent4"/>
-                </a:solidFill>
-              </a:rPr>
-              <a:t>»)</a:t>
-            </a:r>
+              <a:t>После вызова replay(), он начинает работать как заглушка</a:t>
+            </a:r>
+          </a:p>
+          <a:p>
+            <a:pPr defTabSz="803275">
+              <a:buClr>
+                <a:srgbClr val="FF6600"/>
+              </a:buClr>
+              <a:buSzPct val="125000"/>
+            </a:pPr>
+            <a:endParaRPr lang="ru-RU" dirty="0">
+              <a:solidFill>
+                <a:schemeClr val="accent4"/>
+              </a:solidFill>
+            </a:endParaRPr>
           </a:p>
           <a:p>
             <a:pPr marL="285750" indent="-285750" defTabSz="803275">
@@ -19914,28 +19853,13 @@
               <a:buFont typeface="Wingdings" pitchFamily="2" charset="2"/>
               <a:buChar char="§"/>
             </a:pPr>
-            <a:endParaRPr lang="ru-RU" dirty="0">
-              <a:solidFill>
-                <a:schemeClr val="accent4"/>
-              </a:solidFill>
-            </a:endParaRPr>
-          </a:p>
-          <a:p>
-            <a:pPr marL="285750" indent="-285750" defTabSz="803275">
-              <a:buClr>
-                <a:srgbClr val="FF6600"/>
-              </a:buClr>
-              <a:buSzPct val="125000"/>
-              <a:buFont typeface="Wingdings" pitchFamily="2" charset="2"/>
-              <a:buChar char="§"/>
-            </a:pPr>
             <a:r>
               <a:rPr lang="ru-RU" dirty="0">
                 <a:solidFill>
                   <a:schemeClr val="accent4"/>
                 </a:solidFill>
               </a:rPr>
-              <a:t>В режиме записи, mock-объект еще не является заглушкой, а лишь «записывает», что он должен делать</a:t>
+              <a:t>Метод verify() как правило, завершает сценарий использования объекта и проверяет, действительно ли были сделаны требуемые вызовы с нужными параметрами</a:t>
             </a:r>
           </a:p>
         </p:txBody>
@@ -19943,7 +19867,7 @@
     </p:spTree>
     <p:extLst>
       <p:ext uri="{BB962C8B-B14F-4D97-AF65-F5344CB8AC3E}">
-        <p14:creationId xmlns:p14="http://schemas.microsoft.com/office/powerpoint/2010/main" val="3900979938"/>
+        <p14:creationId xmlns:p14="http://schemas.microsoft.com/office/powerpoint/2010/main" val="811423108"/>
       </p:ext>
     </p:extLst>
   </p:cSld>
@@ -19953,7 +19877,7 @@
   <p:timing>
     <p:tnLst>
       <p:par>
-        <p:cTn xmlns:p14="http://schemas.microsoft.com/office/powerpoint/2010/main" id="1" dur="indefinite" restart="never" nodeType="tmRoot"/>
+        <p:cTn id="1" dur="indefinite" restart="never" nodeType="tmRoot"/>
       </p:par>
     </p:tnLst>
   </p:timing>
@@ -20015,7 +19939,7 @@
         <p:spPr bwMode="auto">
           <a:xfrm>
             <a:off x="2000878" y="2339697"/>
-            <a:ext cx="5023841" cy="2178606"/>
+            <a:ext cx="5023841" cy="1347609"/>
           </a:xfrm>
           <a:prstGeom prst="rect">
             <a:avLst/>
@@ -20048,21 +19972,16 @@
                   <a:schemeClr val="accent4"/>
                 </a:solidFill>
               </a:rPr>
-              <a:t>После вызова replay(), он начинает работать как заглушка</a:t>
-            </a:r>
-          </a:p>
-          <a:p>
-            <a:pPr defTabSz="803275">
-              <a:buClr>
-                <a:srgbClr val="FF6600"/>
-              </a:buClr>
-              <a:buSzPct val="125000"/>
-            </a:pPr>
-            <a:endParaRPr lang="ru-RU" dirty="0">
-              <a:solidFill>
-                <a:schemeClr val="accent4"/>
-              </a:solidFill>
-            </a:endParaRPr>
+              <a:t>Поскольку у нас еще нет реализации метода getEpisode(), тест </a:t>
+            </a:r>
+            <a:r>
+              <a:rPr lang="ru-RU" dirty="0" smtClean="0">
+                <a:solidFill>
+                  <a:schemeClr val="accent4"/>
+                </a:solidFill>
+              </a:rPr>
+              <a:t>провалится</a:t>
+            </a:r>
           </a:p>
           <a:p>
             <a:pPr marL="285750" indent="-285750" defTabSz="803275">
@@ -20073,13 +19992,28 @@
               <a:buFont typeface="Wingdings" pitchFamily="2" charset="2"/>
               <a:buChar char="§"/>
             </a:pPr>
+            <a:endParaRPr lang="ru-RU" dirty="0">
+              <a:solidFill>
+                <a:schemeClr val="accent4"/>
+              </a:solidFill>
+            </a:endParaRPr>
+          </a:p>
+          <a:p>
+            <a:pPr marL="285750" indent="-285750" defTabSz="803275">
+              <a:buClr>
+                <a:srgbClr val="FF6600"/>
+              </a:buClr>
+              <a:buSzPct val="125000"/>
+              <a:buFont typeface="Wingdings" pitchFamily="2" charset="2"/>
+              <a:buChar char="§"/>
+            </a:pPr>
             <a:r>
               <a:rPr lang="ru-RU" dirty="0">
                 <a:solidFill>
                   <a:schemeClr val="accent4"/>
                 </a:solidFill>
               </a:rPr>
-              <a:t>Метод verify() как правило, завершает сценарий использования объекта и проверяет, действительно ли были сделаны требуемые вызовы с нужными параметрами</a:t>
+              <a:t>Дополним реализацию нужным методом</a:t>
             </a:r>
           </a:p>
         </p:txBody>
@@ -20087,7 +20021,7 @@
     </p:spTree>
     <p:extLst>
       <p:ext uri="{BB962C8B-B14F-4D97-AF65-F5344CB8AC3E}">
-        <p14:creationId xmlns:p14="http://schemas.microsoft.com/office/powerpoint/2010/main" val="811423108"/>
+        <p14:creationId xmlns:p14="http://schemas.microsoft.com/office/powerpoint/2010/main" val="1198753693"/>
       </p:ext>
     </p:extLst>
   </p:cSld>
@@ -20097,7 +20031,7 @@
   <p:timing>
     <p:tnLst>
       <p:par>
-        <p:cTn xmlns:p14="http://schemas.microsoft.com/office/powerpoint/2010/main" id="1" dur="indefinite" restart="never" nodeType="tmRoot"/>
+        <p:cTn id="1" dur="indefinite" restart="never" nodeType="tmRoot"/>
       </p:par>
     </p:tnLst>
   </p:timing>
@@ -20158,8 +20092,8 @@
         </p:nvSpPr>
         <p:spPr bwMode="auto">
           <a:xfrm>
-            <a:off x="2000878" y="2339697"/>
-            <a:ext cx="5023841" cy="1347609"/>
+            <a:off x="2000878" y="1093202"/>
+            <a:ext cx="5023841" cy="4671596"/>
           </a:xfrm>
           <a:prstGeom prst="rect">
             <a:avLst/>
@@ -20178,6 +20112,43 @@
           </a:bodyPr>
           <a:lstStyle/>
           <a:p>
+            <a:pPr defTabSz="803275">
+              <a:buClr>
+                <a:srgbClr val="FF6600"/>
+              </a:buClr>
+              <a:buSzPct val="125000"/>
+            </a:pPr>
+            <a:r>
+              <a:rPr lang="ru-RU" dirty="0">
+                <a:solidFill>
+                  <a:schemeClr val="accent4"/>
+                </a:solidFill>
+              </a:rPr>
+              <a:t>Т.о. схема использования mock-фреймворка выглядит следующим образом</a:t>
+            </a:r>
+            <a:r>
+              <a:rPr lang="ru-RU" dirty="0" smtClean="0">
+                <a:solidFill>
+                  <a:schemeClr val="accent4"/>
+                </a:solidFill>
+              </a:rPr>
+              <a:t>:</a:t>
+            </a:r>
+          </a:p>
+          <a:p>
+            <a:pPr defTabSz="803275">
+              <a:buClr>
+                <a:srgbClr val="FF6600"/>
+              </a:buClr>
+              <a:buSzPct val="125000"/>
+            </a:pPr>
+            <a:endParaRPr lang="ru-RU" dirty="0">
+              <a:solidFill>
+                <a:schemeClr val="accent4"/>
+              </a:solidFill>
+            </a:endParaRPr>
+          </a:p>
+          <a:p>
             <a:pPr marL="285750" indent="-285750" defTabSz="803275">
               <a:buClr>
                 <a:srgbClr val="FF6600"/>
@@ -20192,7 +20163,7 @@
                   <a:schemeClr val="accent4"/>
                 </a:solidFill>
               </a:rPr>
-              <a:t>Поскольку у нас еще нет реализации метода getEpisode(), тест </a:t>
+              <a:t>Создаем </a:t>
             </a:r>
             <a:r>
               <a:rPr lang="ru-RU" dirty="0" smtClean="0">
@@ -20200,7 +20171,7 @@
                   <a:schemeClr val="accent4"/>
                 </a:solidFill>
               </a:rPr>
-              <a:t>провалится</a:t>
+              <a:t>mock-объект</a:t>
             </a:r>
           </a:p>
           <a:p>
@@ -20233,7 +20204,130 @@
                   <a:schemeClr val="accent4"/>
                 </a:solidFill>
               </a:rPr>
-              <a:t>Дополним реализацию нужным методом</a:t>
+              <a:t>Задаем ожидания вызовов и возвращаемые </a:t>
+            </a:r>
+            <a:r>
+              <a:rPr lang="ru-RU" dirty="0" smtClean="0">
+                <a:solidFill>
+                  <a:schemeClr val="accent4"/>
+                </a:solidFill>
+              </a:rPr>
+              <a:t>значения</a:t>
+            </a:r>
+          </a:p>
+          <a:p>
+            <a:pPr marL="285750" indent="-285750" defTabSz="803275">
+              <a:buClr>
+                <a:srgbClr val="FF6600"/>
+              </a:buClr>
+              <a:buSzPct val="125000"/>
+              <a:buFont typeface="Wingdings" pitchFamily="2" charset="2"/>
+              <a:buChar char="§"/>
+            </a:pPr>
+            <a:endParaRPr lang="ru-RU" dirty="0">
+              <a:solidFill>
+                <a:schemeClr val="accent4"/>
+              </a:solidFill>
+            </a:endParaRPr>
+          </a:p>
+          <a:p>
+            <a:pPr marL="285750" indent="-285750" defTabSz="803275">
+              <a:buClr>
+                <a:srgbClr val="FF6600"/>
+              </a:buClr>
+              <a:buSzPct val="125000"/>
+              <a:buFont typeface="Wingdings" pitchFamily="2" charset="2"/>
+              <a:buChar char="§"/>
+            </a:pPr>
+            <a:r>
+              <a:rPr lang="ru-RU" dirty="0">
+                <a:solidFill>
+                  <a:schemeClr val="accent4"/>
+                </a:solidFill>
+              </a:rPr>
+              <a:t>Переводим mock в </a:t>
+            </a:r>
+            <a:r>
+              <a:rPr lang="ru-RU" dirty="0" smtClean="0">
+                <a:solidFill>
+                  <a:schemeClr val="accent4"/>
+                </a:solidFill>
+              </a:rPr>
+              <a:t>режим «воспроизведения»</a:t>
+            </a:r>
+          </a:p>
+          <a:p>
+            <a:pPr marL="285750" indent="-285750" defTabSz="803275">
+              <a:buClr>
+                <a:srgbClr val="FF6600"/>
+              </a:buClr>
+              <a:buSzPct val="125000"/>
+              <a:buFont typeface="Wingdings" pitchFamily="2" charset="2"/>
+              <a:buChar char="§"/>
+            </a:pPr>
+            <a:endParaRPr lang="ru-RU" dirty="0">
+              <a:solidFill>
+                <a:schemeClr val="accent4"/>
+              </a:solidFill>
+            </a:endParaRPr>
+          </a:p>
+          <a:p>
+            <a:pPr marL="285750" indent="-285750" defTabSz="803275">
+              <a:buClr>
+                <a:srgbClr val="FF6600"/>
+              </a:buClr>
+              <a:buSzPct val="125000"/>
+              <a:buFont typeface="Wingdings" pitchFamily="2" charset="2"/>
+              <a:buChar char="§"/>
+            </a:pPr>
+            <a:r>
+              <a:rPr lang="ru-RU" dirty="0">
+                <a:solidFill>
+                  <a:schemeClr val="accent4"/>
+                </a:solidFill>
+              </a:rPr>
+              <a:t>Вызываем методы тестируемого </a:t>
+            </a:r>
+            <a:r>
+              <a:rPr lang="ru-RU" dirty="0" smtClean="0">
+                <a:solidFill>
+                  <a:schemeClr val="accent4"/>
+                </a:solidFill>
+              </a:rPr>
+              <a:t>объекта</a:t>
+            </a:r>
+          </a:p>
+          <a:p>
+            <a:pPr marL="285750" indent="-285750" defTabSz="803275">
+              <a:buClr>
+                <a:srgbClr val="FF6600"/>
+              </a:buClr>
+              <a:buSzPct val="125000"/>
+              <a:buFont typeface="Wingdings" pitchFamily="2" charset="2"/>
+              <a:buChar char="§"/>
+            </a:pPr>
+            <a:endParaRPr lang="ru-RU" dirty="0">
+              <a:solidFill>
+                <a:schemeClr val="accent4"/>
+              </a:solidFill>
+            </a:endParaRPr>
+          </a:p>
+          <a:p>
+            <a:pPr marL="285750" indent="-285750" defTabSz="803275">
+              <a:buClr>
+                <a:srgbClr val="FF6600"/>
+              </a:buClr>
+              <a:buSzPct val="125000"/>
+              <a:buFont typeface="Wingdings" pitchFamily="2" charset="2"/>
+              <a:buChar char="§"/>
+            </a:pPr>
+            <a:r>
+              <a:rPr lang="ru-RU" dirty="0">
+                <a:solidFill>
+                  <a:schemeClr val="accent4"/>
+                </a:solidFill>
+              </a:rPr>
+              <a:t>Проверяем, что наши ожидания соответствуют реальному поведению объекта</a:t>
             </a:r>
           </a:p>
         </p:txBody>
@@ -20241,7 +20335,7 @@
     </p:spTree>
     <p:extLst>
       <p:ext uri="{BB962C8B-B14F-4D97-AF65-F5344CB8AC3E}">
-        <p14:creationId xmlns:p14="http://schemas.microsoft.com/office/powerpoint/2010/main" val="1198753693"/>
+        <p14:creationId xmlns:p14="http://schemas.microsoft.com/office/powerpoint/2010/main" val="941843520"/>
       </p:ext>
     </p:extLst>
   </p:cSld>
@@ -20251,7 +20345,7 @@
   <p:timing>
     <p:tnLst>
       <p:par>
-        <p:cTn xmlns:p14="http://schemas.microsoft.com/office/powerpoint/2010/main" id="1" dur="indefinite" restart="never" nodeType="tmRoot"/>
+        <p:cTn id="1" dur="indefinite" restart="never" nodeType="tmRoot"/>
       </p:par>
     </p:tnLst>
   </p:timing>
@@ -20313,7 +20407,7 @@
         <p:spPr bwMode="auto">
           <a:xfrm>
             <a:off x="2000878" y="1093202"/>
-            <a:ext cx="5023841" cy="4671596"/>
+            <a:ext cx="5023841" cy="2455605"/>
           </a:xfrm>
           <a:prstGeom prst="rect">
             <a:avLst/>
@@ -20332,11 +20426,13 @@
           </a:bodyPr>
           <a:lstStyle/>
           <a:p>
-            <a:pPr defTabSz="803275">
+            <a:pPr marL="285750" indent="-285750" defTabSz="803275">
               <a:buClr>
                 <a:srgbClr val="FF6600"/>
               </a:buClr>
               <a:buSzPct val="125000"/>
+              <a:buFont typeface="Wingdings" pitchFamily="2" charset="2"/>
+              <a:buChar char="§"/>
             </a:pPr>
             <a:r>
               <a:rPr lang="ru-RU" dirty="0">
@@ -20344,15 +20440,7 @@
                   <a:schemeClr val="accent4"/>
                 </a:solidFill>
               </a:rPr>
-              <a:t>Т.о. схема использования mock-фреймворка выглядит следующим образом</a:t>
-            </a:r>
-            <a:r>
-              <a:rPr lang="ru-RU" dirty="0" smtClean="0">
-                <a:solidFill>
-                  <a:schemeClr val="accent4"/>
-                </a:solidFill>
-              </a:rPr>
-              <a:t>:</a:t>
+              <a:t>Если метод должен выполниться несколько раз, то задается это следующим образом:</a:t>
             </a:r>
           </a:p>
           <a:p>
@@ -20369,6 +20457,40 @@
             </a:endParaRPr>
           </a:p>
           <a:p>
+            <a:pPr defTabSz="803275">
+              <a:buClr>
+                <a:srgbClr val="FF6600"/>
+              </a:buClr>
+              <a:buSzPct val="125000"/>
+            </a:pPr>
+            <a:r>
+              <a:rPr lang="en-US" dirty="0" smtClean="0">
+                <a:solidFill>
+                  <a:schemeClr val="accent4"/>
+                </a:solidFill>
+              </a:rPr>
+              <a:t>TBD</a:t>
+            </a:r>
+            <a:endParaRPr lang="en-US" dirty="0">
+              <a:solidFill>
+                <a:schemeClr val="accent4"/>
+              </a:solidFill>
+            </a:endParaRPr>
+          </a:p>
+          <a:p>
+            <a:pPr defTabSz="803275">
+              <a:buClr>
+                <a:srgbClr val="FF6600"/>
+              </a:buClr>
+              <a:buSzPct val="125000"/>
+            </a:pPr>
+            <a:endParaRPr lang="en-US" dirty="0">
+              <a:solidFill>
+                <a:schemeClr val="accent4"/>
+              </a:solidFill>
+            </a:endParaRPr>
+          </a:p>
+          <a:p>
             <a:pPr marL="285750" indent="-285750" defTabSz="803275">
               <a:buClr>
                 <a:srgbClr val="FF6600"/>
@@ -20383,171 +20505,55 @@
                   <a:schemeClr val="accent4"/>
                 </a:solidFill>
               </a:rPr>
-              <a:t>Создаем </a:t>
-            </a:r>
-            <a:r>
-              <a:rPr lang="ru-RU" dirty="0" smtClean="0">
+              <a:t>Для указания количества вызовов так же могут использоваться </a:t>
+            </a:r>
+            <a:r>
+              <a:rPr lang="en-US" dirty="0">
                 <a:solidFill>
                   <a:schemeClr val="accent4"/>
                 </a:solidFill>
               </a:rPr>
-              <a:t>mock-объект</a:t>
-            </a:r>
-          </a:p>
-          <a:p>
-            <a:pPr marL="285750" indent="-285750" defTabSz="803275">
-              <a:buClr>
-                <a:srgbClr val="FF6600"/>
-              </a:buClr>
-              <a:buSzPct val="125000"/>
-              <a:buFont typeface="Wingdings" pitchFamily="2" charset="2"/>
-              <a:buChar char="§"/>
-            </a:pPr>
-            <a:endParaRPr lang="ru-RU" dirty="0">
-              <a:solidFill>
-                <a:schemeClr val="accent4"/>
-              </a:solidFill>
-            </a:endParaRPr>
-          </a:p>
-          <a:p>
-            <a:pPr marL="285750" indent="-285750" defTabSz="803275">
-              <a:buClr>
-                <a:srgbClr val="FF6600"/>
-              </a:buClr>
-              <a:buSzPct val="125000"/>
-              <a:buFont typeface="Wingdings" pitchFamily="2" charset="2"/>
-              <a:buChar char="§"/>
-            </a:pPr>
+              <a:t>setter’</a:t>
+            </a:r>
             <a:r>
               <a:rPr lang="ru-RU" dirty="0">
                 <a:solidFill>
                   <a:schemeClr val="accent4"/>
                 </a:solidFill>
               </a:rPr>
-              <a:t>Задаем ожидания вызовов и возвращаемые </a:t>
-            </a:r>
-            <a:r>
-              <a:rPr lang="ru-RU" dirty="0" smtClean="0">
+              <a:t>ы: </a:t>
+            </a:r>
+            <a:r>
+              <a:rPr lang="en-US" dirty="0" err="1">
                 <a:solidFill>
                   <a:schemeClr val="accent4"/>
                 </a:solidFill>
               </a:rPr>
-              <a:t>значения</a:t>
-            </a:r>
-          </a:p>
-          <a:p>
-            <a:pPr marL="285750" indent="-285750" defTabSz="803275">
-              <a:buClr>
-                <a:srgbClr val="FF6600"/>
-              </a:buClr>
-              <a:buSzPct val="125000"/>
-              <a:buFont typeface="Wingdings" pitchFamily="2" charset="2"/>
-              <a:buChar char="§"/>
-            </a:pPr>
-            <a:endParaRPr lang="ru-RU" dirty="0">
-              <a:solidFill>
-                <a:schemeClr val="accent4"/>
-              </a:solidFill>
-            </a:endParaRPr>
-          </a:p>
-          <a:p>
-            <a:pPr marL="285750" indent="-285750" defTabSz="803275">
-              <a:buClr>
-                <a:srgbClr val="FF6600"/>
-              </a:buClr>
-              <a:buSzPct val="125000"/>
-              <a:buFont typeface="Wingdings" pitchFamily="2" charset="2"/>
-              <a:buChar char="§"/>
-            </a:pPr>
-            <a:r>
-              <a:rPr lang="ru-RU" dirty="0">
+              <a:t>atLeastOnce</a:t>
+            </a:r>
+            <a:r>
+              <a:rPr lang="en-US" dirty="0">
                 <a:solidFill>
                   <a:schemeClr val="accent4"/>
                 </a:solidFill>
               </a:rPr>
-              <a:t>Переводим mock в </a:t>
-            </a:r>
-            <a:r>
-              <a:rPr lang="ru-RU" dirty="0" smtClean="0">
+              <a:t>(), </a:t>
+            </a:r>
+            <a:r>
+              <a:rPr lang="en-US" dirty="0" err="1">
                 <a:solidFill>
                   <a:schemeClr val="accent4"/>
                 </a:solidFill>
               </a:rPr>
-              <a:t>режим «воспроизведения»</a:t>
-            </a:r>
-          </a:p>
-          <a:p>
-            <a:pPr marL="285750" indent="-285750" defTabSz="803275">
-              <a:buClr>
-                <a:srgbClr val="FF6600"/>
-              </a:buClr>
-              <a:buSzPct val="125000"/>
-              <a:buFont typeface="Wingdings" pitchFamily="2" charset="2"/>
-              <a:buChar char="§"/>
-            </a:pPr>
-            <a:endParaRPr lang="ru-RU" dirty="0">
-              <a:solidFill>
-                <a:schemeClr val="accent4"/>
-              </a:solidFill>
-            </a:endParaRPr>
-          </a:p>
-          <a:p>
-            <a:pPr marL="285750" indent="-285750" defTabSz="803275">
-              <a:buClr>
-                <a:srgbClr val="FF6600"/>
-              </a:buClr>
-              <a:buSzPct val="125000"/>
-              <a:buFont typeface="Wingdings" pitchFamily="2" charset="2"/>
-              <a:buChar char="§"/>
-            </a:pPr>
-            <a:r>
-              <a:rPr lang="ru-RU" dirty="0">
+              <a:t>anyTimes</a:t>
+            </a:r>
+            <a:r>
+              <a:rPr lang="en-US" dirty="0">
                 <a:solidFill>
                   <a:schemeClr val="accent4"/>
                 </a:solidFill>
               </a:rPr>
-              <a:t>Вызываем методы тестируемого </a:t>
-            </a:r>
-            <a:r>
-              <a:rPr lang="ru-RU" dirty="0" smtClean="0">
-                <a:solidFill>
-                  <a:schemeClr val="accent4"/>
-                </a:solidFill>
-              </a:rPr>
-              <a:t>объекта</a:t>
-            </a:r>
-          </a:p>
-          <a:p>
-            <a:pPr marL="285750" indent="-285750" defTabSz="803275">
-              <a:buClr>
-                <a:srgbClr val="FF6600"/>
-              </a:buClr>
-              <a:buSzPct val="125000"/>
-              <a:buFont typeface="Wingdings" pitchFamily="2" charset="2"/>
-              <a:buChar char="§"/>
-            </a:pPr>
-            <a:endParaRPr lang="ru-RU" dirty="0">
-              <a:solidFill>
-                <a:schemeClr val="accent4"/>
-              </a:solidFill>
-            </a:endParaRPr>
-          </a:p>
-          <a:p>
-            <a:pPr marL="285750" indent="-285750" defTabSz="803275">
-              <a:buClr>
-                <a:srgbClr val="FF6600"/>
-              </a:buClr>
-              <a:buSzPct val="125000"/>
-              <a:buFont typeface="Wingdings" pitchFamily="2" charset="2"/>
-              <a:buChar char="§"/>
-            </a:pPr>
-            <a:r>
-              <a:rPr lang="ru-RU" dirty="0">
-                <a:solidFill>
-                  <a:schemeClr val="accent4"/>
-                </a:solidFill>
-              </a:rPr>
-              <a:t>Проверяем, что наши ожидания соответствуют реальному поведению объекта</a:t>
+              <a:t>(), times(from, to)</a:t>
             </a:r>
           </a:p>
         </p:txBody>
@@ -20555,7 +20561,7 @@
     </p:spTree>
     <p:extLst>
       <p:ext uri="{BB962C8B-B14F-4D97-AF65-F5344CB8AC3E}">
-        <p14:creationId xmlns:p14="http://schemas.microsoft.com/office/powerpoint/2010/main" val="941843520"/>
+        <p14:creationId xmlns:p14="http://schemas.microsoft.com/office/powerpoint/2010/main" val="1415032287"/>
       </p:ext>
     </p:extLst>
   </p:cSld>
@@ -20565,7 +20571,7 @@
   <p:timing>
     <p:tnLst>
       <p:par>
-        <p:cTn xmlns:p14="http://schemas.microsoft.com/office/powerpoint/2010/main" id="1" dur="indefinite" restart="never" nodeType="tmRoot"/>
+        <p:cTn id="1" dur="indefinite" restart="never" nodeType="tmRoot"/>
       </p:par>
     </p:tnLst>
   </p:timing>
@@ -20626,1253 +20632,6 @@
         </p:nvSpPr>
         <p:spPr bwMode="auto">
           <a:xfrm>
-            <a:off x="2000878" y="1093202"/>
-            <a:ext cx="5023841" cy="2455605"/>
-          </a:xfrm>
-          <a:prstGeom prst="rect">
-            <a:avLst/>
-          </a:prstGeom>
-          <a:noFill/>
-          <a:ln w="19050">
-            <a:noFill/>
-            <a:miter lim="800000"/>
-            <a:headEnd/>
-            <a:tailEnd/>
-          </a:ln>
-        </p:spPr>
-        <p:txBody>
-          <a:bodyPr wrap="square" lIns="93296" tIns="144000" rIns="93296" bIns="93296">
-            <a:spAutoFit/>
-          </a:bodyPr>
-          <a:lstStyle/>
-          <a:p>
-            <a:pPr marL="285750" indent="-285750" defTabSz="803275">
-              <a:buClr>
-                <a:srgbClr val="FF6600"/>
-              </a:buClr>
-              <a:buSzPct val="125000"/>
-              <a:buFont typeface="Wingdings" pitchFamily="2" charset="2"/>
-              <a:buChar char="§"/>
-            </a:pPr>
-            <a:r>
-              <a:rPr lang="ru-RU" dirty="0">
-                <a:solidFill>
-                  <a:schemeClr val="accent4"/>
-                </a:solidFill>
-              </a:rPr>
-              <a:t>Если метод должен выполниться несколько раз, то задается это следующим образом:</a:t>
-            </a:r>
-          </a:p>
-          <a:p>
-            <a:pPr defTabSz="803275">
-              <a:buClr>
-                <a:srgbClr val="FF6600"/>
-              </a:buClr>
-              <a:buSzPct val="125000"/>
-            </a:pPr>
-            <a:endParaRPr lang="ru-RU" dirty="0">
-              <a:solidFill>
-                <a:schemeClr val="accent4"/>
-              </a:solidFill>
-            </a:endParaRPr>
-          </a:p>
-          <a:p>
-            <a:pPr defTabSz="803275">
-              <a:buClr>
-                <a:srgbClr val="FF6600"/>
-              </a:buClr>
-              <a:buSzPct val="125000"/>
-            </a:pPr>
-            <a:r>
-              <a:rPr lang="en-US" dirty="0" smtClean="0">
-                <a:solidFill>
-                  <a:schemeClr val="accent4"/>
-                </a:solidFill>
-              </a:rPr>
-              <a:t>TBD</a:t>
-            </a:r>
-            <a:endParaRPr lang="en-US" dirty="0">
-              <a:solidFill>
-                <a:schemeClr val="accent4"/>
-              </a:solidFill>
-            </a:endParaRPr>
-          </a:p>
-          <a:p>
-            <a:pPr defTabSz="803275">
-              <a:buClr>
-                <a:srgbClr val="FF6600"/>
-              </a:buClr>
-              <a:buSzPct val="125000"/>
-            </a:pPr>
-            <a:endParaRPr lang="en-US" dirty="0">
-              <a:solidFill>
-                <a:schemeClr val="accent4"/>
-              </a:solidFill>
-            </a:endParaRPr>
-          </a:p>
-          <a:p>
-            <a:pPr marL="285750" indent="-285750" defTabSz="803275">
-              <a:buClr>
-                <a:srgbClr val="FF6600"/>
-              </a:buClr>
-              <a:buSzPct val="125000"/>
-              <a:buFont typeface="Wingdings" pitchFamily="2" charset="2"/>
-              <a:buChar char="§"/>
-            </a:pPr>
-            <a:r>
-              <a:rPr lang="ru-RU" dirty="0">
-                <a:solidFill>
-                  <a:schemeClr val="accent4"/>
-                </a:solidFill>
-              </a:rPr>
-              <a:t>Для указания количества вызовов так же могут использоваться </a:t>
-            </a:r>
-            <a:r>
-              <a:rPr lang="en-US" dirty="0">
-                <a:solidFill>
-                  <a:schemeClr val="accent4"/>
-                </a:solidFill>
-              </a:rPr>
-              <a:t>setter’</a:t>
-            </a:r>
-            <a:r>
-              <a:rPr lang="ru-RU" dirty="0">
-                <a:solidFill>
-                  <a:schemeClr val="accent4"/>
-                </a:solidFill>
-              </a:rPr>
-              <a:t>ы: </a:t>
-            </a:r>
-            <a:r>
-              <a:rPr lang="en-US" dirty="0" err="1">
-                <a:solidFill>
-                  <a:schemeClr val="accent4"/>
-                </a:solidFill>
-              </a:rPr>
-              <a:t>atLeastOnce</a:t>
-            </a:r>
-            <a:r>
-              <a:rPr lang="en-US" dirty="0">
-                <a:solidFill>
-                  <a:schemeClr val="accent4"/>
-                </a:solidFill>
-              </a:rPr>
-              <a:t>(), </a:t>
-            </a:r>
-            <a:r>
-              <a:rPr lang="en-US" dirty="0" err="1">
-                <a:solidFill>
-                  <a:schemeClr val="accent4"/>
-                </a:solidFill>
-              </a:rPr>
-              <a:t>anyTimes</a:t>
-            </a:r>
-            <a:r>
-              <a:rPr lang="en-US" dirty="0">
-                <a:solidFill>
-                  <a:schemeClr val="accent4"/>
-                </a:solidFill>
-              </a:rPr>
-              <a:t>(), times(from, to)</a:t>
-            </a:r>
-          </a:p>
-        </p:txBody>
-      </p:sp>
-    </p:spTree>
-    <p:extLst>
-      <p:ext uri="{BB962C8B-B14F-4D97-AF65-F5344CB8AC3E}">
-        <p14:creationId xmlns:p14="http://schemas.microsoft.com/office/powerpoint/2010/main" val="1415032287"/>
-      </p:ext>
-    </p:extLst>
-  </p:cSld>
-  <p:clrMapOvr>
-    <a:masterClrMapping/>
-  </p:clrMapOvr>
-  <p:timing>
-    <p:tnLst>
-      <p:par>
-        <p:cTn xmlns:p14="http://schemas.microsoft.com/office/powerpoint/2010/main" id="1" dur="indefinite" restart="never" nodeType="tmRoot"/>
-      </p:par>
-    </p:tnLst>
-  </p:timing>
-</p:sld>
-</file>
-
-<file path=ppt/slides/slide2.xml><?xml version="1.0" encoding="utf-8"?>
-<p:sld xmlns:a="http://schemas.openxmlformats.org/drawingml/2006/main" xmlns:r="http://schemas.openxmlformats.org/officeDocument/2006/relationships" xmlns:p="http://schemas.openxmlformats.org/presentationml/2006/main">
-  <p:cSld>
-    <p:spTree>
-      <p:nvGrpSpPr>
-        <p:cNvPr id="1" name=""/>
-        <p:cNvGrpSpPr/>
-        <p:nvPr/>
-      </p:nvGrpSpPr>
-      <p:grpSpPr>
-        <a:xfrm>
-          <a:off x="0" y="0"/>
-          <a:ext cx="0" cy="0"/>
-          <a:chOff x="0" y="0"/>
-          <a:chExt cx="0" cy="0"/>
-        </a:xfrm>
-      </p:grpSpPr>
-      <p:sp>
-        <p:nvSpPr>
-          <p:cNvPr id="9221" name="Title 1"/>
-          <p:cNvSpPr>
-            <a:spLocks noGrp="1"/>
-          </p:cNvSpPr>
-          <p:nvPr>
-            <p:ph type="title"/>
-          </p:nvPr>
-        </p:nvSpPr>
-        <p:spPr/>
-        <p:txBody>
-          <a:bodyPr/>
-          <a:lstStyle/>
-          <a:p>
-            <a:r>
-              <a:rPr lang="ru-RU" dirty="0" smtClean="0">
-                <a:solidFill>
-                  <a:srgbClr val="161645"/>
-                </a:solidFill>
-                <a:latin typeface="Arial" charset="0"/>
-              </a:rPr>
-              <a:t>Для кого этот тренинг?</a:t>
-            </a:r>
-            <a:endParaRPr lang="ru-RU" dirty="0">
-              <a:solidFill>
-                <a:srgbClr val="161645"/>
-              </a:solidFill>
-              <a:latin typeface="Arial" charset="0"/>
-            </a:endParaRPr>
-          </a:p>
-        </p:txBody>
-      </p:sp>
-      <p:grpSp>
-        <p:nvGrpSpPr>
-          <p:cNvPr id="3" name="Group 2"/>
-          <p:cNvGrpSpPr/>
-          <p:nvPr/>
-        </p:nvGrpSpPr>
-        <p:grpSpPr>
-          <a:xfrm>
-            <a:off x="1362075" y="1988656"/>
-            <a:ext cx="6419850" cy="3229939"/>
-            <a:chOff x="1352550" y="2035583"/>
-            <a:chExt cx="6419850" cy="3229939"/>
-          </a:xfrm>
-        </p:grpSpPr>
-        <p:sp>
-          <p:nvSpPr>
-            <p:cNvPr id="15" name="Rectangle 14"/>
-            <p:cNvSpPr/>
-            <p:nvPr/>
-          </p:nvSpPr>
-          <p:spPr>
-            <a:xfrm>
-              <a:off x="2219325" y="4337787"/>
-              <a:ext cx="5553075" cy="895350"/>
-            </a:xfrm>
-            <a:prstGeom prst="rect">
-              <a:avLst/>
-            </a:prstGeom>
-            <a:solidFill>
-              <a:schemeClr val="accent2"/>
-            </a:solidFill>
-            <a:ln>
-              <a:noFill/>
-            </a:ln>
-          </p:spPr>
-          <p:style>
-            <a:lnRef idx="2">
-              <a:schemeClr val="accent1">
-                <a:shade val="50000"/>
-              </a:schemeClr>
-            </a:lnRef>
-            <a:fillRef idx="1">
-              <a:schemeClr val="accent1"/>
-            </a:fillRef>
-            <a:effectRef idx="0">
-              <a:schemeClr val="accent1"/>
-            </a:effectRef>
-            <a:fontRef idx="minor">
-              <a:schemeClr val="lt1"/>
-            </a:fontRef>
-          </p:style>
-          <p:txBody>
-            <a:bodyPr anchor="ctr"/>
-            <a:lstStyle/>
-            <a:p>
-              <a:pPr algn="ctr">
-                <a:defRPr/>
-              </a:pPr>
-              <a:endParaRPr lang="ru-RU" dirty="0"/>
-            </a:p>
-          </p:txBody>
-        </p:sp>
-        <p:sp>
-          <p:nvSpPr>
-            <p:cNvPr id="14" name="Rectangle 13"/>
-            <p:cNvSpPr/>
-            <p:nvPr/>
-          </p:nvSpPr>
-          <p:spPr>
-            <a:xfrm>
-              <a:off x="2219325" y="3199867"/>
-              <a:ext cx="5553075" cy="895350"/>
-            </a:xfrm>
-            <a:prstGeom prst="rect">
-              <a:avLst/>
-            </a:prstGeom>
-            <a:solidFill>
-              <a:schemeClr val="accent2"/>
-            </a:solidFill>
-            <a:ln>
-              <a:noFill/>
-            </a:ln>
-          </p:spPr>
-          <p:style>
-            <a:lnRef idx="2">
-              <a:schemeClr val="accent1">
-                <a:shade val="50000"/>
-              </a:schemeClr>
-            </a:lnRef>
-            <a:fillRef idx="1">
-              <a:schemeClr val="accent1"/>
-            </a:fillRef>
-            <a:effectRef idx="0">
-              <a:schemeClr val="accent1"/>
-            </a:effectRef>
-            <a:fontRef idx="minor">
-              <a:schemeClr val="lt1"/>
-            </a:fontRef>
-          </p:style>
-          <p:txBody>
-            <a:bodyPr anchor="ctr"/>
-            <a:lstStyle/>
-            <a:p>
-              <a:pPr algn="ctr">
-                <a:defRPr/>
-              </a:pPr>
-              <a:endParaRPr lang="ru-RU" dirty="0"/>
-            </a:p>
-          </p:txBody>
-        </p:sp>
-        <p:sp>
-          <p:nvSpPr>
-            <p:cNvPr id="13" name="Rectangle 12"/>
-            <p:cNvSpPr/>
-            <p:nvPr/>
-          </p:nvSpPr>
-          <p:spPr>
-            <a:xfrm>
-              <a:off x="2219325" y="2035583"/>
-              <a:ext cx="5553075" cy="960120"/>
-            </a:xfrm>
-            <a:prstGeom prst="rect">
-              <a:avLst/>
-            </a:prstGeom>
-            <a:solidFill>
-              <a:schemeClr val="accent2"/>
-            </a:solidFill>
-            <a:ln>
-              <a:noFill/>
-            </a:ln>
-          </p:spPr>
-          <p:style>
-            <a:lnRef idx="2">
-              <a:schemeClr val="accent1">
-                <a:shade val="50000"/>
-              </a:schemeClr>
-            </a:lnRef>
-            <a:fillRef idx="1">
-              <a:schemeClr val="accent1"/>
-            </a:fillRef>
-            <a:effectRef idx="0">
-              <a:schemeClr val="accent1"/>
-            </a:effectRef>
-            <a:fontRef idx="minor">
-              <a:schemeClr val="lt1"/>
-            </a:fontRef>
-          </p:style>
-          <p:txBody>
-            <a:bodyPr anchor="ctr"/>
-            <a:lstStyle/>
-            <a:p>
-              <a:pPr algn="ctr">
-                <a:defRPr/>
-              </a:pPr>
-              <a:endParaRPr lang="ru-RU" dirty="0"/>
-            </a:p>
-          </p:txBody>
-        </p:sp>
-        <p:sp>
-          <p:nvSpPr>
-            <p:cNvPr id="4" name="TextBox 3"/>
-            <p:cNvSpPr txBox="1"/>
-            <p:nvPr/>
-          </p:nvSpPr>
-          <p:spPr>
-            <a:xfrm>
-              <a:off x="2219325" y="3167482"/>
-              <a:ext cx="5553075" cy="960120"/>
-            </a:xfrm>
-            <a:prstGeom prst="rect">
-              <a:avLst/>
-            </a:prstGeom>
-            <a:solidFill>
-              <a:schemeClr val="accent2"/>
-            </a:solidFill>
-          </p:spPr>
-          <p:txBody>
-            <a:bodyPr wrap="square" lIns="108000" tIns="108000" rIns="108000" bIns="108000">
-              <a:spAutoFit/>
-            </a:bodyPr>
-            <a:lstStyle>
-              <a:lvl1pPr eaLnBrk="0" hangingPunct="0">
-                <a:defRPr>
-                  <a:solidFill>
-                    <a:schemeClr val="tx1"/>
-                  </a:solidFill>
-                  <a:latin typeface="Arial" charset="0"/>
-                  <a:ea typeface="ＭＳ Ｐゴシック" charset="0"/>
-                  <a:cs typeface="Arial" charset="0"/>
-                </a:defRPr>
-              </a:lvl1pPr>
-              <a:lvl2pPr marL="742950" indent="-285750" eaLnBrk="0" hangingPunct="0">
-                <a:defRPr>
-                  <a:solidFill>
-                    <a:schemeClr val="tx1"/>
-                  </a:solidFill>
-                  <a:latin typeface="Arial" charset="0"/>
-                  <a:ea typeface="Arial" charset="0"/>
-                  <a:cs typeface="Arial" charset="0"/>
-                </a:defRPr>
-              </a:lvl2pPr>
-              <a:lvl3pPr marL="1143000" indent="-228600" eaLnBrk="0" hangingPunct="0">
-                <a:defRPr>
-                  <a:solidFill>
-                    <a:schemeClr val="tx1"/>
-                  </a:solidFill>
-                  <a:latin typeface="Arial" charset="0"/>
-                  <a:ea typeface="Arial" charset="0"/>
-                  <a:cs typeface="Arial" charset="0"/>
-                </a:defRPr>
-              </a:lvl3pPr>
-              <a:lvl4pPr marL="1600200" indent="-228600" eaLnBrk="0" hangingPunct="0">
-                <a:defRPr>
-                  <a:solidFill>
-                    <a:schemeClr val="tx1"/>
-                  </a:solidFill>
-                  <a:latin typeface="Arial" charset="0"/>
-                  <a:ea typeface="Arial" charset="0"/>
-                  <a:cs typeface="Arial" charset="0"/>
-                </a:defRPr>
-              </a:lvl4pPr>
-              <a:lvl5pPr marL="2057400" indent="-228600" eaLnBrk="0" hangingPunct="0">
-                <a:defRPr>
-                  <a:solidFill>
-                    <a:schemeClr val="tx1"/>
-                  </a:solidFill>
-                  <a:latin typeface="Arial" charset="0"/>
-                  <a:ea typeface="Arial" charset="0"/>
-                  <a:cs typeface="Arial" charset="0"/>
-                </a:defRPr>
-              </a:lvl5pPr>
-              <a:lvl6pPr marL="2514600" indent="-228600" eaLnBrk="0" fontAlgn="base" hangingPunct="0">
-                <a:spcBef>
-                  <a:spcPct val="0"/>
-                </a:spcBef>
-                <a:spcAft>
-                  <a:spcPct val="0"/>
-                </a:spcAft>
-                <a:defRPr>
-                  <a:solidFill>
-                    <a:schemeClr val="tx1"/>
-                  </a:solidFill>
-                  <a:latin typeface="Arial" charset="0"/>
-                  <a:ea typeface="Arial" charset="0"/>
-                  <a:cs typeface="Arial" charset="0"/>
-                </a:defRPr>
-              </a:lvl6pPr>
-              <a:lvl7pPr marL="2971800" indent="-228600" eaLnBrk="0" fontAlgn="base" hangingPunct="0">
-                <a:spcBef>
-                  <a:spcPct val="0"/>
-                </a:spcBef>
-                <a:spcAft>
-                  <a:spcPct val="0"/>
-                </a:spcAft>
-                <a:defRPr>
-                  <a:solidFill>
-                    <a:schemeClr val="tx1"/>
-                  </a:solidFill>
-                  <a:latin typeface="Arial" charset="0"/>
-                  <a:ea typeface="Arial" charset="0"/>
-                  <a:cs typeface="Arial" charset="0"/>
-                </a:defRPr>
-              </a:lvl7pPr>
-              <a:lvl8pPr marL="3429000" indent="-228600" eaLnBrk="0" fontAlgn="base" hangingPunct="0">
-                <a:spcBef>
-                  <a:spcPct val="0"/>
-                </a:spcBef>
-                <a:spcAft>
-                  <a:spcPct val="0"/>
-                </a:spcAft>
-                <a:defRPr>
-                  <a:solidFill>
-                    <a:schemeClr val="tx1"/>
-                  </a:solidFill>
-                  <a:latin typeface="Arial" charset="0"/>
-                  <a:ea typeface="Arial" charset="0"/>
-                  <a:cs typeface="Arial" charset="0"/>
-                </a:defRPr>
-              </a:lvl8pPr>
-              <a:lvl9pPr marL="3886200" indent="-228600" eaLnBrk="0" fontAlgn="base" hangingPunct="0">
-                <a:spcBef>
-                  <a:spcPct val="0"/>
-                </a:spcBef>
-                <a:spcAft>
-                  <a:spcPct val="0"/>
-                </a:spcAft>
-                <a:defRPr>
-                  <a:solidFill>
-                    <a:schemeClr val="tx1"/>
-                  </a:solidFill>
-                  <a:latin typeface="Arial" charset="0"/>
-                  <a:ea typeface="Arial" charset="0"/>
-                  <a:cs typeface="Arial" charset="0"/>
-                </a:defRPr>
-              </a:lvl9pPr>
-            </a:lstStyle>
-            <a:p>
-              <a:pPr eaLnBrk="1" hangingPunct="1">
-                <a:buClr>
-                  <a:srgbClr val="FF6600"/>
-                </a:buClr>
-                <a:buSzPct val="125000"/>
-              </a:pPr>
-              <a:r>
-                <a:rPr lang="en-US" b="1" dirty="0" smtClean="0">
-                  <a:solidFill>
-                    <a:srgbClr val="004080"/>
-                  </a:solidFill>
-                </a:rPr>
-                <a:t>Intermediate</a:t>
-              </a:r>
-              <a:endParaRPr lang="en-US" dirty="0" smtClean="0">
-                <a:solidFill>
-                  <a:srgbClr val="004080"/>
-                </a:solidFill>
-              </a:endParaRPr>
-            </a:p>
-            <a:p>
-              <a:pPr eaLnBrk="1" hangingPunct="1">
-                <a:buClr>
-                  <a:srgbClr val="FF6600"/>
-                </a:buClr>
-                <a:buSzPct val="125000"/>
-              </a:pPr>
-              <a:r>
-                <a:rPr lang="ru-RU" dirty="0" smtClean="0">
-                  <a:solidFill>
-                    <a:srgbClr val="004080"/>
-                  </a:solidFill>
-                </a:rPr>
-                <a:t>Поможет лучше всё структурировать в голове и объяснять коллегам</a:t>
-              </a:r>
-              <a:endParaRPr lang="ru-RU" dirty="0">
-                <a:solidFill>
-                  <a:srgbClr val="004080"/>
-                </a:solidFill>
-              </a:endParaRPr>
-            </a:p>
-          </p:txBody>
-        </p:sp>
-        <p:sp>
-          <p:nvSpPr>
-            <p:cNvPr id="6" name="TextBox 5"/>
-            <p:cNvSpPr txBox="1"/>
-            <p:nvPr/>
-          </p:nvSpPr>
-          <p:spPr>
-            <a:xfrm>
-              <a:off x="2286000" y="2129590"/>
-              <a:ext cx="5438775" cy="772107"/>
-            </a:xfrm>
-            <a:prstGeom prst="rect">
-              <a:avLst/>
-            </a:prstGeom>
-            <a:solidFill>
-              <a:schemeClr val="accent2"/>
-            </a:solidFill>
-          </p:spPr>
-          <p:txBody>
-            <a:bodyPr lIns="108000" tIns="108000" rIns="108000" bIns="108000">
-              <a:spAutoFit/>
-            </a:bodyPr>
-            <a:lstStyle>
-              <a:lvl1pPr eaLnBrk="0" hangingPunct="0">
-                <a:defRPr>
-                  <a:solidFill>
-                    <a:schemeClr val="tx1"/>
-                  </a:solidFill>
-                  <a:latin typeface="Arial" charset="0"/>
-                  <a:ea typeface="ＭＳ Ｐゴシック" charset="0"/>
-                  <a:cs typeface="Arial" charset="0"/>
-                </a:defRPr>
-              </a:lvl1pPr>
-              <a:lvl2pPr marL="742950" indent="-285750" eaLnBrk="0" hangingPunct="0">
-                <a:defRPr>
-                  <a:solidFill>
-                    <a:schemeClr val="tx1"/>
-                  </a:solidFill>
-                  <a:latin typeface="Arial" charset="0"/>
-                  <a:ea typeface="Arial" charset="0"/>
-                  <a:cs typeface="Arial" charset="0"/>
-                </a:defRPr>
-              </a:lvl2pPr>
-              <a:lvl3pPr marL="1143000" indent="-228600" eaLnBrk="0" hangingPunct="0">
-                <a:defRPr>
-                  <a:solidFill>
-                    <a:schemeClr val="tx1"/>
-                  </a:solidFill>
-                  <a:latin typeface="Arial" charset="0"/>
-                  <a:ea typeface="Arial" charset="0"/>
-                  <a:cs typeface="Arial" charset="0"/>
-                </a:defRPr>
-              </a:lvl3pPr>
-              <a:lvl4pPr marL="1600200" indent="-228600" eaLnBrk="0" hangingPunct="0">
-                <a:defRPr>
-                  <a:solidFill>
-                    <a:schemeClr val="tx1"/>
-                  </a:solidFill>
-                  <a:latin typeface="Arial" charset="0"/>
-                  <a:ea typeface="Arial" charset="0"/>
-                  <a:cs typeface="Arial" charset="0"/>
-                </a:defRPr>
-              </a:lvl4pPr>
-              <a:lvl5pPr marL="2057400" indent="-228600" eaLnBrk="0" hangingPunct="0">
-                <a:defRPr>
-                  <a:solidFill>
-                    <a:schemeClr val="tx1"/>
-                  </a:solidFill>
-                  <a:latin typeface="Arial" charset="0"/>
-                  <a:ea typeface="Arial" charset="0"/>
-                  <a:cs typeface="Arial" charset="0"/>
-                </a:defRPr>
-              </a:lvl5pPr>
-              <a:lvl6pPr marL="2514600" indent="-228600" eaLnBrk="0" fontAlgn="base" hangingPunct="0">
-                <a:spcBef>
-                  <a:spcPct val="0"/>
-                </a:spcBef>
-                <a:spcAft>
-                  <a:spcPct val="0"/>
-                </a:spcAft>
-                <a:defRPr>
-                  <a:solidFill>
-                    <a:schemeClr val="tx1"/>
-                  </a:solidFill>
-                  <a:latin typeface="Arial" charset="0"/>
-                  <a:ea typeface="Arial" charset="0"/>
-                  <a:cs typeface="Arial" charset="0"/>
-                </a:defRPr>
-              </a:lvl6pPr>
-              <a:lvl7pPr marL="2971800" indent="-228600" eaLnBrk="0" fontAlgn="base" hangingPunct="0">
-                <a:spcBef>
-                  <a:spcPct val="0"/>
-                </a:spcBef>
-                <a:spcAft>
-                  <a:spcPct val="0"/>
-                </a:spcAft>
-                <a:defRPr>
-                  <a:solidFill>
-                    <a:schemeClr val="tx1"/>
-                  </a:solidFill>
-                  <a:latin typeface="Arial" charset="0"/>
-                  <a:ea typeface="Arial" charset="0"/>
-                  <a:cs typeface="Arial" charset="0"/>
-                </a:defRPr>
-              </a:lvl7pPr>
-              <a:lvl8pPr marL="3429000" indent="-228600" eaLnBrk="0" fontAlgn="base" hangingPunct="0">
-                <a:spcBef>
-                  <a:spcPct val="0"/>
-                </a:spcBef>
-                <a:spcAft>
-                  <a:spcPct val="0"/>
-                </a:spcAft>
-                <a:defRPr>
-                  <a:solidFill>
-                    <a:schemeClr val="tx1"/>
-                  </a:solidFill>
-                  <a:latin typeface="Arial" charset="0"/>
-                  <a:ea typeface="Arial" charset="0"/>
-                  <a:cs typeface="Arial" charset="0"/>
-                </a:defRPr>
-              </a:lvl8pPr>
-              <a:lvl9pPr marL="3886200" indent="-228600" eaLnBrk="0" fontAlgn="base" hangingPunct="0">
-                <a:spcBef>
-                  <a:spcPct val="0"/>
-                </a:spcBef>
-                <a:spcAft>
-                  <a:spcPct val="0"/>
-                </a:spcAft>
-                <a:defRPr>
-                  <a:solidFill>
-                    <a:schemeClr val="tx1"/>
-                  </a:solidFill>
-                  <a:latin typeface="Arial" charset="0"/>
-                  <a:ea typeface="Arial" charset="0"/>
-                  <a:cs typeface="Arial" charset="0"/>
-                </a:defRPr>
-              </a:lvl9pPr>
-            </a:lstStyle>
-            <a:p>
-              <a:pPr eaLnBrk="1" hangingPunct="1">
-                <a:buClr>
-                  <a:srgbClr val="FF6600"/>
-                </a:buClr>
-                <a:buSzPct val="125000"/>
-              </a:pPr>
-              <a:r>
-                <a:rPr lang="de-DE" b="1" dirty="0" smtClean="0">
-                  <a:solidFill>
-                    <a:srgbClr val="004080"/>
-                  </a:solidFill>
-                </a:rPr>
-                <a:t>Beginner</a:t>
-              </a:r>
-              <a:endParaRPr lang="ru-RU" b="1" dirty="0" smtClean="0">
-                <a:solidFill>
-                  <a:srgbClr val="004080"/>
-                </a:solidFill>
-              </a:endParaRPr>
-            </a:p>
-            <a:p>
-              <a:pPr eaLnBrk="1" hangingPunct="1">
-                <a:buClr>
-                  <a:srgbClr val="FF6600"/>
-                </a:buClr>
-                <a:buSzPct val="125000"/>
-              </a:pPr>
-              <a:r>
-                <a:rPr lang="ru-RU" dirty="0" smtClean="0">
-                  <a:solidFill>
-                    <a:srgbClr val="004080"/>
-                  </a:solidFill>
-                </a:rPr>
-                <a:t>Хорошая</a:t>
-              </a:r>
-              <a:r>
-                <a:rPr lang="de-DE" dirty="0" smtClean="0">
-                  <a:solidFill>
-                    <a:srgbClr val="004080"/>
-                  </a:solidFill>
-                </a:rPr>
-                <a:t> </a:t>
-              </a:r>
-              <a:r>
-                <a:rPr lang="ru-RU" dirty="0" smtClean="0">
-                  <a:solidFill>
-                    <a:srgbClr val="004080"/>
-                  </a:solidFill>
-                </a:rPr>
-                <a:t>точка входа</a:t>
-              </a:r>
-              <a:endParaRPr lang="ru-RU" dirty="0">
-                <a:solidFill>
-                  <a:srgbClr val="004080"/>
-                </a:solidFill>
-              </a:endParaRPr>
-            </a:p>
-          </p:txBody>
-        </p:sp>
-        <p:sp>
-          <p:nvSpPr>
-            <p:cNvPr id="8" name="TextBox 7"/>
-            <p:cNvSpPr txBox="1"/>
-            <p:nvPr/>
-          </p:nvSpPr>
-          <p:spPr>
-            <a:xfrm>
-              <a:off x="2219326" y="4305402"/>
-              <a:ext cx="5505450" cy="960120"/>
-            </a:xfrm>
-            <a:prstGeom prst="rect">
-              <a:avLst/>
-            </a:prstGeom>
-            <a:solidFill>
-              <a:schemeClr val="accent2"/>
-            </a:solidFill>
-          </p:spPr>
-          <p:txBody>
-            <a:bodyPr wrap="square" lIns="108000" tIns="108000" rIns="108000" bIns="108000">
-              <a:spAutoFit/>
-            </a:bodyPr>
-            <a:lstStyle>
-              <a:lvl1pPr eaLnBrk="0" hangingPunct="0">
-                <a:defRPr>
-                  <a:solidFill>
-                    <a:schemeClr val="tx1"/>
-                  </a:solidFill>
-                  <a:latin typeface="Arial" charset="0"/>
-                  <a:ea typeface="ＭＳ Ｐゴシック" charset="0"/>
-                  <a:cs typeface="Arial" charset="0"/>
-                </a:defRPr>
-              </a:lvl1pPr>
-              <a:lvl2pPr marL="742950" indent="-285750" eaLnBrk="0" hangingPunct="0">
-                <a:defRPr>
-                  <a:solidFill>
-                    <a:schemeClr val="tx1"/>
-                  </a:solidFill>
-                  <a:latin typeface="Arial" charset="0"/>
-                  <a:ea typeface="Arial" charset="0"/>
-                  <a:cs typeface="Arial" charset="0"/>
-                </a:defRPr>
-              </a:lvl2pPr>
-              <a:lvl3pPr marL="1143000" indent="-228600" eaLnBrk="0" hangingPunct="0">
-                <a:defRPr>
-                  <a:solidFill>
-                    <a:schemeClr val="tx1"/>
-                  </a:solidFill>
-                  <a:latin typeface="Arial" charset="0"/>
-                  <a:ea typeface="Arial" charset="0"/>
-                  <a:cs typeface="Arial" charset="0"/>
-                </a:defRPr>
-              </a:lvl3pPr>
-              <a:lvl4pPr marL="1600200" indent="-228600" eaLnBrk="0" hangingPunct="0">
-                <a:defRPr>
-                  <a:solidFill>
-                    <a:schemeClr val="tx1"/>
-                  </a:solidFill>
-                  <a:latin typeface="Arial" charset="0"/>
-                  <a:ea typeface="Arial" charset="0"/>
-                  <a:cs typeface="Arial" charset="0"/>
-                </a:defRPr>
-              </a:lvl4pPr>
-              <a:lvl5pPr marL="2057400" indent="-228600" eaLnBrk="0" hangingPunct="0">
-                <a:defRPr>
-                  <a:solidFill>
-                    <a:schemeClr val="tx1"/>
-                  </a:solidFill>
-                  <a:latin typeface="Arial" charset="0"/>
-                  <a:ea typeface="Arial" charset="0"/>
-                  <a:cs typeface="Arial" charset="0"/>
-                </a:defRPr>
-              </a:lvl5pPr>
-              <a:lvl6pPr marL="2514600" indent="-228600" eaLnBrk="0" fontAlgn="base" hangingPunct="0">
-                <a:spcBef>
-                  <a:spcPct val="0"/>
-                </a:spcBef>
-                <a:spcAft>
-                  <a:spcPct val="0"/>
-                </a:spcAft>
-                <a:defRPr>
-                  <a:solidFill>
-                    <a:schemeClr val="tx1"/>
-                  </a:solidFill>
-                  <a:latin typeface="Arial" charset="0"/>
-                  <a:ea typeface="Arial" charset="0"/>
-                  <a:cs typeface="Arial" charset="0"/>
-                </a:defRPr>
-              </a:lvl6pPr>
-              <a:lvl7pPr marL="2971800" indent="-228600" eaLnBrk="0" fontAlgn="base" hangingPunct="0">
-                <a:spcBef>
-                  <a:spcPct val="0"/>
-                </a:spcBef>
-                <a:spcAft>
-                  <a:spcPct val="0"/>
-                </a:spcAft>
-                <a:defRPr>
-                  <a:solidFill>
-                    <a:schemeClr val="tx1"/>
-                  </a:solidFill>
-                  <a:latin typeface="Arial" charset="0"/>
-                  <a:ea typeface="Arial" charset="0"/>
-                  <a:cs typeface="Arial" charset="0"/>
-                </a:defRPr>
-              </a:lvl7pPr>
-              <a:lvl8pPr marL="3429000" indent="-228600" eaLnBrk="0" fontAlgn="base" hangingPunct="0">
-                <a:spcBef>
-                  <a:spcPct val="0"/>
-                </a:spcBef>
-                <a:spcAft>
-                  <a:spcPct val="0"/>
-                </a:spcAft>
-                <a:defRPr>
-                  <a:solidFill>
-                    <a:schemeClr val="tx1"/>
-                  </a:solidFill>
-                  <a:latin typeface="Arial" charset="0"/>
-                  <a:ea typeface="Arial" charset="0"/>
-                  <a:cs typeface="Arial" charset="0"/>
-                </a:defRPr>
-              </a:lvl8pPr>
-              <a:lvl9pPr marL="3886200" indent="-228600" eaLnBrk="0" fontAlgn="base" hangingPunct="0">
-                <a:spcBef>
-                  <a:spcPct val="0"/>
-                </a:spcBef>
-                <a:spcAft>
-                  <a:spcPct val="0"/>
-                </a:spcAft>
-                <a:defRPr>
-                  <a:solidFill>
-                    <a:schemeClr val="tx1"/>
-                  </a:solidFill>
-                  <a:latin typeface="Arial" charset="0"/>
-                  <a:ea typeface="Arial" charset="0"/>
-                  <a:cs typeface="Arial" charset="0"/>
-                </a:defRPr>
-              </a:lvl9pPr>
-            </a:lstStyle>
-            <a:p>
-              <a:pPr eaLnBrk="1" hangingPunct="1">
-                <a:buClr>
-                  <a:srgbClr val="FF6600"/>
-                </a:buClr>
-                <a:buSzPct val="125000"/>
-              </a:pPr>
-              <a:r>
-                <a:rPr lang="en-US" b="1" dirty="0" smtClean="0">
-                  <a:solidFill>
-                    <a:srgbClr val="004080"/>
-                  </a:solidFill>
-                </a:rPr>
-                <a:t>Advanced </a:t>
-              </a:r>
-              <a:endParaRPr lang="ru-RU" b="1" dirty="0" smtClean="0">
-                <a:solidFill>
-                  <a:srgbClr val="004080"/>
-                </a:solidFill>
-              </a:endParaRPr>
-            </a:p>
-            <a:p>
-              <a:pPr eaLnBrk="1" hangingPunct="1">
-                <a:buClr>
-                  <a:srgbClr val="FF6600"/>
-                </a:buClr>
-                <a:buSzPct val="125000"/>
-              </a:pPr>
-              <a:r>
-                <a:rPr lang="ru-RU" dirty="0" smtClean="0">
-                  <a:solidFill>
-                    <a:srgbClr val="004080"/>
-                  </a:solidFill>
-                </a:rPr>
-                <a:t>Можно использовать для</a:t>
-              </a:r>
-              <a:r>
-                <a:rPr lang="en-US" dirty="0" smtClean="0">
-                  <a:solidFill>
-                    <a:srgbClr val="004080"/>
-                  </a:solidFill>
-                </a:rPr>
-                <a:t> </a:t>
-              </a:r>
-              <a:r>
-                <a:rPr lang="ru-RU" dirty="0" smtClean="0">
-                  <a:solidFill>
-                    <a:srgbClr val="004080"/>
-                  </a:solidFill>
-                </a:rPr>
-                <a:t>обучения</a:t>
-              </a:r>
-              <a:r>
-                <a:rPr lang="en-US" dirty="0" smtClean="0">
-                  <a:solidFill>
-                    <a:srgbClr val="004080"/>
-                  </a:solidFill>
-                </a:rPr>
-                <a:t> </a:t>
-              </a:r>
-              <a:r>
-                <a:rPr lang="ru-RU" dirty="0" smtClean="0">
-                  <a:solidFill>
-                    <a:srgbClr val="004080"/>
-                  </a:solidFill>
-                </a:rPr>
-                <a:t>и</a:t>
-              </a:r>
-              <a:r>
-                <a:rPr lang="en-US" dirty="0" smtClean="0">
-                  <a:solidFill>
-                    <a:srgbClr val="004080"/>
-                  </a:solidFill>
-                </a:rPr>
-                <a:t> </a:t>
-              </a:r>
-              <a:r>
-                <a:rPr lang="ru-RU" dirty="0" smtClean="0">
-                  <a:solidFill>
-                    <a:srgbClr val="004080"/>
-                  </a:solidFill>
-                </a:rPr>
-                <a:t>проверки других</a:t>
-              </a:r>
-              <a:endParaRPr lang="ru-RU" dirty="0">
-                <a:solidFill>
-                  <a:srgbClr val="004080"/>
-                </a:solidFill>
-              </a:endParaRPr>
-            </a:p>
-          </p:txBody>
-        </p:sp>
-        <p:sp>
-          <p:nvSpPr>
-            <p:cNvPr id="16" name="Rectangle 15"/>
-            <p:cNvSpPr/>
-            <p:nvPr/>
-          </p:nvSpPr>
-          <p:spPr>
-            <a:xfrm>
-              <a:off x="1352550" y="4305402"/>
-              <a:ext cx="752475" cy="960120"/>
-            </a:xfrm>
-            <a:prstGeom prst="rect">
-              <a:avLst/>
-            </a:prstGeom>
-            <a:solidFill>
-              <a:schemeClr val="accent3"/>
-            </a:solidFill>
-            <a:ln>
-              <a:noFill/>
-            </a:ln>
-          </p:spPr>
-          <p:style>
-            <a:lnRef idx="2">
-              <a:schemeClr val="accent1">
-                <a:shade val="50000"/>
-              </a:schemeClr>
-            </a:lnRef>
-            <a:fillRef idx="1">
-              <a:schemeClr val="accent1"/>
-            </a:fillRef>
-            <a:effectRef idx="0">
-              <a:schemeClr val="accent1"/>
-            </a:effectRef>
-            <a:fontRef idx="minor">
-              <a:schemeClr val="lt1"/>
-            </a:fontRef>
-          </p:style>
-          <p:txBody>
-            <a:bodyPr anchor="ctr"/>
-            <a:lstStyle/>
-            <a:p>
-              <a:pPr algn="ctr">
-                <a:defRPr/>
-              </a:pPr>
-              <a:r>
-                <a:rPr lang="ru-RU" sz="5400" b="1" dirty="0"/>
-                <a:t>3</a:t>
-              </a:r>
-            </a:p>
-          </p:txBody>
-        </p:sp>
-        <p:sp>
-          <p:nvSpPr>
-            <p:cNvPr id="17" name="Rectangle 16"/>
-            <p:cNvSpPr/>
-            <p:nvPr/>
-          </p:nvSpPr>
-          <p:spPr>
-            <a:xfrm>
-              <a:off x="1352550" y="3167482"/>
-              <a:ext cx="752475" cy="960120"/>
-            </a:xfrm>
-            <a:prstGeom prst="rect">
-              <a:avLst/>
-            </a:prstGeom>
-            <a:solidFill>
-              <a:schemeClr val="accent3"/>
-            </a:solidFill>
-            <a:ln>
-              <a:noFill/>
-            </a:ln>
-          </p:spPr>
-          <p:style>
-            <a:lnRef idx="2">
-              <a:schemeClr val="accent1">
-                <a:shade val="50000"/>
-              </a:schemeClr>
-            </a:lnRef>
-            <a:fillRef idx="1">
-              <a:schemeClr val="accent1"/>
-            </a:fillRef>
-            <a:effectRef idx="0">
-              <a:schemeClr val="accent1"/>
-            </a:effectRef>
-            <a:fontRef idx="minor">
-              <a:schemeClr val="lt1"/>
-            </a:fontRef>
-          </p:style>
-          <p:txBody>
-            <a:bodyPr anchor="ctr"/>
-            <a:lstStyle/>
-            <a:p>
-              <a:pPr algn="ctr">
-                <a:defRPr/>
-              </a:pPr>
-              <a:r>
-                <a:rPr lang="ru-RU" sz="5400" b="1" dirty="0"/>
-                <a:t>2</a:t>
-              </a:r>
-            </a:p>
-          </p:txBody>
-        </p:sp>
-        <p:sp>
-          <p:nvSpPr>
-            <p:cNvPr id="18" name="Rectangle 17"/>
-            <p:cNvSpPr/>
-            <p:nvPr/>
-          </p:nvSpPr>
-          <p:spPr>
-            <a:xfrm>
-              <a:off x="1352550" y="2035583"/>
-              <a:ext cx="752475" cy="960120"/>
-            </a:xfrm>
-            <a:prstGeom prst="rect">
-              <a:avLst/>
-            </a:prstGeom>
-            <a:solidFill>
-              <a:schemeClr val="accent3"/>
-            </a:solidFill>
-            <a:ln>
-              <a:noFill/>
-            </a:ln>
-          </p:spPr>
-          <p:style>
-            <a:lnRef idx="2">
-              <a:schemeClr val="accent1">
-                <a:shade val="50000"/>
-              </a:schemeClr>
-            </a:lnRef>
-            <a:fillRef idx="1">
-              <a:schemeClr val="accent1"/>
-            </a:fillRef>
-            <a:effectRef idx="0">
-              <a:schemeClr val="accent1"/>
-            </a:effectRef>
-            <a:fontRef idx="minor">
-              <a:schemeClr val="lt1"/>
-            </a:fontRef>
-          </p:style>
-          <p:txBody>
-            <a:bodyPr anchor="ctr"/>
-            <a:lstStyle/>
-            <a:p>
-              <a:pPr algn="ctr">
-                <a:defRPr/>
-              </a:pPr>
-              <a:r>
-                <a:rPr lang="ru-RU" sz="5400" b="1" dirty="0"/>
-                <a:t>1</a:t>
-              </a:r>
-            </a:p>
-          </p:txBody>
-        </p:sp>
-      </p:grpSp>
-      <p:sp>
-        <p:nvSpPr>
-          <p:cNvPr id="5" name="TextBox 4"/>
-          <p:cNvSpPr txBox="1"/>
-          <p:nvPr/>
-        </p:nvSpPr>
-        <p:spPr>
-          <a:xfrm>
-            <a:off x="8731250" y="6683375"/>
-            <a:ext cx="184666" cy="369332"/>
-          </a:xfrm>
-          <a:prstGeom prst="rect">
-            <a:avLst/>
-          </a:prstGeom>
-          <a:noFill/>
-        </p:spPr>
-        <p:txBody>
-          <a:bodyPr wrap="none" rtlCol="0">
-            <a:spAutoFit/>
-          </a:bodyPr>
-          <a:lstStyle/>
-          <a:p>
-            <a:endParaRPr lang="en-US" dirty="0"/>
-          </a:p>
-        </p:txBody>
-      </p:sp>
-    </p:spTree>
-    <p:extLst>
-      <p:ext uri="{BB962C8B-B14F-4D97-AF65-F5344CB8AC3E}">
-        <p14:creationId xmlns:p14="http://schemas.microsoft.com/office/powerpoint/2010/main" val="1987314718"/>
-      </p:ext>
-    </p:extLst>
-  </p:cSld>
-  <p:clrMapOvr>
-    <a:masterClrMapping/>
-  </p:clrMapOvr>
-  <p:transition xmlns:p14="http://schemas.microsoft.com/office/powerpoint/2010/main" spd="slow">
-    <p:fade/>
-  </p:transition>
-  <p:timing>
-    <p:tnLst>
-      <p:par>
-        <p:cTn xmlns:p14="http://schemas.microsoft.com/office/powerpoint/2010/main" id="1" dur="indefinite" restart="never" nodeType="tmRoot"/>
-      </p:par>
-    </p:tnLst>
-  </p:timing>
-</p:sld>
-</file>
-
-<file path=ppt/slides/slide20.xml><?xml version="1.0" encoding="utf-8"?>
-<p:sld xmlns:a="http://schemas.openxmlformats.org/drawingml/2006/main" xmlns:r="http://schemas.openxmlformats.org/officeDocument/2006/relationships" xmlns:p="http://schemas.openxmlformats.org/presentationml/2006/main">
-  <p:cSld>
-    <p:spTree>
-      <p:nvGrpSpPr>
-        <p:cNvPr id="1" name=""/>
-        <p:cNvGrpSpPr/>
-        <p:nvPr/>
-      </p:nvGrpSpPr>
-      <p:grpSpPr>
-        <a:xfrm>
-          <a:off x="0" y="0"/>
-          <a:ext cx="0" cy="0"/>
-          <a:chOff x="0" y="0"/>
-          <a:chExt cx="0" cy="0"/>
-        </a:xfrm>
-      </p:grpSpPr>
-      <p:sp>
-        <p:nvSpPr>
-          <p:cNvPr id="2" name="Title 1"/>
-          <p:cNvSpPr>
-            <a:spLocks noGrp="1"/>
-          </p:cNvSpPr>
-          <p:nvPr>
-            <p:ph type="title"/>
-          </p:nvPr>
-        </p:nvSpPr>
-        <p:spPr/>
-        <p:txBody>
-          <a:bodyPr/>
-          <a:lstStyle/>
-          <a:p>
-            <a:r>
-              <a:rPr lang="en-US" dirty="0" err="1"/>
-              <a:t>EasyMock</a:t>
-            </a:r>
-            <a:endParaRPr lang="en-US" dirty="0"/>
-          </a:p>
-        </p:txBody>
-      </p:sp>
-      <p:sp>
-        <p:nvSpPr>
-          <p:cNvPr id="5" name="Rectangle 4"/>
-          <p:cNvSpPr>
-            <a:spLocks noChangeArrowheads="1"/>
-          </p:cNvSpPr>
-          <p:nvPr>
-            <p:custDataLst>
-              <p:tags r:id="rId1"/>
-            </p:custDataLst>
-          </p:nvPr>
-        </p:nvSpPr>
-        <p:spPr bwMode="auto">
-          <a:xfrm>
             <a:off x="2000878" y="2339697"/>
             <a:ext cx="5023841" cy="2178606"/>
           </a:xfrm>
@@ -21971,663 +20730,14 @@
   <p:timing>
     <p:tnLst>
       <p:par>
-        <p:cTn xmlns:p14="http://schemas.microsoft.com/office/powerpoint/2010/main" id="1" dur="indefinite" restart="never" nodeType="tmRoot"/>
+        <p:cTn id="1" dur="indefinite" restart="never" nodeType="tmRoot"/>
       </p:par>
     </p:tnLst>
   </p:timing>
 </p:sld>
 </file>
 
-<file path=ppt/slides/slide21.xml><?xml version="1.0" encoding="utf-8"?>
-<p:sld xmlns:a="http://schemas.openxmlformats.org/drawingml/2006/main" xmlns:r="http://schemas.openxmlformats.org/officeDocument/2006/relationships" xmlns:p="http://schemas.openxmlformats.org/presentationml/2006/main">
-  <p:cSld>
-    <p:spTree>
-      <p:nvGrpSpPr>
-        <p:cNvPr id="1" name=""/>
-        <p:cNvGrpSpPr/>
-        <p:nvPr/>
-      </p:nvGrpSpPr>
-      <p:grpSpPr>
-        <a:xfrm>
-          <a:off x="0" y="0"/>
-          <a:ext cx="0" cy="0"/>
-          <a:chOff x="0" y="0"/>
-          <a:chExt cx="0" cy="0"/>
-        </a:xfrm>
-      </p:grpSpPr>
-      <p:sp>
-        <p:nvSpPr>
-          <p:cNvPr id="2" name="Title 1"/>
-          <p:cNvSpPr>
-            <a:spLocks noGrp="1"/>
-          </p:cNvSpPr>
-          <p:nvPr>
-            <p:ph type="title"/>
-          </p:nvPr>
-        </p:nvSpPr>
-        <p:spPr/>
-        <p:txBody>
-          <a:bodyPr/>
-          <a:lstStyle/>
-          <a:p>
-            <a:r>
-              <a:rPr lang="en-US" dirty="0" err="1"/>
-              <a:t>EasyMock</a:t>
-            </a:r>
-            <a:endParaRPr lang="en-US" dirty="0"/>
-          </a:p>
-        </p:txBody>
-      </p:sp>
-      <p:sp>
-        <p:nvSpPr>
-          <p:cNvPr id="5" name="Rectangle 4"/>
-          <p:cNvSpPr>
-            <a:spLocks noChangeArrowheads="1"/>
-          </p:cNvSpPr>
-          <p:nvPr>
-            <p:custDataLst>
-              <p:tags r:id="rId1"/>
-            </p:custDataLst>
-          </p:nvPr>
-        </p:nvSpPr>
-        <p:spPr bwMode="auto">
-          <a:xfrm>
-            <a:off x="2000878" y="2339697"/>
-            <a:ext cx="5023841" cy="516612"/>
-          </a:xfrm>
-          <a:prstGeom prst="rect">
-            <a:avLst/>
-          </a:prstGeom>
-          <a:noFill/>
-          <a:ln w="19050">
-            <a:noFill/>
-            <a:miter lim="800000"/>
-            <a:headEnd/>
-            <a:tailEnd/>
-          </a:ln>
-        </p:spPr>
-        <p:txBody>
-          <a:bodyPr wrap="square" lIns="93296" tIns="144000" rIns="93296" bIns="93296">
-            <a:spAutoFit/>
-          </a:bodyPr>
-          <a:lstStyle/>
-          <a:p>
-            <a:pPr marL="285750" indent="-285750" defTabSz="803275">
-              <a:buClr>
-                <a:srgbClr val="FF6600"/>
-              </a:buClr>
-              <a:buSzPct val="125000"/>
-              <a:buFont typeface="Wingdings" pitchFamily="2" charset="2"/>
-              <a:buChar char="§"/>
-            </a:pPr>
-            <a:r>
-              <a:rPr lang="ru-RU" dirty="0">
-                <a:solidFill>
-                  <a:schemeClr val="accent4"/>
-                </a:solidFill>
-              </a:rPr>
-              <a:t>Тестируем исключения</a:t>
-            </a:r>
-          </a:p>
-        </p:txBody>
-      </p:sp>
-    </p:spTree>
-    <p:extLst>
-      <p:ext uri="{BB962C8B-B14F-4D97-AF65-F5344CB8AC3E}">
-        <p14:creationId xmlns:p14="http://schemas.microsoft.com/office/powerpoint/2010/main" val="3114442226"/>
-      </p:ext>
-    </p:extLst>
-  </p:cSld>
-  <p:clrMapOvr>
-    <a:masterClrMapping/>
-  </p:clrMapOvr>
-  <p:timing>
-    <p:tnLst>
-      <p:par>
-        <p:cTn xmlns:p14="http://schemas.microsoft.com/office/powerpoint/2010/main" id="1" dur="indefinite" restart="never" nodeType="tmRoot"/>
-      </p:par>
-    </p:tnLst>
-  </p:timing>
-</p:sld>
-</file>
-
-<file path=ppt/slides/slide22.xml><?xml version="1.0" encoding="utf-8"?>
-<p:sld xmlns:a="http://schemas.openxmlformats.org/drawingml/2006/main" xmlns:r="http://schemas.openxmlformats.org/officeDocument/2006/relationships" xmlns:p="http://schemas.openxmlformats.org/presentationml/2006/main">
-  <p:cSld>
-    <p:spTree>
-      <p:nvGrpSpPr>
-        <p:cNvPr id="1" name=""/>
-        <p:cNvGrpSpPr/>
-        <p:nvPr/>
-      </p:nvGrpSpPr>
-      <p:grpSpPr>
-        <a:xfrm>
-          <a:off x="0" y="0"/>
-          <a:ext cx="0" cy="0"/>
-          <a:chOff x="0" y="0"/>
-          <a:chExt cx="0" cy="0"/>
-        </a:xfrm>
-      </p:grpSpPr>
-      <p:sp>
-        <p:nvSpPr>
-          <p:cNvPr id="2" name="Title 1"/>
-          <p:cNvSpPr>
-            <a:spLocks noGrp="1"/>
-          </p:cNvSpPr>
-          <p:nvPr>
-            <p:ph type="title"/>
-          </p:nvPr>
-        </p:nvSpPr>
-        <p:spPr/>
-        <p:txBody>
-          <a:bodyPr/>
-          <a:lstStyle/>
-          <a:p>
-            <a:r>
-              <a:rPr lang="en-US" dirty="0" err="1"/>
-              <a:t>EasyMock</a:t>
-            </a:r>
-            <a:endParaRPr lang="en-US" dirty="0"/>
-          </a:p>
-        </p:txBody>
-      </p:sp>
-      <p:sp>
-        <p:nvSpPr>
-          <p:cNvPr id="5" name="Rectangle 4"/>
-          <p:cNvSpPr>
-            <a:spLocks noChangeArrowheads="1"/>
-          </p:cNvSpPr>
-          <p:nvPr>
-            <p:custDataLst>
-              <p:tags r:id="rId1"/>
-            </p:custDataLst>
-          </p:nvPr>
-        </p:nvSpPr>
-        <p:spPr bwMode="auto">
-          <a:xfrm>
-            <a:off x="2000878" y="1370201"/>
-            <a:ext cx="5023841" cy="4117598"/>
-          </a:xfrm>
-          <a:prstGeom prst="rect">
-            <a:avLst/>
-          </a:prstGeom>
-          <a:noFill/>
-          <a:ln w="19050">
-            <a:noFill/>
-            <a:miter lim="800000"/>
-            <a:headEnd/>
-            <a:tailEnd/>
-          </a:ln>
-        </p:spPr>
-        <p:txBody>
-          <a:bodyPr wrap="square" lIns="93296" tIns="144000" rIns="93296" bIns="93296">
-            <a:spAutoFit/>
-          </a:bodyPr>
-          <a:lstStyle/>
-          <a:p>
-            <a:pPr marL="285750" indent="-285750" defTabSz="803275">
-              <a:buClr>
-                <a:srgbClr val="FF6600"/>
-              </a:buClr>
-              <a:buSzPct val="125000"/>
-              <a:buFont typeface="Wingdings" pitchFamily="2" charset="2"/>
-              <a:buChar char="§"/>
-            </a:pPr>
-            <a:r>
-              <a:rPr lang="ru-RU" dirty="0">
-                <a:solidFill>
-                  <a:schemeClr val="accent4"/>
-                </a:solidFill>
-              </a:rPr>
-              <a:t>В зависимости от целей тестирования, EasyMock предлагает несколько разновидностей </a:t>
-            </a:r>
-            <a:r>
-              <a:rPr lang="ru-RU" dirty="0" smtClean="0">
-                <a:solidFill>
-                  <a:schemeClr val="accent4"/>
-                </a:solidFill>
-              </a:rPr>
-              <a:t>mock-объектов</a:t>
-            </a:r>
-            <a:endParaRPr lang="en-US" dirty="0" smtClean="0">
-              <a:solidFill>
-                <a:schemeClr val="accent4"/>
-              </a:solidFill>
-            </a:endParaRPr>
-          </a:p>
-          <a:p>
-            <a:pPr marL="285750" indent="-285750" defTabSz="803275">
-              <a:buClr>
-                <a:srgbClr val="FF6600"/>
-              </a:buClr>
-              <a:buSzPct val="125000"/>
-              <a:buFont typeface="Wingdings" pitchFamily="2" charset="2"/>
-              <a:buChar char="§"/>
-            </a:pPr>
-            <a:endParaRPr lang="ru-RU" dirty="0">
-              <a:solidFill>
-                <a:schemeClr val="accent4"/>
-              </a:solidFill>
-            </a:endParaRPr>
-          </a:p>
-          <a:p>
-            <a:pPr marL="285750" indent="-285750" defTabSz="803275">
-              <a:buClr>
-                <a:srgbClr val="FF6600"/>
-              </a:buClr>
-              <a:buSzPct val="125000"/>
-              <a:buFont typeface="Wingdings" pitchFamily="2" charset="2"/>
-              <a:buChar char="§"/>
-            </a:pPr>
-            <a:r>
-              <a:rPr lang="ru-RU" dirty="0">
-                <a:solidFill>
-                  <a:schemeClr val="accent4"/>
-                </a:solidFill>
-              </a:rPr>
-              <a:t>Nice </a:t>
-            </a:r>
-            <a:r>
-              <a:rPr lang="ru-RU" dirty="0" smtClean="0">
-                <a:solidFill>
-                  <a:schemeClr val="accent4"/>
-                </a:solidFill>
-              </a:rPr>
-              <a:t>mock</a:t>
-            </a:r>
-            <a:endParaRPr lang="en-US" dirty="0" smtClean="0">
-              <a:solidFill>
-                <a:schemeClr val="accent4"/>
-              </a:solidFill>
-            </a:endParaRPr>
-          </a:p>
-          <a:p>
-            <a:pPr marL="285750" indent="-285750" defTabSz="803275">
-              <a:buClr>
-                <a:srgbClr val="FF6600"/>
-              </a:buClr>
-              <a:buSzPct val="125000"/>
-              <a:buFont typeface="Wingdings" pitchFamily="2" charset="2"/>
-              <a:buChar char="§"/>
-            </a:pPr>
-            <a:endParaRPr lang="ru-RU" dirty="0">
-              <a:solidFill>
-                <a:schemeClr val="accent4"/>
-              </a:solidFill>
-            </a:endParaRPr>
-          </a:p>
-          <a:p>
-            <a:pPr marL="742950" lvl="1" indent="-285750" defTabSz="803275">
-              <a:buClr>
-                <a:srgbClr val="FF6600"/>
-              </a:buClr>
-              <a:buSzPct val="125000"/>
-              <a:buFont typeface="Arial" pitchFamily="34" charset="0"/>
-              <a:buChar char="•"/>
-            </a:pPr>
-            <a:r>
-              <a:rPr lang="ru-RU" dirty="0">
-                <a:solidFill>
-                  <a:schemeClr val="accent4"/>
-                </a:solidFill>
-              </a:rPr>
-              <a:t>В отличие от дефолтного mock’а, не вызывает AssertionError на незапланированные вызовы, а возвращает значение по умолчанию (0, null или false</a:t>
-            </a:r>
-            <a:r>
-              <a:rPr lang="ru-RU" dirty="0" smtClean="0">
-                <a:solidFill>
-                  <a:schemeClr val="accent4"/>
-                </a:solidFill>
-              </a:rPr>
-              <a:t>)</a:t>
-            </a:r>
-            <a:endParaRPr lang="en-US" dirty="0" smtClean="0">
-              <a:solidFill>
-                <a:schemeClr val="accent4"/>
-              </a:solidFill>
-            </a:endParaRPr>
-          </a:p>
-          <a:p>
-            <a:pPr marL="742950" lvl="1" indent="-285750" defTabSz="803275">
-              <a:buClr>
-                <a:srgbClr val="FF6600"/>
-              </a:buClr>
-              <a:buSzPct val="125000"/>
-              <a:buFont typeface="Arial" pitchFamily="34" charset="0"/>
-              <a:buChar char="•"/>
-            </a:pPr>
-            <a:endParaRPr lang="ru-RU" dirty="0">
-              <a:solidFill>
-                <a:schemeClr val="accent4"/>
-              </a:solidFill>
-            </a:endParaRPr>
-          </a:p>
-          <a:p>
-            <a:pPr marL="742950" lvl="1" indent="-285750" defTabSz="803275">
-              <a:buClr>
-                <a:srgbClr val="FF6600"/>
-              </a:buClr>
-              <a:buSzPct val="125000"/>
-              <a:buFont typeface="Arial" pitchFamily="34" charset="0"/>
-              <a:buChar char="•"/>
-            </a:pPr>
-            <a:r>
-              <a:rPr lang="ru-RU" dirty="0">
-                <a:solidFill>
-                  <a:schemeClr val="accent4"/>
-                </a:solidFill>
-              </a:rPr>
-              <a:t>Создается вызовом EasyMock.createNiceMock()</a:t>
-            </a:r>
-          </a:p>
-        </p:txBody>
-      </p:sp>
-    </p:spTree>
-    <p:extLst>
-      <p:ext uri="{BB962C8B-B14F-4D97-AF65-F5344CB8AC3E}">
-        <p14:creationId xmlns:p14="http://schemas.microsoft.com/office/powerpoint/2010/main" val="1018270487"/>
-      </p:ext>
-    </p:extLst>
-  </p:cSld>
-  <p:clrMapOvr>
-    <a:masterClrMapping/>
-  </p:clrMapOvr>
-  <p:timing>
-    <p:tnLst>
-      <p:par>
-        <p:cTn xmlns:p14="http://schemas.microsoft.com/office/powerpoint/2010/main" id="1" dur="indefinite" restart="never" nodeType="tmRoot"/>
-      </p:par>
-    </p:tnLst>
-  </p:timing>
-</p:sld>
-</file>
-
-<file path=ppt/slides/slide23.xml><?xml version="1.0" encoding="utf-8"?>
-<p:sld xmlns:a="http://schemas.openxmlformats.org/drawingml/2006/main" xmlns:r="http://schemas.openxmlformats.org/officeDocument/2006/relationships" xmlns:p="http://schemas.openxmlformats.org/presentationml/2006/main">
-  <p:cSld>
-    <p:spTree>
-      <p:nvGrpSpPr>
-        <p:cNvPr id="1" name=""/>
-        <p:cNvGrpSpPr/>
-        <p:nvPr/>
-      </p:nvGrpSpPr>
-      <p:grpSpPr>
-        <a:xfrm>
-          <a:off x="0" y="0"/>
-          <a:ext cx="0" cy="0"/>
-          <a:chOff x="0" y="0"/>
-          <a:chExt cx="0" cy="0"/>
-        </a:xfrm>
-      </p:grpSpPr>
-      <p:sp>
-        <p:nvSpPr>
-          <p:cNvPr id="7" name="Text Placeholder 6"/>
-          <p:cNvSpPr>
-            <a:spLocks noGrp="1"/>
-          </p:cNvSpPr>
-          <p:nvPr>
-            <p:ph type="body" sz="quarter" idx="20"/>
-          </p:nvPr>
-        </p:nvSpPr>
-        <p:spPr>
-          <a:xfrm>
-            <a:off x="2127250" y="2432649"/>
-            <a:ext cx="6467476" cy="576293"/>
-          </a:xfrm>
-        </p:spPr>
-        <p:txBody>
-          <a:bodyPr/>
-          <a:lstStyle/>
-          <a:p>
-            <a:r>
-              <a:rPr lang="ru-RU" dirty="0" smtClean="0"/>
-              <a:t>Вопросы ?</a:t>
-            </a:r>
-            <a:endParaRPr lang="en-US" dirty="0"/>
-          </a:p>
-        </p:txBody>
-      </p:sp>
-    </p:spTree>
-    <p:extLst>
-      <p:ext uri="{BB962C8B-B14F-4D97-AF65-F5344CB8AC3E}">
-        <p14:creationId xmlns:p14="http://schemas.microsoft.com/office/powerpoint/2010/main" val="2964007123"/>
-      </p:ext>
-    </p:extLst>
-  </p:cSld>
-  <p:clrMapOvr>
-    <a:masterClrMapping/>
-  </p:clrMapOvr>
-  <p:transition xmlns:p14="http://schemas.microsoft.com/office/powerpoint/2010/main">
-    <p:zoom/>
-  </p:transition>
-  <p:timing>
-    <p:tnLst>
-      <p:par>
-        <p:cTn xmlns:p14="http://schemas.microsoft.com/office/powerpoint/2010/main" id="1" dur="indefinite" restart="never" nodeType="tmRoot"/>
-      </p:par>
-    </p:tnLst>
-  </p:timing>
-</p:sld>
-</file>
-
-<file path=ppt/slides/slide24.xml><?xml version="1.0" encoding="utf-8"?>
-<p:sld xmlns:a="http://schemas.openxmlformats.org/drawingml/2006/main" xmlns:r="http://schemas.openxmlformats.org/officeDocument/2006/relationships" xmlns:p="http://schemas.openxmlformats.org/presentationml/2006/main">
-  <p:cSld>
-    <p:spTree>
-      <p:nvGrpSpPr>
-        <p:cNvPr id="1" name=""/>
-        <p:cNvGrpSpPr/>
-        <p:nvPr/>
-      </p:nvGrpSpPr>
-      <p:grpSpPr>
-        <a:xfrm>
-          <a:off x="0" y="0"/>
-          <a:ext cx="0" cy="0"/>
-          <a:chOff x="0" y="0"/>
-          <a:chExt cx="0" cy="0"/>
-        </a:xfrm>
-      </p:grpSpPr>
-      <p:sp>
-        <p:nvSpPr>
-          <p:cNvPr id="7" name="Subtitle 6"/>
-          <p:cNvSpPr>
-            <a:spLocks noGrp="1"/>
-          </p:cNvSpPr>
-          <p:nvPr>
-            <p:ph type="subTitle" idx="1"/>
-          </p:nvPr>
-        </p:nvSpPr>
-        <p:spPr/>
-        <p:txBody>
-          <a:bodyPr/>
-          <a:lstStyle/>
-          <a:p>
-            <a:r>
-              <a:rPr lang="en-US" dirty="0">
-                <a:latin typeface="Arial" charset="0"/>
-              </a:rPr>
-              <a:t>Разработка через </a:t>
-            </a:r>
-            <a:r>
-              <a:rPr lang="en-US" dirty="0" smtClean="0">
-                <a:latin typeface="Arial" charset="0"/>
-              </a:rPr>
-              <a:t>тестирование</a:t>
-            </a:r>
-            <a:r>
-              <a:rPr lang="en-US" dirty="0">
-                <a:latin typeface="Arial" charset="0"/>
-              </a:rPr>
-              <a:t/>
-            </a:r>
-            <a:br>
-              <a:rPr lang="en-US" dirty="0">
-                <a:latin typeface="Arial" charset="0"/>
-              </a:rPr>
-            </a:br>
-            <a:endParaRPr lang="en-US" dirty="0"/>
-          </a:p>
-        </p:txBody>
-      </p:sp>
-      <p:sp>
-        <p:nvSpPr>
-          <p:cNvPr id="8" name="Text Placeholder 7"/>
-          <p:cNvSpPr>
-            <a:spLocks noGrp="1"/>
-          </p:cNvSpPr>
-          <p:nvPr>
-            <p:ph type="body" sz="quarter" idx="11"/>
-          </p:nvPr>
-        </p:nvSpPr>
-        <p:spPr/>
-        <p:txBody>
-          <a:bodyPr/>
-          <a:lstStyle/>
-          <a:p>
-            <a:r>
-              <a:rPr lang="en-US" dirty="0" err="1"/>
-              <a:t>git</a:t>
-            </a:r>
-            <a:r>
-              <a:rPr lang="en-US" dirty="0"/>
-              <a:t> clone </a:t>
-            </a:r>
-            <a:r>
-              <a:rPr lang="en-US" dirty="0" err="1"/>
-              <a:t>git</a:t>
-            </a:r>
-            <a:r>
-              <a:rPr lang="en-US" dirty="0"/>
-              <a:t>://</a:t>
-            </a:r>
-            <a:r>
-              <a:rPr lang="en-US" dirty="0" err="1"/>
-              <a:t>github.com</a:t>
-            </a:r>
-            <a:r>
-              <a:rPr lang="en-US" dirty="0"/>
-              <a:t>/</a:t>
-            </a:r>
-            <a:r>
-              <a:rPr lang="en-US" dirty="0" err="1"/>
-              <a:t>ivan-dyachenko</a:t>
-            </a:r>
-            <a:r>
-              <a:rPr lang="en-US" dirty="0"/>
-              <a:t>/</a:t>
-            </a:r>
-            <a:r>
-              <a:rPr lang="en-US" dirty="0" err="1"/>
-              <a:t>Trainings.git</a:t>
-            </a:r>
-            <a:endParaRPr lang="en-US" dirty="0"/>
-          </a:p>
-        </p:txBody>
-      </p:sp>
-      <p:sp>
-        <p:nvSpPr>
-          <p:cNvPr id="9" name="Text Placeholder 8"/>
-          <p:cNvSpPr>
-            <a:spLocks noGrp="1"/>
-          </p:cNvSpPr>
-          <p:nvPr>
-            <p:ph type="body" sz="quarter" idx="12"/>
-          </p:nvPr>
-        </p:nvSpPr>
-        <p:spPr/>
-        <p:txBody>
-          <a:bodyPr/>
-          <a:lstStyle/>
-          <a:p>
-            <a:r>
-              <a:rPr lang="en-US" dirty="0" err="1" smtClean="0"/>
-              <a:t>IDyachenko@luxoft.com</a:t>
-            </a:r>
-            <a:endParaRPr lang="en-US" dirty="0"/>
-          </a:p>
-        </p:txBody>
-      </p:sp>
-      <p:sp>
-        <p:nvSpPr>
-          <p:cNvPr id="10" name="Text Placeholder 9"/>
-          <p:cNvSpPr>
-            <a:spLocks noGrp="1"/>
-          </p:cNvSpPr>
-          <p:nvPr>
-            <p:ph type="body" sz="quarter" idx="13"/>
-          </p:nvPr>
-        </p:nvSpPr>
-        <p:spPr/>
-        <p:txBody>
-          <a:bodyPr>
-            <a:normAutofit/>
-          </a:bodyPr>
-          <a:lstStyle/>
-          <a:p>
-            <a:r>
-              <a:rPr lang="en-US" dirty="0"/>
-              <a:t>https://</a:t>
-            </a:r>
-            <a:r>
-              <a:rPr lang="en-US" dirty="0" err="1"/>
-              <a:t>github.com</a:t>
-            </a:r>
-            <a:r>
-              <a:rPr lang="en-US" dirty="0"/>
-              <a:t>/</a:t>
-            </a:r>
-            <a:r>
-              <a:rPr lang="en-US" dirty="0" err="1"/>
-              <a:t>ivan-dyachenko</a:t>
-            </a:r>
-            <a:r>
-              <a:rPr lang="en-US" dirty="0"/>
-              <a:t>/</a:t>
-            </a:r>
-            <a:r>
-              <a:rPr lang="en-US" dirty="0" smtClean="0"/>
-              <a:t>Trainings</a:t>
-            </a:r>
-            <a:endParaRPr lang="en-US" dirty="0"/>
-          </a:p>
-        </p:txBody>
-      </p:sp>
-      <p:sp>
-        <p:nvSpPr>
-          <p:cNvPr id="11" name="Text Placeholder 10"/>
-          <p:cNvSpPr>
-            <a:spLocks noGrp="1"/>
-          </p:cNvSpPr>
-          <p:nvPr>
-            <p:ph type="body" sz="quarter" idx="14"/>
-          </p:nvPr>
-        </p:nvSpPr>
-        <p:spPr/>
-        <p:txBody>
-          <a:bodyPr/>
-          <a:lstStyle/>
-          <a:p>
-            <a:endParaRPr lang="en-US"/>
-          </a:p>
-        </p:txBody>
-      </p:sp>
-    </p:spTree>
-    <p:extLst>
-      <p:ext uri="{BB962C8B-B14F-4D97-AF65-F5344CB8AC3E}">
-        <p14:creationId xmlns:p14="http://schemas.microsoft.com/office/powerpoint/2010/main" val="1157964761"/>
-      </p:ext>
-    </p:extLst>
-  </p:cSld>
-  <p:clrMapOvr>
-    <a:masterClrMapping/>
-  </p:clrMapOvr>
-  <p:transition xmlns:p14="http://schemas.microsoft.com/office/powerpoint/2010/main">
-    <p:zoom/>
-  </p:transition>
-</p:sld>
-</file>
-
-<file path=ppt/slides/slide3.xml><?xml version="1.0" encoding="utf-8"?>
+<file path=ppt/slides/slide2.xml><?xml version="1.0" encoding="utf-8"?>
 <p:sld xmlns:a="http://schemas.openxmlformats.org/drawingml/2006/main" xmlns:r="http://schemas.openxmlformats.org/officeDocument/2006/relationships" xmlns:p="http://schemas.openxmlformats.org/presentationml/2006/main">
   <p:cSld>
     <p:spTree>
@@ -24580,13 +22690,808 @@
   <p:clrMapOvr>
     <a:masterClrMapping/>
   </p:clrMapOvr>
-  <p:transition xmlns:p14="http://schemas.microsoft.com/office/powerpoint/2010/main" spd="slow">
+  <p:transition spd="slow">
     <p:fade/>
   </p:transition>
   <p:timing>
     <p:tnLst>
       <p:par>
-        <p:cTn xmlns:p14="http://schemas.microsoft.com/office/powerpoint/2010/main" id="1" dur="indefinite" restart="never" nodeType="tmRoot"/>
+        <p:cTn id="1" dur="indefinite" restart="never" nodeType="tmRoot"/>
+      </p:par>
+    </p:tnLst>
+  </p:timing>
+</p:sld>
+</file>
+
+<file path=ppt/slides/slide20.xml><?xml version="1.0" encoding="utf-8"?>
+<p:sld xmlns:a="http://schemas.openxmlformats.org/drawingml/2006/main" xmlns:r="http://schemas.openxmlformats.org/officeDocument/2006/relationships" xmlns:p="http://schemas.openxmlformats.org/presentationml/2006/main">
+  <p:cSld>
+    <p:spTree>
+      <p:nvGrpSpPr>
+        <p:cNvPr id="1" name=""/>
+        <p:cNvGrpSpPr/>
+        <p:nvPr/>
+      </p:nvGrpSpPr>
+      <p:grpSpPr>
+        <a:xfrm>
+          <a:off x="0" y="0"/>
+          <a:ext cx="0" cy="0"/>
+          <a:chOff x="0" y="0"/>
+          <a:chExt cx="0" cy="0"/>
+        </a:xfrm>
+      </p:grpSpPr>
+      <p:sp>
+        <p:nvSpPr>
+          <p:cNvPr id="2" name="Title 1"/>
+          <p:cNvSpPr>
+            <a:spLocks noGrp="1"/>
+          </p:cNvSpPr>
+          <p:nvPr>
+            <p:ph type="title"/>
+          </p:nvPr>
+        </p:nvSpPr>
+        <p:spPr/>
+        <p:txBody>
+          <a:bodyPr/>
+          <a:lstStyle/>
+          <a:p>
+            <a:r>
+              <a:rPr lang="en-US" dirty="0" err="1"/>
+              <a:t>EasyMock</a:t>
+            </a:r>
+            <a:endParaRPr lang="en-US" dirty="0"/>
+          </a:p>
+        </p:txBody>
+      </p:sp>
+      <p:sp>
+        <p:nvSpPr>
+          <p:cNvPr id="5" name="Rectangle 4"/>
+          <p:cNvSpPr>
+            <a:spLocks noChangeArrowheads="1"/>
+          </p:cNvSpPr>
+          <p:nvPr>
+            <p:custDataLst>
+              <p:tags r:id="rId1"/>
+            </p:custDataLst>
+          </p:nvPr>
+        </p:nvSpPr>
+        <p:spPr bwMode="auto">
+          <a:xfrm>
+            <a:off x="2000878" y="2339697"/>
+            <a:ext cx="5023841" cy="516612"/>
+          </a:xfrm>
+          <a:prstGeom prst="rect">
+            <a:avLst/>
+          </a:prstGeom>
+          <a:noFill/>
+          <a:ln w="19050">
+            <a:noFill/>
+            <a:miter lim="800000"/>
+            <a:headEnd/>
+            <a:tailEnd/>
+          </a:ln>
+        </p:spPr>
+        <p:txBody>
+          <a:bodyPr wrap="square" lIns="93296" tIns="144000" rIns="93296" bIns="93296">
+            <a:spAutoFit/>
+          </a:bodyPr>
+          <a:lstStyle/>
+          <a:p>
+            <a:pPr marL="285750" indent="-285750" defTabSz="803275">
+              <a:buClr>
+                <a:srgbClr val="FF6600"/>
+              </a:buClr>
+              <a:buSzPct val="125000"/>
+              <a:buFont typeface="Wingdings" pitchFamily="2" charset="2"/>
+              <a:buChar char="§"/>
+            </a:pPr>
+            <a:r>
+              <a:rPr lang="ru-RU" dirty="0">
+                <a:solidFill>
+                  <a:schemeClr val="accent4"/>
+                </a:solidFill>
+              </a:rPr>
+              <a:t>Тестируем исключения</a:t>
+            </a:r>
+          </a:p>
+        </p:txBody>
+      </p:sp>
+    </p:spTree>
+    <p:extLst>
+      <p:ext uri="{BB962C8B-B14F-4D97-AF65-F5344CB8AC3E}">
+        <p14:creationId xmlns:p14="http://schemas.microsoft.com/office/powerpoint/2010/main" val="3114442226"/>
+      </p:ext>
+    </p:extLst>
+  </p:cSld>
+  <p:clrMapOvr>
+    <a:masterClrMapping/>
+  </p:clrMapOvr>
+  <p:timing>
+    <p:tnLst>
+      <p:par>
+        <p:cTn id="1" dur="indefinite" restart="never" nodeType="tmRoot"/>
+      </p:par>
+    </p:tnLst>
+  </p:timing>
+</p:sld>
+</file>
+
+<file path=ppt/slides/slide21.xml><?xml version="1.0" encoding="utf-8"?>
+<p:sld xmlns:a="http://schemas.openxmlformats.org/drawingml/2006/main" xmlns:r="http://schemas.openxmlformats.org/officeDocument/2006/relationships" xmlns:p="http://schemas.openxmlformats.org/presentationml/2006/main">
+  <p:cSld>
+    <p:spTree>
+      <p:nvGrpSpPr>
+        <p:cNvPr id="1" name=""/>
+        <p:cNvGrpSpPr/>
+        <p:nvPr/>
+      </p:nvGrpSpPr>
+      <p:grpSpPr>
+        <a:xfrm>
+          <a:off x="0" y="0"/>
+          <a:ext cx="0" cy="0"/>
+          <a:chOff x="0" y="0"/>
+          <a:chExt cx="0" cy="0"/>
+        </a:xfrm>
+      </p:grpSpPr>
+      <p:sp>
+        <p:nvSpPr>
+          <p:cNvPr id="2" name="Title 1"/>
+          <p:cNvSpPr>
+            <a:spLocks noGrp="1"/>
+          </p:cNvSpPr>
+          <p:nvPr>
+            <p:ph type="title"/>
+          </p:nvPr>
+        </p:nvSpPr>
+        <p:spPr/>
+        <p:txBody>
+          <a:bodyPr/>
+          <a:lstStyle/>
+          <a:p>
+            <a:r>
+              <a:rPr lang="en-US" dirty="0" err="1"/>
+              <a:t>EasyMock</a:t>
+            </a:r>
+            <a:endParaRPr lang="en-US" dirty="0"/>
+          </a:p>
+        </p:txBody>
+      </p:sp>
+      <p:sp>
+        <p:nvSpPr>
+          <p:cNvPr id="5" name="Rectangle 4"/>
+          <p:cNvSpPr>
+            <a:spLocks noChangeArrowheads="1"/>
+          </p:cNvSpPr>
+          <p:nvPr>
+            <p:custDataLst>
+              <p:tags r:id="rId1"/>
+            </p:custDataLst>
+          </p:nvPr>
+        </p:nvSpPr>
+        <p:spPr bwMode="auto">
+          <a:xfrm>
+            <a:off x="2000878" y="1370201"/>
+            <a:ext cx="5023841" cy="4117598"/>
+          </a:xfrm>
+          <a:prstGeom prst="rect">
+            <a:avLst/>
+          </a:prstGeom>
+          <a:noFill/>
+          <a:ln w="19050">
+            <a:noFill/>
+            <a:miter lim="800000"/>
+            <a:headEnd/>
+            <a:tailEnd/>
+          </a:ln>
+        </p:spPr>
+        <p:txBody>
+          <a:bodyPr wrap="square" lIns="93296" tIns="144000" rIns="93296" bIns="93296">
+            <a:spAutoFit/>
+          </a:bodyPr>
+          <a:lstStyle/>
+          <a:p>
+            <a:pPr marL="285750" indent="-285750" defTabSz="803275">
+              <a:buClr>
+                <a:srgbClr val="FF6600"/>
+              </a:buClr>
+              <a:buSzPct val="125000"/>
+              <a:buFont typeface="Wingdings" pitchFamily="2" charset="2"/>
+              <a:buChar char="§"/>
+            </a:pPr>
+            <a:r>
+              <a:rPr lang="ru-RU" dirty="0">
+                <a:solidFill>
+                  <a:schemeClr val="accent4"/>
+                </a:solidFill>
+              </a:rPr>
+              <a:t>В зависимости от целей тестирования, EasyMock предлагает несколько разновидностей </a:t>
+            </a:r>
+            <a:r>
+              <a:rPr lang="ru-RU" dirty="0" smtClean="0">
+                <a:solidFill>
+                  <a:schemeClr val="accent4"/>
+                </a:solidFill>
+              </a:rPr>
+              <a:t>mock-объектов</a:t>
+            </a:r>
+            <a:endParaRPr lang="en-US" dirty="0" smtClean="0">
+              <a:solidFill>
+                <a:schemeClr val="accent4"/>
+              </a:solidFill>
+            </a:endParaRPr>
+          </a:p>
+          <a:p>
+            <a:pPr marL="285750" indent="-285750" defTabSz="803275">
+              <a:buClr>
+                <a:srgbClr val="FF6600"/>
+              </a:buClr>
+              <a:buSzPct val="125000"/>
+              <a:buFont typeface="Wingdings" pitchFamily="2" charset="2"/>
+              <a:buChar char="§"/>
+            </a:pPr>
+            <a:endParaRPr lang="ru-RU" dirty="0">
+              <a:solidFill>
+                <a:schemeClr val="accent4"/>
+              </a:solidFill>
+            </a:endParaRPr>
+          </a:p>
+          <a:p>
+            <a:pPr marL="285750" indent="-285750" defTabSz="803275">
+              <a:buClr>
+                <a:srgbClr val="FF6600"/>
+              </a:buClr>
+              <a:buSzPct val="125000"/>
+              <a:buFont typeface="Wingdings" pitchFamily="2" charset="2"/>
+              <a:buChar char="§"/>
+            </a:pPr>
+            <a:r>
+              <a:rPr lang="ru-RU" dirty="0">
+                <a:solidFill>
+                  <a:schemeClr val="accent4"/>
+                </a:solidFill>
+              </a:rPr>
+              <a:t>Nice </a:t>
+            </a:r>
+            <a:r>
+              <a:rPr lang="ru-RU" dirty="0" smtClean="0">
+                <a:solidFill>
+                  <a:schemeClr val="accent4"/>
+                </a:solidFill>
+              </a:rPr>
+              <a:t>mock</a:t>
+            </a:r>
+            <a:endParaRPr lang="en-US" dirty="0" smtClean="0">
+              <a:solidFill>
+                <a:schemeClr val="accent4"/>
+              </a:solidFill>
+            </a:endParaRPr>
+          </a:p>
+          <a:p>
+            <a:pPr marL="285750" indent="-285750" defTabSz="803275">
+              <a:buClr>
+                <a:srgbClr val="FF6600"/>
+              </a:buClr>
+              <a:buSzPct val="125000"/>
+              <a:buFont typeface="Wingdings" pitchFamily="2" charset="2"/>
+              <a:buChar char="§"/>
+            </a:pPr>
+            <a:endParaRPr lang="ru-RU" dirty="0">
+              <a:solidFill>
+                <a:schemeClr val="accent4"/>
+              </a:solidFill>
+            </a:endParaRPr>
+          </a:p>
+          <a:p>
+            <a:pPr marL="742950" lvl="1" indent="-285750" defTabSz="803275">
+              <a:buClr>
+                <a:srgbClr val="FF6600"/>
+              </a:buClr>
+              <a:buSzPct val="125000"/>
+              <a:buFont typeface="Arial" pitchFamily="34" charset="0"/>
+              <a:buChar char="•"/>
+            </a:pPr>
+            <a:r>
+              <a:rPr lang="ru-RU" dirty="0">
+                <a:solidFill>
+                  <a:schemeClr val="accent4"/>
+                </a:solidFill>
+              </a:rPr>
+              <a:t>В отличие от дефолтного mock’а, не вызывает AssertionError на незапланированные вызовы, а возвращает значение по умолчанию (0, null или false</a:t>
+            </a:r>
+            <a:r>
+              <a:rPr lang="ru-RU" dirty="0" smtClean="0">
+                <a:solidFill>
+                  <a:schemeClr val="accent4"/>
+                </a:solidFill>
+              </a:rPr>
+              <a:t>)</a:t>
+            </a:r>
+            <a:endParaRPr lang="en-US" dirty="0" smtClean="0">
+              <a:solidFill>
+                <a:schemeClr val="accent4"/>
+              </a:solidFill>
+            </a:endParaRPr>
+          </a:p>
+          <a:p>
+            <a:pPr marL="742950" lvl="1" indent="-285750" defTabSz="803275">
+              <a:buClr>
+                <a:srgbClr val="FF6600"/>
+              </a:buClr>
+              <a:buSzPct val="125000"/>
+              <a:buFont typeface="Arial" pitchFamily="34" charset="0"/>
+              <a:buChar char="•"/>
+            </a:pPr>
+            <a:endParaRPr lang="ru-RU" dirty="0">
+              <a:solidFill>
+                <a:schemeClr val="accent4"/>
+              </a:solidFill>
+            </a:endParaRPr>
+          </a:p>
+          <a:p>
+            <a:pPr marL="742950" lvl="1" indent="-285750" defTabSz="803275">
+              <a:buClr>
+                <a:srgbClr val="FF6600"/>
+              </a:buClr>
+              <a:buSzPct val="125000"/>
+              <a:buFont typeface="Arial" pitchFamily="34" charset="0"/>
+              <a:buChar char="•"/>
+            </a:pPr>
+            <a:r>
+              <a:rPr lang="ru-RU" dirty="0">
+                <a:solidFill>
+                  <a:schemeClr val="accent4"/>
+                </a:solidFill>
+              </a:rPr>
+              <a:t>Создается вызовом EasyMock.createNiceMock()</a:t>
+            </a:r>
+          </a:p>
+        </p:txBody>
+      </p:sp>
+    </p:spTree>
+    <p:extLst>
+      <p:ext uri="{BB962C8B-B14F-4D97-AF65-F5344CB8AC3E}">
+        <p14:creationId xmlns:p14="http://schemas.microsoft.com/office/powerpoint/2010/main" val="1018270487"/>
+      </p:ext>
+    </p:extLst>
+  </p:cSld>
+  <p:clrMapOvr>
+    <a:masterClrMapping/>
+  </p:clrMapOvr>
+  <p:timing>
+    <p:tnLst>
+      <p:par>
+        <p:cTn id="1" dur="indefinite" restart="never" nodeType="tmRoot"/>
+      </p:par>
+    </p:tnLst>
+  </p:timing>
+</p:sld>
+</file>
+
+<file path=ppt/slides/slide22.xml><?xml version="1.0" encoding="utf-8"?>
+<p:sld xmlns:a="http://schemas.openxmlformats.org/drawingml/2006/main" xmlns:r="http://schemas.openxmlformats.org/officeDocument/2006/relationships" xmlns:p="http://schemas.openxmlformats.org/presentationml/2006/main">
+  <p:cSld>
+    <p:spTree>
+      <p:nvGrpSpPr>
+        <p:cNvPr id="1" name=""/>
+        <p:cNvGrpSpPr/>
+        <p:nvPr/>
+      </p:nvGrpSpPr>
+      <p:grpSpPr>
+        <a:xfrm>
+          <a:off x="0" y="0"/>
+          <a:ext cx="0" cy="0"/>
+          <a:chOff x="0" y="0"/>
+          <a:chExt cx="0" cy="0"/>
+        </a:xfrm>
+      </p:grpSpPr>
+      <p:sp>
+        <p:nvSpPr>
+          <p:cNvPr id="7" name="Text Placeholder 6"/>
+          <p:cNvSpPr>
+            <a:spLocks noGrp="1"/>
+          </p:cNvSpPr>
+          <p:nvPr>
+            <p:ph type="body" sz="quarter" idx="20"/>
+          </p:nvPr>
+        </p:nvSpPr>
+        <p:spPr>
+          <a:xfrm>
+            <a:off x="2127250" y="2432649"/>
+            <a:ext cx="6467476" cy="576293"/>
+          </a:xfrm>
+        </p:spPr>
+        <p:txBody>
+          <a:bodyPr/>
+          <a:lstStyle/>
+          <a:p>
+            <a:r>
+              <a:rPr lang="ru-RU" dirty="0" smtClean="0"/>
+              <a:t>Вопросы ?</a:t>
+            </a:r>
+            <a:endParaRPr lang="en-US" dirty="0"/>
+          </a:p>
+        </p:txBody>
+      </p:sp>
+    </p:spTree>
+    <p:extLst>
+      <p:ext uri="{BB962C8B-B14F-4D97-AF65-F5344CB8AC3E}">
+        <p14:creationId xmlns:p14="http://schemas.microsoft.com/office/powerpoint/2010/main" val="2964007123"/>
+      </p:ext>
+    </p:extLst>
+  </p:cSld>
+  <p:clrMapOvr>
+    <a:masterClrMapping/>
+  </p:clrMapOvr>
+  <p:transition>
+    <p:zoom/>
+  </p:transition>
+  <p:timing>
+    <p:tnLst>
+      <p:par>
+        <p:cTn id="1" dur="indefinite" restart="never" nodeType="tmRoot"/>
+      </p:par>
+    </p:tnLst>
+  </p:timing>
+</p:sld>
+</file>
+
+<file path=ppt/slides/slide23.xml><?xml version="1.0" encoding="utf-8"?>
+<p:sld xmlns:a="http://schemas.openxmlformats.org/drawingml/2006/main" xmlns:r="http://schemas.openxmlformats.org/officeDocument/2006/relationships" xmlns:p="http://schemas.openxmlformats.org/presentationml/2006/main">
+  <p:cSld>
+    <p:spTree>
+      <p:nvGrpSpPr>
+        <p:cNvPr id="1" name=""/>
+        <p:cNvGrpSpPr/>
+        <p:nvPr/>
+      </p:nvGrpSpPr>
+      <p:grpSpPr>
+        <a:xfrm>
+          <a:off x="0" y="0"/>
+          <a:ext cx="0" cy="0"/>
+          <a:chOff x="0" y="0"/>
+          <a:chExt cx="0" cy="0"/>
+        </a:xfrm>
+      </p:grpSpPr>
+      <p:sp>
+        <p:nvSpPr>
+          <p:cNvPr id="7" name="Subtitle 6"/>
+          <p:cNvSpPr>
+            <a:spLocks noGrp="1"/>
+          </p:cNvSpPr>
+          <p:nvPr>
+            <p:ph type="subTitle" idx="1"/>
+          </p:nvPr>
+        </p:nvSpPr>
+        <p:spPr/>
+        <p:txBody>
+          <a:bodyPr/>
+          <a:lstStyle/>
+          <a:p>
+            <a:r>
+              <a:rPr lang="en-US" dirty="0">
+                <a:latin typeface="Arial" charset="0"/>
+              </a:rPr>
+              <a:t>Разработка через </a:t>
+            </a:r>
+            <a:r>
+              <a:rPr lang="en-US" dirty="0" smtClean="0">
+                <a:latin typeface="Arial" charset="0"/>
+              </a:rPr>
+              <a:t>тестирование</a:t>
+            </a:r>
+            <a:r>
+              <a:rPr lang="en-US" dirty="0">
+                <a:latin typeface="Arial" charset="0"/>
+              </a:rPr>
+              <a:t/>
+            </a:r>
+            <a:br>
+              <a:rPr lang="en-US" dirty="0">
+                <a:latin typeface="Arial" charset="0"/>
+              </a:rPr>
+            </a:br>
+            <a:endParaRPr lang="en-US" dirty="0"/>
+          </a:p>
+        </p:txBody>
+      </p:sp>
+      <p:sp>
+        <p:nvSpPr>
+          <p:cNvPr id="8" name="Text Placeholder 7"/>
+          <p:cNvSpPr>
+            <a:spLocks noGrp="1"/>
+          </p:cNvSpPr>
+          <p:nvPr>
+            <p:ph type="body" sz="quarter" idx="11"/>
+          </p:nvPr>
+        </p:nvSpPr>
+        <p:spPr/>
+        <p:txBody>
+          <a:bodyPr/>
+          <a:lstStyle/>
+          <a:p>
+            <a:r>
+              <a:rPr lang="en-US" dirty="0" err="1"/>
+              <a:t>git</a:t>
+            </a:r>
+            <a:r>
+              <a:rPr lang="en-US" dirty="0"/>
+              <a:t> clone </a:t>
+            </a:r>
+            <a:r>
+              <a:rPr lang="en-US" dirty="0" err="1"/>
+              <a:t>git</a:t>
+            </a:r>
+            <a:r>
+              <a:rPr lang="en-US" dirty="0"/>
+              <a:t>://</a:t>
+            </a:r>
+            <a:r>
+              <a:rPr lang="en-US" dirty="0" err="1"/>
+              <a:t>github.com</a:t>
+            </a:r>
+            <a:r>
+              <a:rPr lang="en-US" dirty="0"/>
+              <a:t>/</a:t>
+            </a:r>
+            <a:r>
+              <a:rPr lang="en-US" dirty="0" err="1"/>
+              <a:t>ivan-dyachenko</a:t>
+            </a:r>
+            <a:r>
+              <a:rPr lang="en-US" dirty="0"/>
+              <a:t>/</a:t>
+            </a:r>
+            <a:r>
+              <a:rPr lang="en-US" dirty="0" err="1"/>
+              <a:t>Trainings.git</a:t>
+            </a:r>
+            <a:endParaRPr lang="en-US" dirty="0"/>
+          </a:p>
+        </p:txBody>
+      </p:sp>
+      <p:sp>
+        <p:nvSpPr>
+          <p:cNvPr id="9" name="Text Placeholder 8"/>
+          <p:cNvSpPr>
+            <a:spLocks noGrp="1"/>
+          </p:cNvSpPr>
+          <p:nvPr>
+            <p:ph type="body" sz="quarter" idx="12"/>
+          </p:nvPr>
+        </p:nvSpPr>
+        <p:spPr/>
+        <p:txBody>
+          <a:bodyPr/>
+          <a:lstStyle/>
+          <a:p>
+            <a:r>
+              <a:rPr lang="en-US" dirty="0" err="1" smtClean="0"/>
+              <a:t>IDyachenko@luxoft.com</a:t>
+            </a:r>
+            <a:endParaRPr lang="en-US" dirty="0"/>
+          </a:p>
+        </p:txBody>
+      </p:sp>
+      <p:sp>
+        <p:nvSpPr>
+          <p:cNvPr id="10" name="Text Placeholder 9"/>
+          <p:cNvSpPr>
+            <a:spLocks noGrp="1"/>
+          </p:cNvSpPr>
+          <p:nvPr>
+            <p:ph type="body" sz="quarter" idx="13"/>
+          </p:nvPr>
+        </p:nvSpPr>
+        <p:spPr/>
+        <p:txBody>
+          <a:bodyPr>
+            <a:normAutofit/>
+          </a:bodyPr>
+          <a:lstStyle/>
+          <a:p>
+            <a:r>
+              <a:rPr lang="en-US" dirty="0"/>
+              <a:t>https://</a:t>
+            </a:r>
+            <a:r>
+              <a:rPr lang="en-US" dirty="0" err="1"/>
+              <a:t>github.com</a:t>
+            </a:r>
+            <a:r>
+              <a:rPr lang="en-US" dirty="0"/>
+              <a:t>/</a:t>
+            </a:r>
+            <a:r>
+              <a:rPr lang="en-US" dirty="0" err="1"/>
+              <a:t>ivan-dyachenko</a:t>
+            </a:r>
+            <a:r>
+              <a:rPr lang="en-US" dirty="0"/>
+              <a:t>/</a:t>
+            </a:r>
+            <a:r>
+              <a:rPr lang="en-US" dirty="0" smtClean="0"/>
+              <a:t>Trainings</a:t>
+            </a:r>
+            <a:endParaRPr lang="en-US" dirty="0"/>
+          </a:p>
+        </p:txBody>
+      </p:sp>
+      <p:sp>
+        <p:nvSpPr>
+          <p:cNvPr id="11" name="Text Placeholder 10"/>
+          <p:cNvSpPr>
+            <a:spLocks noGrp="1"/>
+          </p:cNvSpPr>
+          <p:nvPr>
+            <p:ph type="body" sz="quarter" idx="14"/>
+          </p:nvPr>
+        </p:nvSpPr>
+        <p:spPr/>
+        <p:txBody>
+          <a:bodyPr/>
+          <a:lstStyle/>
+          <a:p>
+            <a:endParaRPr lang="en-US"/>
+          </a:p>
+        </p:txBody>
+      </p:sp>
+    </p:spTree>
+    <p:extLst>
+      <p:ext uri="{BB962C8B-B14F-4D97-AF65-F5344CB8AC3E}">
+        <p14:creationId xmlns:p14="http://schemas.microsoft.com/office/powerpoint/2010/main" val="1157964761"/>
+      </p:ext>
+    </p:extLst>
+  </p:cSld>
+  <p:clrMapOvr>
+    <a:masterClrMapping/>
+  </p:clrMapOvr>
+  <p:transition>
+    <p:zoom/>
+  </p:transition>
+</p:sld>
+</file>
+
+<file path=ppt/slides/slide3.xml><?xml version="1.0" encoding="utf-8"?>
+<p:sld xmlns:a="http://schemas.openxmlformats.org/drawingml/2006/main" xmlns:r="http://schemas.openxmlformats.org/officeDocument/2006/relationships" xmlns:p="http://schemas.openxmlformats.org/presentationml/2006/main">
+  <p:cSld>
+    <p:spTree>
+      <p:nvGrpSpPr>
+        <p:cNvPr id="1" name=""/>
+        <p:cNvGrpSpPr/>
+        <p:nvPr/>
+      </p:nvGrpSpPr>
+      <p:grpSpPr>
+        <a:xfrm>
+          <a:off x="0" y="0"/>
+          <a:ext cx="0" cy="0"/>
+          <a:chOff x="0" y="0"/>
+          <a:chExt cx="0" cy="0"/>
+        </a:xfrm>
+      </p:grpSpPr>
+      <p:sp>
+        <p:nvSpPr>
+          <p:cNvPr id="2" name="Title 1"/>
+          <p:cNvSpPr>
+            <a:spLocks noGrp="1"/>
+          </p:cNvSpPr>
+          <p:nvPr>
+            <p:ph type="title"/>
+          </p:nvPr>
+        </p:nvSpPr>
+        <p:spPr/>
+        <p:txBody>
+          <a:bodyPr/>
+          <a:lstStyle/>
+          <a:p>
+            <a:r>
+              <a:rPr lang="en-US" dirty="0" err="1"/>
+              <a:t>EasyMock</a:t>
+            </a:r>
+            <a:endParaRPr lang="en-US" dirty="0"/>
+          </a:p>
+        </p:txBody>
+      </p:sp>
+      <p:sp>
+        <p:nvSpPr>
+          <p:cNvPr id="5" name="Rectangle 4"/>
+          <p:cNvSpPr>
+            <a:spLocks noChangeArrowheads="1"/>
+          </p:cNvSpPr>
+          <p:nvPr>
+            <p:custDataLst>
+              <p:tags r:id="rId1"/>
+            </p:custDataLst>
+          </p:nvPr>
+        </p:nvSpPr>
+        <p:spPr bwMode="auto">
+          <a:xfrm>
+            <a:off x="2000878" y="2201198"/>
+            <a:ext cx="5023841" cy="2455605"/>
+          </a:xfrm>
+          <a:prstGeom prst="rect">
+            <a:avLst/>
+          </a:prstGeom>
+          <a:noFill/>
+          <a:ln w="19050">
+            <a:noFill/>
+            <a:miter lim="800000"/>
+            <a:headEnd/>
+            <a:tailEnd/>
+          </a:ln>
+        </p:spPr>
+        <p:txBody>
+          <a:bodyPr wrap="square" lIns="93296" tIns="144000" rIns="93296" bIns="93296">
+            <a:spAutoFit/>
+          </a:bodyPr>
+          <a:lstStyle/>
+          <a:p>
+            <a:pPr marL="285750" indent="-285750" defTabSz="803275">
+              <a:buClr>
+                <a:srgbClr val="FF6600"/>
+              </a:buClr>
+              <a:buSzPct val="125000"/>
+              <a:buFont typeface="Wingdings" pitchFamily="2" charset="2"/>
+              <a:buChar char="§"/>
+            </a:pPr>
+            <a:r>
+              <a:rPr lang="ru-RU" dirty="0">
+                <a:solidFill>
+                  <a:schemeClr val="accent4"/>
+                </a:solidFill>
+              </a:rPr>
+              <a:t>Одним из самых популярных инструментов, применяемых при interaction тестировании, является EasyMock</a:t>
+            </a:r>
+          </a:p>
+          <a:p>
+            <a:pPr marL="285750" indent="-285750" defTabSz="803275">
+              <a:buClr>
+                <a:srgbClr val="FF6600"/>
+              </a:buClr>
+              <a:buSzPct val="125000"/>
+              <a:buFont typeface="Wingdings" pitchFamily="2" charset="2"/>
+              <a:buChar char="§"/>
+            </a:pPr>
+            <a:endParaRPr lang="ru-RU" dirty="0">
+              <a:solidFill>
+                <a:schemeClr val="accent4"/>
+              </a:solidFill>
+            </a:endParaRPr>
+          </a:p>
+          <a:p>
+            <a:pPr marL="285750" indent="-285750" defTabSz="803275">
+              <a:buClr>
+                <a:srgbClr val="FF6600"/>
+              </a:buClr>
+              <a:buSzPct val="125000"/>
+              <a:buFont typeface="Wingdings" pitchFamily="2" charset="2"/>
+              <a:buChar char="§"/>
+            </a:pPr>
+            <a:r>
+              <a:rPr lang="ru-RU" dirty="0">
+                <a:solidFill>
+                  <a:schemeClr val="accent4"/>
+                </a:solidFill>
+              </a:rPr>
+              <a:t>Рассмотрим использование mock-объектов на примере простого клиент-серверного приложения SimpsonViewer, используемого для просмотра эпизодов Симпсонов</a:t>
+            </a:r>
+          </a:p>
+        </p:txBody>
+      </p:sp>
+    </p:spTree>
+    <p:extLst>
+      <p:ext uri="{BB962C8B-B14F-4D97-AF65-F5344CB8AC3E}">
+        <p14:creationId xmlns:p14="http://schemas.microsoft.com/office/powerpoint/2010/main" val="1899930274"/>
+      </p:ext>
+    </p:extLst>
+  </p:cSld>
+  <p:clrMapOvr>
+    <a:masterClrMapping/>
+  </p:clrMapOvr>
+  <p:timing>
+    <p:tnLst>
+      <p:par>
+        <p:cTn id="1" dur="indefinite" restart="never" nodeType="tmRoot"/>
       </p:par>
     </p:tnLst>
   </p:timing>
@@ -24648,7 +23553,7 @@
         <p:spPr bwMode="auto">
           <a:xfrm>
             <a:off x="2000878" y="2201198"/>
-            <a:ext cx="5023841" cy="2455605"/>
+            <a:ext cx="5023841" cy="793611"/>
           </a:xfrm>
           <a:prstGeom prst="rect">
             <a:avLst/>
@@ -24667,13 +23572,11 @@
           </a:bodyPr>
           <a:lstStyle/>
           <a:p>
-            <a:pPr marL="285750" indent="-285750" defTabSz="803275">
+            <a:pPr defTabSz="803275">
               <a:buClr>
                 <a:srgbClr val="FF6600"/>
               </a:buClr>
               <a:buSzPct val="125000"/>
-              <a:buFont typeface="Wingdings" pitchFamily="2" charset="2"/>
-              <a:buChar char="§"/>
             </a:pPr>
             <a:r>
               <a:rPr lang="ru-RU" dirty="0">
@@ -24681,40 +23584,7 @@
                   <a:schemeClr val="accent4"/>
                 </a:solidFill>
               </a:rPr>
-              <a:t>Одним из самых популярных инструментов, применяемых при interaction тестировании, является EasyMock</a:t>
-            </a:r>
-          </a:p>
-          <a:p>
-            <a:pPr marL="285750" indent="-285750" defTabSz="803275">
-              <a:buClr>
-                <a:srgbClr val="FF6600"/>
-              </a:buClr>
-              <a:buSzPct val="125000"/>
-              <a:buFont typeface="Wingdings" pitchFamily="2" charset="2"/>
-              <a:buChar char="§"/>
-            </a:pPr>
-            <a:endParaRPr lang="ru-RU" dirty="0">
-              <a:solidFill>
-                <a:schemeClr val="accent4"/>
-              </a:solidFill>
-            </a:endParaRPr>
-          </a:p>
-          <a:p>
-            <a:pPr marL="285750" indent="-285750" defTabSz="803275">
-              <a:buClr>
-                <a:srgbClr val="FF6600"/>
-              </a:buClr>
-              <a:buSzPct val="125000"/>
-              <a:buFont typeface="Wingdings" pitchFamily="2" charset="2"/>
-              <a:buChar char="§"/>
-            </a:pPr>
-            <a:r>
-              <a:rPr lang="ru-RU" dirty="0">
-                <a:solidFill>
-                  <a:schemeClr val="accent4"/>
-                </a:solidFill>
-              </a:rPr>
-              <a:t>Рассмотрим использование mock-объектов на примере простого клиент-серверного приложения SimpsonViewer, используемого для просмотра эпизодов Симпсонов</a:t>
+              <a:t>У нас есть web-сервис, возвращающий требуемый эпизод (ISimpsonService)</a:t>
             </a:r>
           </a:p>
         </p:txBody>
@@ -24722,7 +23592,7 @@
     </p:spTree>
     <p:extLst>
       <p:ext uri="{BB962C8B-B14F-4D97-AF65-F5344CB8AC3E}">
-        <p14:creationId xmlns:p14="http://schemas.microsoft.com/office/powerpoint/2010/main" val="1899930274"/>
+        <p14:creationId xmlns:p14="http://schemas.microsoft.com/office/powerpoint/2010/main" val="3706054128"/>
       </p:ext>
     </p:extLst>
   </p:cSld>
@@ -24732,7 +23602,7 @@
   <p:timing>
     <p:tnLst>
       <p:par>
-        <p:cTn xmlns:p14="http://schemas.microsoft.com/office/powerpoint/2010/main" id="1" dur="indefinite" restart="never" nodeType="tmRoot"/>
+        <p:cTn id="1" dur="indefinite" restart="never" nodeType="tmRoot"/>
       </p:par>
     </p:tnLst>
   </p:timing>
@@ -24794,7 +23664,7 @@
         <p:spPr bwMode="auto">
           <a:xfrm>
             <a:off x="2000878" y="2201198"/>
-            <a:ext cx="5023841" cy="793611"/>
+            <a:ext cx="5023841" cy="1347609"/>
           </a:xfrm>
           <a:prstGeom prst="rect">
             <a:avLst/>
@@ -24825,7 +23695,7 @@
                   <a:schemeClr val="accent4"/>
                 </a:solidFill>
               </a:rPr>
-              <a:t>У нас есть web-сервис, возвращающий требуемый эпизод (ISimpsonService)</a:t>
+              <a:t>Клиентская часть используется для получения эпизодов с сервера и показ их пользователю, являясь, по сути, клиентским прокси для web-сервиса</a:t>
             </a:r>
           </a:p>
         </p:txBody>
@@ -24833,7 +23703,7 @@
     </p:spTree>
     <p:extLst>
       <p:ext uri="{BB962C8B-B14F-4D97-AF65-F5344CB8AC3E}">
-        <p14:creationId xmlns:p14="http://schemas.microsoft.com/office/powerpoint/2010/main" val="3706054128"/>
+        <p14:creationId xmlns:p14="http://schemas.microsoft.com/office/powerpoint/2010/main" val="36358597"/>
       </p:ext>
     </p:extLst>
   </p:cSld>
@@ -24843,7 +23713,7 @@
   <p:timing>
     <p:tnLst>
       <p:par>
-        <p:cTn xmlns:p14="http://schemas.microsoft.com/office/powerpoint/2010/main" id="1" dur="indefinite" restart="never" nodeType="tmRoot"/>
+        <p:cTn id="1" dur="indefinite" restart="never" nodeType="tmRoot"/>
       </p:par>
     </p:tnLst>
   </p:timing>
@@ -24905,7 +23775,7 @@
         <p:spPr bwMode="auto">
           <a:xfrm>
             <a:off x="2000878" y="2201198"/>
-            <a:ext cx="5023841" cy="1347609"/>
+            <a:ext cx="5023841" cy="516612"/>
           </a:xfrm>
           <a:prstGeom prst="rect">
             <a:avLst/>
@@ -24931,20 +23801,25 @@
               <a:buSzPct val="125000"/>
             </a:pPr>
             <a:r>
-              <a:rPr lang="ru-RU" dirty="0">
+              <a:rPr lang="en-US" dirty="0" smtClean="0">
                 <a:solidFill>
                   <a:schemeClr val="accent4"/>
                 </a:solidFill>
               </a:rPr>
-              <a:t>Клиентская часть используется для получения эпизодов с сервера и показ их пользователю, являясь, по сути, клиентским прокси для web-сервиса</a:t>
-            </a:r>
+              <a:t>TBD</a:t>
+            </a:r>
+            <a:endParaRPr lang="ru-RU" dirty="0">
+              <a:solidFill>
+                <a:schemeClr val="accent4"/>
+              </a:solidFill>
+            </a:endParaRPr>
           </a:p>
         </p:txBody>
       </p:sp>
     </p:spTree>
     <p:extLst>
       <p:ext uri="{BB962C8B-B14F-4D97-AF65-F5344CB8AC3E}">
-        <p14:creationId xmlns:p14="http://schemas.microsoft.com/office/powerpoint/2010/main" val="36358597"/>
+        <p14:creationId xmlns:p14="http://schemas.microsoft.com/office/powerpoint/2010/main" val="2619938109"/>
       </p:ext>
     </p:extLst>
   </p:cSld>
@@ -24954,7 +23829,7 @@
   <p:timing>
     <p:tnLst>
       <p:par>
-        <p:cTn xmlns:p14="http://schemas.microsoft.com/office/powerpoint/2010/main" id="1" dur="indefinite" restart="never" nodeType="tmRoot"/>
+        <p:cTn id="1" dur="indefinite" restart="never" nodeType="tmRoot"/>
       </p:par>
     </p:tnLst>
   </p:timing>
@@ -25016,7 +23891,7 @@
         <p:spPr bwMode="auto">
           <a:xfrm>
             <a:off x="2000878" y="2201198"/>
-            <a:ext cx="5023841" cy="516612"/>
+            <a:ext cx="5023841" cy="793611"/>
           </a:xfrm>
           <a:prstGeom prst="rect">
             <a:avLst/>
@@ -25042,25 +23917,20 @@
               <a:buSzPct val="125000"/>
             </a:pPr>
             <a:r>
-              <a:rPr lang="en-US" dirty="0" smtClean="0">
+              <a:rPr lang="ru-RU" dirty="0">
                 <a:solidFill>
                   <a:schemeClr val="accent4"/>
                 </a:solidFill>
               </a:rPr>
-              <a:t>TBD</a:t>
-            </a:r>
-            <a:endParaRPr lang="ru-RU" dirty="0">
-              <a:solidFill>
-                <a:schemeClr val="accent4"/>
-              </a:solidFill>
-            </a:endParaRPr>
+              <a:t>Напишем первый тест, который инициализирует наш сервис с null-параметром</a:t>
+            </a:r>
           </a:p>
         </p:txBody>
       </p:sp>
     </p:spTree>
     <p:extLst>
       <p:ext uri="{BB962C8B-B14F-4D97-AF65-F5344CB8AC3E}">
-        <p14:creationId xmlns:p14="http://schemas.microsoft.com/office/powerpoint/2010/main" val="2619938109"/>
+        <p14:creationId xmlns:p14="http://schemas.microsoft.com/office/powerpoint/2010/main" val="2069544641"/>
       </p:ext>
     </p:extLst>
   </p:cSld>
@@ -25070,7 +23940,7 @@
   <p:timing>
     <p:tnLst>
       <p:par>
-        <p:cTn xmlns:p14="http://schemas.microsoft.com/office/powerpoint/2010/main" id="1" dur="indefinite" restart="never" nodeType="tmRoot"/>
+        <p:cTn id="1" dur="indefinite" restart="never" nodeType="tmRoot"/>
       </p:par>
     </p:tnLst>
   </p:timing>
@@ -25163,7 +24033,7 @@
                   <a:schemeClr val="accent4"/>
                 </a:solidFill>
               </a:rPr>
-              <a:t>Напишем первый тест, который инициализирует наш сервис с null-параметром</a:t>
+              <a:t>В текущей реализации тест провалится, поэтому изменим наш сервис чтобы тест был успешным</a:t>
             </a:r>
           </a:p>
         </p:txBody>
@@ -25171,7 +24041,7 @@
     </p:spTree>
     <p:extLst>
       <p:ext uri="{BB962C8B-B14F-4D97-AF65-F5344CB8AC3E}">
-        <p14:creationId xmlns:p14="http://schemas.microsoft.com/office/powerpoint/2010/main" val="2069544641"/>
+        <p14:creationId xmlns:p14="http://schemas.microsoft.com/office/powerpoint/2010/main" val="3655570862"/>
       </p:ext>
     </p:extLst>
   </p:cSld>
@@ -25181,7 +24051,7 @@
   <p:timing>
     <p:tnLst>
       <p:par>
-        <p:cTn xmlns:p14="http://schemas.microsoft.com/office/powerpoint/2010/main" id="1" dur="indefinite" restart="never" nodeType="tmRoot"/>
+        <p:cTn id="1" dur="indefinite" restart="never" nodeType="tmRoot"/>
       </p:par>
     </p:tnLst>
   </p:timing>
@@ -25242,8 +24112,8 @@
         </p:nvSpPr>
         <p:spPr bwMode="auto">
           <a:xfrm>
-            <a:off x="2000878" y="2201198"/>
-            <a:ext cx="5023841" cy="793611"/>
+            <a:off x="2000878" y="1785700"/>
+            <a:ext cx="5023841" cy="3286601"/>
           </a:xfrm>
           <a:prstGeom prst="rect">
             <a:avLst/>
@@ -25262,11 +24132,13 @@
           </a:bodyPr>
           <a:lstStyle/>
           <a:p>
-            <a:pPr defTabSz="803275">
+            <a:pPr marL="285750" indent="-285750" defTabSz="803275">
               <a:buClr>
                 <a:srgbClr val="FF6600"/>
               </a:buClr>
               <a:buSzPct val="125000"/>
+              <a:buFont typeface="Wingdings" pitchFamily="2" charset="2"/>
+              <a:buChar char="§"/>
             </a:pPr>
             <a:r>
               <a:rPr lang="ru-RU" dirty="0">
@@ -25274,15 +24146,120 @@
                   <a:schemeClr val="accent4"/>
                 </a:solidFill>
               </a:rPr>
-              <a:t>В текущей реализации тест провалится, поэтому изменим наш сервис чтобы тест был успешным</a:t>
-            </a:r>
+              <a:t>Однако конструктор не должен постоянно «кидать» исключение, а только в том случае, когда в качестве параметра передается </a:t>
+            </a:r>
+            <a:r>
+              <a:rPr lang="ru-RU" dirty="0" smtClean="0">
+                <a:solidFill>
+                  <a:schemeClr val="accent4"/>
+                </a:solidFill>
+              </a:rPr>
+              <a:t>null</a:t>
+            </a:r>
+            <a:endParaRPr lang="en-US" dirty="0" smtClean="0">
+              <a:solidFill>
+                <a:schemeClr val="accent4"/>
+              </a:solidFill>
+            </a:endParaRPr>
+          </a:p>
+          <a:p>
+            <a:pPr marL="285750" indent="-285750" defTabSz="803275">
+              <a:buClr>
+                <a:srgbClr val="FF6600"/>
+              </a:buClr>
+              <a:buSzPct val="125000"/>
+              <a:buFont typeface="Wingdings" pitchFamily="2" charset="2"/>
+              <a:buChar char="§"/>
+            </a:pPr>
+            <a:endParaRPr lang="ru-RU" dirty="0">
+              <a:solidFill>
+                <a:schemeClr val="accent4"/>
+              </a:solidFill>
+            </a:endParaRPr>
+          </a:p>
+          <a:p>
+            <a:pPr marL="285750" indent="-285750" defTabSz="803275">
+              <a:buClr>
+                <a:srgbClr val="FF6600"/>
+              </a:buClr>
+              <a:buSzPct val="125000"/>
+              <a:buFont typeface="Wingdings" pitchFamily="2" charset="2"/>
+              <a:buChar char="§"/>
+            </a:pPr>
+            <a:r>
+              <a:rPr lang="ru-RU" dirty="0">
+                <a:solidFill>
+                  <a:schemeClr val="accent4"/>
+                </a:solidFill>
+              </a:rPr>
+              <a:t>Напишем тест, который не должен падать, если мы передадим в конструктор реализацию </a:t>
+            </a:r>
+            <a:r>
+              <a:rPr lang="ru-RU" dirty="0" smtClean="0">
+                <a:solidFill>
+                  <a:schemeClr val="accent4"/>
+                </a:solidFill>
+              </a:rPr>
+              <a:t>ISimpsonService</a:t>
+            </a:r>
+            <a:endParaRPr lang="en-US" dirty="0" smtClean="0">
+              <a:solidFill>
+                <a:schemeClr val="accent4"/>
+              </a:solidFill>
+            </a:endParaRPr>
+          </a:p>
+          <a:p>
+            <a:pPr marL="285750" indent="-285750" defTabSz="803275">
+              <a:buClr>
+                <a:srgbClr val="FF6600"/>
+              </a:buClr>
+              <a:buSzPct val="125000"/>
+              <a:buFont typeface="Wingdings" pitchFamily="2" charset="2"/>
+              <a:buChar char="§"/>
+            </a:pPr>
+            <a:endParaRPr lang="ru-RU" dirty="0">
+              <a:solidFill>
+                <a:schemeClr val="accent4"/>
+              </a:solidFill>
+            </a:endParaRPr>
+          </a:p>
+          <a:p>
+            <a:pPr marL="285750" indent="-285750" defTabSz="803275">
+              <a:buClr>
+                <a:srgbClr val="FF6600"/>
+              </a:buClr>
+              <a:buSzPct val="125000"/>
+              <a:buFont typeface="Wingdings" pitchFamily="2" charset="2"/>
+              <a:buChar char="§"/>
+            </a:pPr>
+            <a:r>
+              <a:rPr lang="ru-RU" dirty="0">
+                <a:solidFill>
+                  <a:schemeClr val="accent4"/>
+                </a:solidFill>
+              </a:rPr>
+              <a:t>Поскольку у нас нет реализации сервиса (кроме используемой в приложении), будем использовать </a:t>
+            </a:r>
+            <a:r>
+              <a:rPr lang="ru-RU" dirty="0" smtClean="0">
+                <a:solidFill>
+                  <a:schemeClr val="accent4"/>
+                </a:solidFill>
+              </a:rPr>
+              <a:t>mock-объект</a:t>
+            </a:r>
+            <a:endParaRPr lang="ru-RU" dirty="0">
+              <a:solidFill>
+                <a:schemeClr val="accent4"/>
+              </a:solidFill>
+            </a:endParaRPr>
           </a:p>
         </p:txBody>
       </p:sp>
     </p:spTree>
     <p:extLst>
       <p:ext uri="{BB962C8B-B14F-4D97-AF65-F5344CB8AC3E}">
-        <p14:creationId xmlns:p14="http://schemas.microsoft.com/office/powerpoint/2010/main" val="3655570862"/>
+        <p14:creationId xmlns:p14="http://schemas.microsoft.com/office/powerpoint/2010/main" val="611948144"/>
       </p:ext>
     </p:extLst>
   </p:cSld>
@@ -25292,7 +24269,7 @@
   <p:timing>
     <p:tnLst>
       <p:par>
-        <p:cTn xmlns:p14="http://schemas.microsoft.com/office/powerpoint/2010/main" id="1" dur="indefinite" restart="never" nodeType="tmRoot"/>
+        <p:cTn id="1" dur="indefinite" restart="never" nodeType="tmRoot"/>
       </p:par>
     </p:tnLst>
   </p:timing>

--- a/Test Driven Development/materials/pptx/5. TDD-EasyMock.pptx
+++ b/Test Driven Development/materials/pptx/5. TDD-EasyMock.pptx
@@ -25695,7 +25695,7 @@
         <p:spPr>
           <a:xfrm>
             <a:off x="403726" y="1219200"/>
-            <a:ext cx="10690225" cy="4278094"/>
+            <a:ext cx="10690225" cy="4031873"/>
           </a:xfrm>
           <a:prstGeom prst="rect">
             <a:avLst/>
@@ -26202,140 +26202,153 @@
                 </a:solidFill>
                 <a:latin typeface="Menlo"/>
               </a:rPr>
+              <a:t>)</a:t>
+            </a:r>
+            <a:r>
+              <a:rPr lang="fr-FR" sz="1600" dirty="0" smtClean="0">
+                <a:solidFill>
+                  <a:srgbClr val="000000"/>
+                </a:solidFill>
+                <a:latin typeface="Menlo"/>
+              </a:rPr>
+              <a:t>;</a:t>
+            </a:r>
+          </a:p>
+          <a:p>
+            <a:r>
+              <a:rPr lang="fr-FR" sz="1600" dirty="0">
+                <a:solidFill>
+                  <a:srgbClr val="000000"/>
+                </a:solidFill>
+                <a:latin typeface="Menlo"/>
+              </a:rPr>
+              <a:t>	</a:t>
+            </a:r>
+            <a:r>
+              <a:rPr lang="en-US" sz="1600" dirty="0" smtClean="0">
+                <a:solidFill>
+                  <a:srgbClr val="000000"/>
+                </a:solidFill>
+                <a:latin typeface="Menlo"/>
+              </a:rPr>
+              <a:t>} </a:t>
+            </a:r>
+            <a:r>
+              <a:rPr lang="en-US" sz="1600" b="1" dirty="0">
+                <a:solidFill>
+                  <a:srgbClr val="000080"/>
+                </a:solidFill>
+                <a:latin typeface="Menlo"/>
+              </a:rPr>
+              <a:t>catch</a:t>
+            </a:r>
+            <a:r>
+              <a:rPr lang="en-US" sz="1600" dirty="0">
+                <a:solidFill>
+                  <a:srgbClr val="000080"/>
+                </a:solidFill>
+                <a:latin typeface="Menlo"/>
+              </a:rPr>
+              <a:t> </a:t>
+            </a:r>
+            <a:r>
+              <a:rPr lang="en-US" sz="1600" dirty="0">
+                <a:solidFill>
+                  <a:srgbClr val="000000"/>
+                </a:solidFill>
+                <a:latin typeface="Menlo"/>
+              </a:rPr>
+              <a:t>(</a:t>
+            </a:r>
+            <a:r>
+              <a:rPr lang="en-US" sz="1600" dirty="0" err="1">
+                <a:solidFill>
+                  <a:srgbClr val="000000"/>
+                </a:solidFill>
+                <a:latin typeface="Menlo"/>
+              </a:rPr>
+              <a:t>EpisodeNotFoundException</a:t>
+            </a:r>
+            <a:r>
+              <a:rPr lang="en-US" sz="1600" dirty="0">
+                <a:solidFill>
+                  <a:srgbClr val="000000"/>
+                </a:solidFill>
+                <a:latin typeface="Menlo"/>
+              </a:rPr>
+              <a:t> e) </a:t>
+            </a:r>
+            <a:r>
+              <a:rPr lang="en-US" sz="1600" dirty="0" smtClean="0">
+                <a:solidFill>
+                  <a:srgbClr val="000000"/>
+                </a:solidFill>
+                <a:latin typeface="Menlo"/>
+              </a:rPr>
+              <a:t>{</a:t>
+            </a:r>
+          </a:p>
+          <a:p>
+            <a:r>
+              <a:rPr lang="en-US" sz="1600" dirty="0" smtClean="0">
+                <a:latin typeface="Menlo"/>
+              </a:rPr>
+              <a:t>		</a:t>
+            </a:r>
+            <a:r>
+              <a:rPr lang="en-US" sz="1600" dirty="0" smtClean="0">
+                <a:solidFill>
+                  <a:srgbClr val="000000"/>
+                </a:solidFill>
+                <a:latin typeface="Menlo"/>
+              </a:rPr>
+              <a:t>fail</a:t>
+            </a:r>
+            <a:r>
+              <a:rPr lang="en-US" sz="1600" dirty="0">
+                <a:solidFill>
+                  <a:srgbClr val="000000"/>
+                </a:solidFill>
+                <a:latin typeface="Menlo"/>
+              </a:rPr>
+              <a:t>(</a:t>
+            </a:r>
+            <a:r>
+              <a:rPr lang="en-US" sz="1600" b="1" dirty="0">
+                <a:solidFill>
+                  <a:srgbClr val="009900"/>
+                </a:solidFill>
+                <a:latin typeface="Menlo"/>
+              </a:rPr>
+              <a:t>"Expected </a:t>
+            </a:r>
+            <a:r>
+              <a:rPr lang="en-US" sz="1600" b="1" dirty="0" err="1">
+                <a:solidFill>
+                  <a:srgbClr val="009900"/>
+                </a:solidFill>
+                <a:latin typeface="Menlo"/>
+              </a:rPr>
+              <a:t>EpisodeNotFoundException</a:t>
+            </a:r>
+            <a:r>
+              <a:rPr lang="en-US" sz="1600" b="1" dirty="0">
+                <a:solidFill>
+                  <a:srgbClr val="009900"/>
+                </a:solidFill>
+                <a:latin typeface="Menlo"/>
+              </a:rPr>
+              <a:t>"</a:t>
+            </a:r>
+            <a:r>
+              <a:rPr lang="en-US" sz="1600" dirty="0">
+                <a:solidFill>
+                  <a:srgbClr val="000000"/>
+                </a:solidFill>
+                <a:latin typeface="Menlo"/>
+              </a:rPr>
               <a:t>);</a:t>
             </a:r>
-          </a:p>
-          <a:p>
-            <a:r>
-              <a:rPr lang="en-US" sz="1600" dirty="0">
-                <a:latin typeface="Menlo"/>
-              </a:rPr>
-              <a:t>        </a:t>
-            </a:r>
-            <a:r>
-              <a:rPr lang="en-US" sz="1600" dirty="0">
-                <a:solidFill>
-                  <a:srgbClr val="000000"/>
-                </a:solidFill>
-                <a:latin typeface="Menlo"/>
-              </a:rPr>
-              <a:t>fail(</a:t>
-            </a:r>
-            <a:r>
-              <a:rPr lang="en-US" sz="1600" b="1" dirty="0">
-                <a:solidFill>
-                  <a:srgbClr val="009900"/>
-                </a:solidFill>
-                <a:latin typeface="Menlo"/>
-              </a:rPr>
-              <a:t>"Expected </a:t>
-            </a:r>
-            <a:r>
-              <a:rPr lang="en-US" sz="1600" b="1" dirty="0" err="1">
-                <a:solidFill>
-                  <a:srgbClr val="009900"/>
-                </a:solidFill>
-                <a:latin typeface="Menlo"/>
-              </a:rPr>
-              <a:t>EpisodeNotFoundException</a:t>
-            </a:r>
-            <a:r>
-              <a:rPr lang="en-US" sz="1600" b="1" dirty="0">
-                <a:solidFill>
-                  <a:srgbClr val="009900"/>
-                </a:solidFill>
-                <a:latin typeface="Menlo"/>
-              </a:rPr>
-              <a:t>"</a:t>
-            </a:r>
-            <a:r>
-              <a:rPr lang="en-US" sz="1600" dirty="0">
-                <a:solidFill>
-                  <a:srgbClr val="000000"/>
-                </a:solidFill>
-                <a:latin typeface="Menlo"/>
-              </a:rPr>
-              <a:t>);</a:t>
-            </a:r>
-          </a:p>
-          <a:p>
-            <a:r>
-              <a:rPr lang="en-US" sz="1600" dirty="0">
-                <a:latin typeface="Menlo"/>
-              </a:rPr>
-              <a:t>    </a:t>
-            </a:r>
-            <a:r>
-              <a:rPr lang="en-US" sz="1600" dirty="0">
-                <a:solidFill>
-                  <a:srgbClr val="000000"/>
-                </a:solidFill>
-                <a:latin typeface="Menlo"/>
-              </a:rPr>
-              <a:t>} </a:t>
-            </a:r>
-            <a:r>
-              <a:rPr lang="en-US" sz="1600" b="1" dirty="0">
-                <a:solidFill>
-                  <a:srgbClr val="000080"/>
-                </a:solidFill>
-                <a:latin typeface="Menlo"/>
-              </a:rPr>
-              <a:t>catch</a:t>
-            </a:r>
-            <a:r>
-              <a:rPr lang="en-US" sz="1600" dirty="0">
-                <a:solidFill>
-                  <a:srgbClr val="000080"/>
-                </a:solidFill>
-                <a:latin typeface="Menlo"/>
-              </a:rPr>
-              <a:t> </a:t>
-            </a:r>
-            <a:r>
-              <a:rPr lang="en-US" sz="1600" dirty="0">
-                <a:solidFill>
-                  <a:srgbClr val="000000"/>
-                </a:solidFill>
-                <a:latin typeface="Menlo"/>
-              </a:rPr>
-              <a:t>(</a:t>
-            </a:r>
-            <a:r>
-              <a:rPr lang="en-US" sz="1600" dirty="0" err="1">
-                <a:solidFill>
-                  <a:srgbClr val="000000"/>
-                </a:solidFill>
-                <a:latin typeface="Menlo"/>
-              </a:rPr>
-              <a:t>EpisodeNotFoundException</a:t>
-            </a:r>
-            <a:r>
-              <a:rPr lang="en-US" sz="1600" dirty="0">
-                <a:solidFill>
-                  <a:srgbClr val="000000"/>
-                </a:solidFill>
-                <a:latin typeface="Menlo"/>
-              </a:rPr>
-              <a:t> e) </a:t>
-            </a:r>
-            <a:r>
-              <a:rPr lang="en-US" sz="1600" dirty="0" smtClean="0">
-                <a:solidFill>
-                  <a:srgbClr val="000000"/>
-                </a:solidFill>
-                <a:latin typeface="Menlo"/>
-              </a:rPr>
-              <a:t>{</a:t>
-            </a:r>
-          </a:p>
-          <a:p>
-            <a:endParaRPr lang="en-US" sz="1600" dirty="0">
-              <a:solidFill>
-                <a:srgbClr val="000000"/>
-              </a:solidFill>
-              <a:latin typeface="Menlo"/>
-            </a:endParaRPr>
           </a:p>
           <a:p>
             <a:r>

--- a/Test Driven Development/materials/pptx/5. TDD-EasyMock.pptx
+++ b/Test Driven Development/materials/pptx/5. TDD-EasyMock.pptx
@@ -19181,9 +19181,14 @@
   <p:clrMapOvr>
     <a:masterClrMapping/>
   </p:clrMapOvr>
-  <p:transition xmlns:p14="http://schemas.microsoft.com/office/powerpoint/2010/main">
-    <p:zoom/>
-  </p:transition>
+  <mc:AlternateContent xmlns:mc="http://schemas.openxmlformats.org/markup-compatibility/2006">
+    <mc:Choice xmlns:p14="http://schemas.microsoft.com/office/powerpoint/2010/main" Requires="p14">
+      <p:transition p14:dur="0"/>
+    </mc:Choice>
+    <mc:Fallback>
+      <p:transition xmlns:p14="http://schemas.microsoft.com/office/powerpoint/2010/main"/>
+    </mc:Fallback>
+  </mc:AlternateContent>
   <p:timing>
     <p:tnLst>
       <p:par>
@@ -19733,6 +19738,14 @@
   <p:clrMapOvr>
     <a:masterClrMapping/>
   </p:clrMapOvr>
+  <mc:AlternateContent xmlns:mc="http://schemas.openxmlformats.org/markup-compatibility/2006">
+    <mc:Choice xmlns:p14="http://schemas.microsoft.com/office/powerpoint/2010/main" Requires="p14">
+      <p:transition p14:dur="0"/>
+    </mc:Choice>
+    <mc:Fallback>
+      <p:transition xmlns:p14="http://schemas.microsoft.com/office/powerpoint/2010/main"/>
+    </mc:Fallback>
+  </mc:AlternateContent>
   <p:timing>
     <p:tnLst>
       <p:par>
@@ -20017,6 +20030,14 @@
   <p:clrMapOvr>
     <a:masterClrMapping/>
   </p:clrMapOvr>
+  <mc:AlternateContent xmlns:mc="http://schemas.openxmlformats.org/markup-compatibility/2006">
+    <mc:Choice xmlns:p14="http://schemas.microsoft.com/office/powerpoint/2010/main" Requires="p14">
+      <p:transition p14:dur="0"/>
+    </mc:Choice>
+    <mc:Fallback>
+      <p:transition xmlns:p14="http://schemas.microsoft.com/office/powerpoint/2010/main"/>
+    </mc:Fallback>
+  </mc:AlternateContent>
   <p:timing>
     <p:tnLst>
       <p:par>
@@ -20452,6 +20473,14 @@
   <p:clrMapOvr>
     <a:masterClrMapping/>
   </p:clrMapOvr>
+  <mc:AlternateContent xmlns:mc="http://schemas.openxmlformats.org/markup-compatibility/2006">
+    <mc:Choice xmlns:p14="http://schemas.microsoft.com/office/powerpoint/2010/main" Requires="p14">
+      <p:transition p14:dur="0"/>
+    </mc:Choice>
+    <mc:Fallback>
+      <p:transition xmlns:p14="http://schemas.microsoft.com/office/powerpoint/2010/main"/>
+    </mc:Fallback>
+  </mc:AlternateContent>
   <p:timing>
     <p:tnLst>
       <p:par>
@@ -20927,6 +20956,14 @@
   <p:clrMapOvr>
     <a:masterClrMapping/>
   </p:clrMapOvr>
+  <mc:AlternateContent xmlns:mc="http://schemas.openxmlformats.org/markup-compatibility/2006">
+    <mc:Choice xmlns:p14="http://schemas.microsoft.com/office/powerpoint/2010/main" Requires="p14">
+      <p:transition p14:dur="0"/>
+    </mc:Choice>
+    <mc:Fallback>
+      <p:transition xmlns:p14="http://schemas.microsoft.com/office/powerpoint/2010/main"/>
+    </mc:Fallback>
+  </mc:AlternateContent>
   <p:timing>
     <p:tnLst>
       <p:par>
@@ -21363,6 +21400,14 @@
   <p:clrMapOvr>
     <a:masterClrMapping/>
   </p:clrMapOvr>
+  <mc:AlternateContent xmlns:mc="http://schemas.openxmlformats.org/markup-compatibility/2006">
+    <mc:Choice xmlns:p14="http://schemas.microsoft.com/office/powerpoint/2010/main" Requires="p14">
+      <p:transition p14:dur="0"/>
+    </mc:Choice>
+    <mc:Fallback>
+      <p:transition xmlns:p14="http://schemas.microsoft.com/office/powerpoint/2010/main"/>
+    </mc:Fallback>
+  </mc:AlternateContent>
   <p:timing>
     <p:tnLst>
       <p:par>
@@ -21636,6 +21681,14 @@
   <p:clrMapOvr>
     <a:masterClrMapping/>
   </p:clrMapOvr>
+  <mc:AlternateContent xmlns:mc="http://schemas.openxmlformats.org/markup-compatibility/2006">
+    <mc:Choice xmlns:p14="http://schemas.microsoft.com/office/powerpoint/2010/main" Requires="p14">
+      <p:transition p14:dur="0"/>
+    </mc:Choice>
+    <mc:Fallback>
+      <p:transition xmlns:p14="http://schemas.microsoft.com/office/powerpoint/2010/main"/>
+    </mc:Fallback>
+  </mc:AlternateContent>
   <p:timing>
     <p:tnLst>
       <p:par>
@@ -22048,6 +22101,14 @@
   <p:clrMapOvr>
     <a:masterClrMapping/>
   </p:clrMapOvr>
+  <mc:AlternateContent xmlns:mc="http://schemas.openxmlformats.org/markup-compatibility/2006">
+    <mc:Choice xmlns:p14="http://schemas.microsoft.com/office/powerpoint/2010/main" Requires="p14">
+      <p:transition p14:dur="0"/>
+    </mc:Choice>
+    <mc:Fallback>
+      <p:transition xmlns:p14="http://schemas.microsoft.com/office/powerpoint/2010/main"/>
+    </mc:Fallback>
+  </mc:AlternateContent>
   <p:timing>
     <p:tnLst>
       <p:par>
@@ -22527,6 +22588,14 @@
   <p:clrMapOvr>
     <a:masterClrMapping/>
   </p:clrMapOvr>
+  <mc:AlternateContent xmlns:mc="http://schemas.openxmlformats.org/markup-compatibility/2006">
+    <mc:Choice xmlns:p14="http://schemas.microsoft.com/office/powerpoint/2010/main" Requires="p14">
+      <p:transition p14:dur="0"/>
+    </mc:Choice>
+    <mc:Fallback>
+      <p:transition xmlns:p14="http://schemas.microsoft.com/office/powerpoint/2010/main"/>
+    </mc:Fallback>
+  </mc:AlternateContent>
   <p:timing>
     <p:tnLst>
       <p:par>
@@ -22873,6 +22942,14 @@
   <p:clrMapOvr>
     <a:masterClrMapping/>
   </p:clrMapOvr>
+  <mc:AlternateContent xmlns:mc="http://schemas.openxmlformats.org/markup-compatibility/2006">
+    <mc:Choice xmlns:p14="http://schemas.microsoft.com/office/powerpoint/2010/main" Requires="p14">
+      <p:transition p14:dur="0"/>
+    </mc:Choice>
+    <mc:Fallback>
+      <p:transition xmlns:p14="http://schemas.microsoft.com/office/powerpoint/2010/main"/>
+    </mc:Fallback>
+  </mc:AlternateContent>
   <p:timing>
     <p:tnLst>
       <p:par>
@@ -23389,6 +23466,14 @@
   <p:clrMapOvr>
     <a:masterClrMapping/>
   </p:clrMapOvr>
+  <mc:AlternateContent xmlns:mc="http://schemas.openxmlformats.org/markup-compatibility/2006">
+    <mc:Choice xmlns:p14="http://schemas.microsoft.com/office/powerpoint/2010/main" Requires="p14">
+      <p:transition p14:dur="0"/>
+    </mc:Choice>
+    <mc:Fallback>
+      <p:transition xmlns:p14="http://schemas.microsoft.com/office/powerpoint/2010/main"/>
+    </mc:Fallback>
+  </mc:AlternateContent>
   <p:timing>
     <p:tnLst>
       <p:par>
@@ -25448,9 +25533,14 @@
   <p:clrMapOvr>
     <a:masterClrMapping/>
   </p:clrMapOvr>
-  <p:transition xmlns:p14="http://schemas.microsoft.com/office/powerpoint/2010/main" spd="slow">
-    <p:fade/>
-  </p:transition>
+  <mc:AlternateContent xmlns:mc="http://schemas.openxmlformats.org/markup-compatibility/2006">
+    <mc:Choice xmlns:p14="http://schemas.microsoft.com/office/powerpoint/2010/main" Requires="p14">
+      <p:transition p14:dur="0"/>
+    </mc:Choice>
+    <mc:Fallback>
+      <p:transition xmlns:p14="http://schemas.microsoft.com/office/powerpoint/2010/main"/>
+    </mc:Fallback>
+  </mc:AlternateContent>
   <p:timing>
     <p:tnLst>
       <p:par>
@@ -25620,6 +25710,14 @@
   <p:clrMapOvr>
     <a:masterClrMapping/>
   </p:clrMapOvr>
+  <mc:AlternateContent xmlns:mc="http://schemas.openxmlformats.org/markup-compatibility/2006">
+    <mc:Choice xmlns:p14="http://schemas.microsoft.com/office/powerpoint/2010/main" Requires="p14">
+      <p:transition p14:dur="0"/>
+    </mc:Choice>
+    <mc:Fallback>
+      <p:transition xmlns:p14="http://schemas.microsoft.com/office/powerpoint/2010/main"/>
+    </mc:Fallback>
+  </mc:AlternateContent>
   <p:timing>
     <p:tnLst>
       <p:par>
@@ -26407,6 +26505,14 @@
   <p:clrMapOvr>
     <a:masterClrMapping/>
   </p:clrMapOvr>
+  <mc:AlternateContent xmlns:mc="http://schemas.openxmlformats.org/markup-compatibility/2006">
+    <mc:Choice xmlns:p14="http://schemas.microsoft.com/office/powerpoint/2010/main" Requires="p14">
+      <p:transition p14:dur="0"/>
+    </mc:Choice>
+    <mc:Fallback>
+      <p:transition xmlns:p14="http://schemas.microsoft.com/office/powerpoint/2010/main"/>
+    </mc:Fallback>
+  </mc:AlternateContent>
   <p:timing>
     <p:tnLst>
       <p:par>
@@ -26682,6 +26788,14 @@
   <p:clrMapOvr>
     <a:masterClrMapping/>
   </p:clrMapOvr>
+  <mc:AlternateContent xmlns:mc="http://schemas.openxmlformats.org/markup-compatibility/2006">
+    <mc:Choice xmlns:p14="http://schemas.microsoft.com/office/powerpoint/2010/main" Requires="p14">
+      <p:transition p14:dur="0"/>
+    </mc:Choice>
+    <mc:Fallback>
+      <p:transition xmlns:p14="http://schemas.microsoft.com/office/powerpoint/2010/main"/>
+    </mc:Fallback>
+  </mc:AlternateContent>
   <p:timing>
     <p:tnLst>
       <p:par>
@@ -27168,13 +27282,6 @@
               </a:rPr>
               <a:t>)</a:t>
             </a:r>
-            <a:endParaRPr lang="ru-RU" dirty="0">
-              <a:solidFill>
-                <a:schemeClr val="accent4"/>
-              </a:solidFill>
-              <a:latin typeface="Arial"/>
-              <a:cs typeface="Arial"/>
-            </a:endParaRPr>
           </a:p>
         </p:txBody>
       </p:sp>
@@ -27188,6 +27295,14 @@
   <p:clrMapOvr>
     <a:masterClrMapping/>
   </p:clrMapOvr>
+  <mc:AlternateContent xmlns:mc="http://schemas.openxmlformats.org/markup-compatibility/2006">
+    <mc:Choice xmlns:p14="http://schemas.microsoft.com/office/powerpoint/2010/main" Requires="p14">
+      <p:transition p14:dur="0"/>
+    </mc:Choice>
+    <mc:Fallback>
+      <p:transition xmlns:p14="http://schemas.microsoft.com/office/powerpoint/2010/main"/>
+    </mc:Fallback>
+  </mc:AlternateContent>
   <p:timing>
     <p:tnLst>
       <p:par>
@@ -27253,9 +27368,14 @@
   <p:clrMapOvr>
     <a:masterClrMapping/>
   </p:clrMapOvr>
-  <p:transition xmlns:p14="http://schemas.microsoft.com/office/powerpoint/2010/main">
-    <p:zoom/>
-  </p:transition>
+  <mc:AlternateContent xmlns:mc="http://schemas.openxmlformats.org/markup-compatibility/2006">
+    <mc:Choice xmlns:p14="http://schemas.microsoft.com/office/powerpoint/2010/main" Requires="p14">
+      <p:transition p14:dur="0"/>
+    </mc:Choice>
+    <mc:Fallback>
+      <p:transition xmlns:p14="http://schemas.microsoft.com/office/powerpoint/2010/main"/>
+    </mc:Fallback>
+  </mc:AlternateContent>
   <p:timing>
     <p:tnLst>
       <p:par>
@@ -27477,9 +27597,14 @@
   <p:clrMapOvr>
     <a:masterClrMapping/>
   </p:clrMapOvr>
-  <p:transition xmlns:p14="http://schemas.microsoft.com/office/powerpoint/2010/main">
-    <p:zoom/>
-  </p:transition>
+  <mc:AlternateContent xmlns:mc="http://schemas.openxmlformats.org/markup-compatibility/2006">
+    <mc:Choice xmlns:p14="http://schemas.microsoft.com/office/powerpoint/2010/main" Requires="p14">
+      <p:transition p14:dur="0"/>
+    </mc:Choice>
+    <mc:Fallback>
+      <p:transition xmlns:p14="http://schemas.microsoft.com/office/powerpoint/2010/main"/>
+    </mc:Fallback>
+  </mc:AlternateContent>
 </p:sld>
 </file>
 
@@ -27652,6 +27777,14 @@
   <p:clrMapOvr>
     <a:masterClrMapping/>
   </p:clrMapOvr>
+  <mc:AlternateContent xmlns:mc="http://schemas.openxmlformats.org/markup-compatibility/2006">
+    <mc:Choice xmlns:p14="http://schemas.microsoft.com/office/powerpoint/2010/main" Requires="p14">
+      <p:transition p14:dur="0"/>
+    </mc:Choice>
+    <mc:Fallback>
+      <p:transition xmlns:p14="http://schemas.microsoft.com/office/powerpoint/2010/main"/>
+    </mc:Fallback>
+  </mc:AlternateContent>
   <p:timing>
     <p:tnLst>
       <p:par>
@@ -28100,6 +28233,14 @@
   <p:clrMapOvr>
     <a:masterClrMapping/>
   </p:clrMapOvr>
+  <mc:AlternateContent xmlns:mc="http://schemas.openxmlformats.org/markup-compatibility/2006">
+    <mc:Choice xmlns:p14="http://schemas.microsoft.com/office/powerpoint/2010/main" Requires="p14">
+      <p:transition p14:dur="0"/>
+    </mc:Choice>
+    <mc:Fallback>
+      <p:transition xmlns:p14="http://schemas.microsoft.com/office/powerpoint/2010/main"/>
+    </mc:Fallback>
+  </mc:AlternateContent>
   <p:timing>
     <p:tnLst>
       <p:par>
@@ -28204,23 +28345,7 @@
                   <a:schemeClr val="accent4"/>
                 </a:solidFill>
               </a:rPr>
-              <a:t>показ</a:t>
-            </a:r>
-            <a:r>
-              <a:rPr lang="ru-RU" dirty="0" smtClean="0">
-                <a:solidFill>
-                  <a:schemeClr val="accent4"/>
-                </a:solidFill>
-              </a:rPr>
-              <a:t>ывает</a:t>
-            </a:r>
-            <a:r>
-              <a:rPr lang="ru-RU" dirty="0" smtClean="0">
-                <a:solidFill>
-                  <a:schemeClr val="accent4"/>
-                </a:solidFill>
-              </a:rPr>
-              <a:t> </a:t>
+              <a:t>показывает </a:t>
             </a:r>
             <a:r>
               <a:rPr lang="ru-RU" dirty="0">
@@ -29394,6 +29519,14 @@
   <p:clrMapOvr>
     <a:masterClrMapping/>
   </p:clrMapOvr>
+  <mc:AlternateContent xmlns:mc="http://schemas.openxmlformats.org/markup-compatibility/2006">
+    <mc:Choice xmlns:p14="http://schemas.microsoft.com/office/powerpoint/2010/main" Requires="p14">
+      <p:transition p14:dur="0"/>
+    </mc:Choice>
+    <mc:Fallback>
+      <p:transition xmlns:p14="http://schemas.microsoft.com/office/powerpoint/2010/main"/>
+    </mc:Fallback>
+  </mc:AlternateContent>
   <p:timing>
     <p:tnLst>
       <p:par>
@@ -29952,6 +30085,14 @@
   <p:clrMapOvr>
     <a:masterClrMapping/>
   </p:clrMapOvr>
+  <mc:AlternateContent xmlns:mc="http://schemas.openxmlformats.org/markup-compatibility/2006">
+    <mc:Choice xmlns:p14="http://schemas.microsoft.com/office/powerpoint/2010/main" Requires="p14">
+      <p:transition p14:dur="0"/>
+    </mc:Choice>
+    <mc:Fallback>
+      <p:transition xmlns:p14="http://schemas.microsoft.com/office/powerpoint/2010/main"/>
+    </mc:Fallback>
+  </mc:AlternateContent>
   <p:timing>
     <p:tnLst>
       <p:par>
@@ -30448,6 +30589,14 @@
   <p:clrMapOvr>
     <a:masterClrMapping/>
   </p:clrMapOvr>
+  <mc:AlternateContent xmlns:mc="http://schemas.openxmlformats.org/markup-compatibility/2006">
+    <mc:Choice xmlns:p14="http://schemas.microsoft.com/office/powerpoint/2010/main" Requires="p14">
+      <p:transition p14:dur="0"/>
+    </mc:Choice>
+    <mc:Fallback>
+      <p:transition xmlns:p14="http://schemas.microsoft.com/office/powerpoint/2010/main"/>
+    </mc:Fallback>
+  </mc:AlternateContent>
   <p:timing>
     <p:tnLst>
       <p:par>
@@ -30890,6 +31039,14 @@
   <p:clrMapOvr>
     <a:masterClrMapping/>
   </p:clrMapOvr>
+  <mc:AlternateContent xmlns:mc="http://schemas.openxmlformats.org/markup-compatibility/2006">
+    <mc:Choice xmlns:p14="http://schemas.microsoft.com/office/powerpoint/2010/main" Requires="p14">
+      <p:transition p14:dur="0"/>
+    </mc:Choice>
+    <mc:Fallback>
+      <p:transition xmlns:p14="http://schemas.microsoft.com/office/powerpoint/2010/main"/>
+    </mc:Fallback>
+  </mc:AlternateContent>
   <p:timing>
     <p:tnLst>
       <p:par>
@@ -31108,6 +31265,14 @@
   <p:clrMapOvr>
     <a:masterClrMapping/>
   </p:clrMapOvr>
+  <mc:AlternateContent xmlns:mc="http://schemas.openxmlformats.org/markup-compatibility/2006">
+    <mc:Choice xmlns:p14="http://schemas.microsoft.com/office/powerpoint/2010/main" Requires="p14">
+      <p:transition p14:dur="0"/>
+    </mc:Choice>
+    <mc:Fallback>
+      <p:transition xmlns:p14="http://schemas.microsoft.com/office/powerpoint/2010/main"/>
+    </mc:Fallback>
+  </mc:AlternateContent>
   <p:timing>
     <p:tnLst>
       <p:par>
